--- a/spring/spring_basic/pic.pptx
+++ b/spring/spring_basic/pic.pptx
@@ -5,16 +5,14 @@
     <p:sldMasterId id="2147483648" r:id="rId1"/>
   </p:sldMasterIdLst>
   <p:notesMasterIdLst>
-    <p:notesMasterId r:id="rId9"/>
+    <p:notesMasterId r:id="rId7"/>
   </p:notesMasterIdLst>
   <p:sldIdLst>
     <p:sldId id="257" r:id="rId2"/>
-    <p:sldId id="258" r:id="rId3"/>
-    <p:sldId id="260" r:id="rId4"/>
-    <p:sldId id="259" r:id="rId5"/>
+    <p:sldId id="259" r:id="rId3"/>
+    <p:sldId id="263" r:id="rId4"/>
+    <p:sldId id="264" r:id="rId5"/>
     <p:sldId id="256" r:id="rId6"/>
-    <p:sldId id="261" r:id="rId7"/>
-    <p:sldId id="262" r:id="rId8"/>
   </p:sldIdLst>
   <p:sldSz cx="12192000" cy="6858000"/>
   <p:notesSz cx="6858000" cy="9144000"/>
@@ -203,7 +201,7 @@
           <a:p>
             <a:fld id="{A5D10A1A-8FDE-447D-A598-A4054ADCC7B1}" type="datetimeFigureOut">
               <a:rPr lang="zh-CN" altLang="en-US" smtClean="0"/>
-              <a:t>2020/11/23</a:t>
+              <a:t>2020/11/25</a:t>
             </a:fld>
             <a:endParaRPr lang="zh-CN" altLang="en-US"/>
           </a:p>
@@ -514,10 +512,7 @@
           <a:bodyPr/>
           <a:lstStyle/>
           <a:p>
-            <a:r>
-              <a:rPr lang="en-US" altLang="zh-CN" dirty="0"/>
-              <a:t>default.org.springframework.cloud.loadbalancer.config.BlockingLoadBalancerClientAutoConfiguration</a:t>
-            </a:r>
+            <a:endParaRPr lang="en-US" altLang="zh-CN" dirty="0"/>
           </a:p>
         </p:txBody>
       </p:sp>
@@ -601,7 +596,7 @@
           <a:bodyPr/>
           <a:lstStyle/>
           <a:p>
-            <a:endParaRPr lang="en-US" altLang="zh-CN" dirty="0"/>
+            <a:endParaRPr lang="zh-CN" altLang="en-US" dirty="0"/>
           </a:p>
         </p:txBody>
       </p:sp>
@@ -631,7 +626,7 @@
     </p:spTree>
     <p:extLst>
       <p:ext uri="{BB962C8B-B14F-4D97-AF65-F5344CB8AC3E}">
-        <p14:creationId xmlns:p14="http://schemas.microsoft.com/office/powerpoint/2010/main" val="4185633727"/>
+        <p14:creationId xmlns:p14="http://schemas.microsoft.com/office/powerpoint/2010/main" val="2885556833"/>
       </p:ext>
     </p:extLst>
   </p:cSld>
@@ -685,11 +680,7 @@
           <a:bodyPr/>
           <a:lstStyle/>
           <a:p>
-            <a:r>
-              <a:rPr lang="en-US" altLang="zh-CN" dirty="0" err="1"/>
-              <a:t>ReactiveCompositeDiscoveryClientAutoConfiguration</a:t>
-            </a:r>
-            <a:endParaRPr lang="zh-CN" altLang="en-US" dirty="0"/>
+            <a:endParaRPr lang="en-US" altLang="zh-CN" dirty="0"/>
           </a:p>
         </p:txBody>
       </p:sp>
@@ -719,7 +710,7 @@
     </p:spTree>
     <p:extLst>
       <p:ext uri="{BB962C8B-B14F-4D97-AF65-F5344CB8AC3E}">
-        <p14:creationId xmlns:p14="http://schemas.microsoft.com/office/powerpoint/2010/main" val="2422160985"/>
+        <p14:creationId xmlns:p14="http://schemas.microsoft.com/office/powerpoint/2010/main" val="4057553198"/>
       </p:ext>
     </p:extLst>
   </p:cSld>
@@ -803,7 +794,7 @@
     </p:spTree>
     <p:extLst>
       <p:ext uri="{BB962C8B-B14F-4D97-AF65-F5344CB8AC3E}">
-        <p14:creationId xmlns:p14="http://schemas.microsoft.com/office/powerpoint/2010/main" val="2885556833"/>
+        <p14:creationId xmlns:p14="http://schemas.microsoft.com/office/powerpoint/2010/main" val="2300157132"/>
       </p:ext>
     </p:extLst>
   </p:cSld>
@@ -888,90 +879,6 @@
     <p:extLst>
       <p:ext uri="{BB962C8B-B14F-4D97-AF65-F5344CB8AC3E}">
         <p14:creationId xmlns:p14="http://schemas.microsoft.com/office/powerpoint/2010/main" val="3516806859"/>
-      </p:ext>
-    </p:extLst>
-  </p:cSld>
-  <p:clrMapOvr>
-    <a:masterClrMapping/>
-  </p:clrMapOvr>
-</p:notes>
-</file>
-
-<file path=ppt/notesSlides/notesSlide6.xml><?xml version="1.0" encoding="utf-8"?>
-<p:notes xmlns:a="http://schemas.openxmlformats.org/drawingml/2006/main" xmlns:r="http://schemas.openxmlformats.org/officeDocument/2006/relationships" xmlns:p="http://schemas.openxmlformats.org/presentationml/2006/main">
-  <p:cSld>
-    <p:spTree>
-      <p:nvGrpSpPr>
-        <p:cNvPr id="1" name=""/>
-        <p:cNvGrpSpPr/>
-        <p:nvPr/>
-      </p:nvGrpSpPr>
-      <p:grpSpPr>
-        <a:xfrm>
-          <a:off x="0" y="0"/>
-          <a:ext cx="0" cy="0"/>
-          <a:chOff x="0" y="0"/>
-          <a:chExt cx="0" cy="0"/>
-        </a:xfrm>
-      </p:grpSpPr>
-      <p:sp>
-        <p:nvSpPr>
-          <p:cNvPr id="2" name="幻灯片图像占位符 1"/>
-          <p:cNvSpPr>
-            <a:spLocks noGrp="1" noRot="1" noChangeAspect="1"/>
-          </p:cNvSpPr>
-          <p:nvPr>
-            <p:ph type="sldImg"/>
-          </p:nvPr>
-        </p:nvSpPr>
-        <p:spPr/>
-      </p:sp>
-      <p:sp>
-        <p:nvSpPr>
-          <p:cNvPr id="3" name="备注占位符 2"/>
-          <p:cNvSpPr>
-            <a:spLocks noGrp="1"/>
-          </p:cNvSpPr>
-          <p:nvPr>
-            <p:ph type="body" idx="1"/>
-          </p:nvPr>
-        </p:nvSpPr>
-        <p:spPr/>
-        <p:txBody>
-          <a:bodyPr/>
-          <a:lstStyle/>
-          <a:p>
-            <a:endParaRPr lang="zh-CN" altLang="en-US" dirty="0"/>
-          </a:p>
-        </p:txBody>
-      </p:sp>
-      <p:sp>
-        <p:nvSpPr>
-          <p:cNvPr id="4" name="灯片编号占位符 3"/>
-          <p:cNvSpPr>
-            <a:spLocks noGrp="1"/>
-          </p:cNvSpPr>
-          <p:nvPr>
-            <p:ph type="sldNum" sz="quarter" idx="5"/>
-          </p:nvPr>
-        </p:nvSpPr>
-        <p:spPr/>
-        <p:txBody>
-          <a:bodyPr/>
-          <a:lstStyle/>
-          <a:p>
-            <a:fld id="{C4D751B0-B979-44D1-80D1-2FEAF4B2D335}" type="slidenum">
-              <a:rPr lang="zh-CN" altLang="en-US" smtClean="0"/>
-              <a:t>6</a:t>
-            </a:fld>
-            <a:endParaRPr lang="zh-CN" altLang="en-US"/>
-          </a:p>
-        </p:txBody>
-      </p:sp>
-    </p:spTree>
-    <p:extLst>
-      <p:ext uri="{BB962C8B-B14F-4D97-AF65-F5344CB8AC3E}">
-        <p14:creationId xmlns:p14="http://schemas.microsoft.com/office/powerpoint/2010/main" val="1683162748"/>
       </p:ext>
     </p:extLst>
   </p:cSld>
@@ -1128,7 +1035,7 @@
           <a:p>
             <a:fld id="{5F3ADD67-860E-45F9-A342-F19D45802CC0}" type="datetimeFigureOut">
               <a:rPr lang="zh-CN" altLang="en-US" smtClean="0"/>
-              <a:t>2020/11/23</a:t>
+              <a:t>2020/11/25</a:t>
             </a:fld>
             <a:endParaRPr lang="zh-CN" altLang="en-US"/>
           </a:p>
@@ -1326,7 +1233,7 @@
           <a:p>
             <a:fld id="{5F3ADD67-860E-45F9-A342-F19D45802CC0}" type="datetimeFigureOut">
               <a:rPr lang="zh-CN" altLang="en-US" smtClean="0"/>
-              <a:t>2020/11/23</a:t>
+              <a:t>2020/11/25</a:t>
             </a:fld>
             <a:endParaRPr lang="zh-CN" altLang="en-US"/>
           </a:p>
@@ -1534,7 +1441,7 @@
           <a:p>
             <a:fld id="{5F3ADD67-860E-45F9-A342-F19D45802CC0}" type="datetimeFigureOut">
               <a:rPr lang="zh-CN" altLang="en-US" smtClean="0"/>
-              <a:t>2020/11/23</a:t>
+              <a:t>2020/11/25</a:t>
             </a:fld>
             <a:endParaRPr lang="zh-CN" altLang="en-US"/>
           </a:p>
@@ -1732,7 +1639,7 @@
           <a:p>
             <a:fld id="{5F3ADD67-860E-45F9-A342-F19D45802CC0}" type="datetimeFigureOut">
               <a:rPr lang="zh-CN" altLang="en-US" smtClean="0"/>
-              <a:t>2020/11/23</a:t>
+              <a:t>2020/11/25</a:t>
             </a:fld>
             <a:endParaRPr lang="zh-CN" altLang="en-US"/>
           </a:p>
@@ -2007,7 +1914,7 @@
           <a:p>
             <a:fld id="{5F3ADD67-860E-45F9-A342-F19D45802CC0}" type="datetimeFigureOut">
               <a:rPr lang="zh-CN" altLang="en-US" smtClean="0"/>
-              <a:t>2020/11/23</a:t>
+              <a:t>2020/11/25</a:t>
             </a:fld>
             <a:endParaRPr lang="zh-CN" altLang="en-US"/>
           </a:p>
@@ -2272,7 +2179,7 @@
           <a:p>
             <a:fld id="{5F3ADD67-860E-45F9-A342-F19D45802CC0}" type="datetimeFigureOut">
               <a:rPr lang="zh-CN" altLang="en-US" smtClean="0"/>
-              <a:t>2020/11/23</a:t>
+              <a:t>2020/11/25</a:t>
             </a:fld>
             <a:endParaRPr lang="zh-CN" altLang="en-US"/>
           </a:p>
@@ -2684,7 +2591,7 @@
           <a:p>
             <a:fld id="{5F3ADD67-860E-45F9-A342-F19D45802CC0}" type="datetimeFigureOut">
               <a:rPr lang="zh-CN" altLang="en-US" smtClean="0"/>
-              <a:t>2020/11/23</a:t>
+              <a:t>2020/11/25</a:t>
             </a:fld>
             <a:endParaRPr lang="zh-CN" altLang="en-US"/>
           </a:p>
@@ -2825,7 +2732,7 @@
           <a:p>
             <a:fld id="{5F3ADD67-860E-45F9-A342-F19D45802CC0}" type="datetimeFigureOut">
               <a:rPr lang="zh-CN" altLang="en-US" smtClean="0"/>
-              <a:t>2020/11/23</a:t>
+              <a:t>2020/11/25</a:t>
             </a:fld>
             <a:endParaRPr lang="zh-CN" altLang="en-US"/>
           </a:p>
@@ -2938,7 +2845,7 @@
           <a:p>
             <a:fld id="{5F3ADD67-860E-45F9-A342-F19D45802CC0}" type="datetimeFigureOut">
               <a:rPr lang="zh-CN" altLang="en-US" smtClean="0"/>
-              <a:t>2020/11/23</a:t>
+              <a:t>2020/11/25</a:t>
             </a:fld>
             <a:endParaRPr lang="zh-CN" altLang="en-US"/>
           </a:p>
@@ -3249,7 +3156,7 @@
           <a:p>
             <a:fld id="{5F3ADD67-860E-45F9-A342-F19D45802CC0}" type="datetimeFigureOut">
               <a:rPr lang="zh-CN" altLang="en-US" smtClean="0"/>
-              <a:t>2020/11/23</a:t>
+              <a:t>2020/11/25</a:t>
             </a:fld>
             <a:endParaRPr lang="zh-CN" altLang="en-US"/>
           </a:p>
@@ -3537,7 +3444,7 @@
           <a:p>
             <a:fld id="{5F3ADD67-860E-45F9-A342-F19D45802CC0}" type="datetimeFigureOut">
               <a:rPr lang="zh-CN" altLang="en-US" smtClean="0"/>
-              <a:t>2020/11/23</a:t>
+              <a:t>2020/11/25</a:t>
             </a:fld>
             <a:endParaRPr lang="zh-CN" altLang="en-US"/>
           </a:p>
@@ -3778,7 +3685,7 @@
           <a:p>
             <a:fld id="{5F3ADD67-860E-45F9-A342-F19D45802CC0}" type="datetimeFigureOut">
               <a:rPr lang="zh-CN" altLang="en-US" smtClean="0"/>
-              <a:t>2020/11/23</a:t>
+              <a:t>2020/11/25</a:t>
             </a:fld>
             <a:endParaRPr lang="zh-CN" altLang="en-US"/>
           </a:p>
@@ -4209,8 +4116,8 @@
         </p:nvSpPr>
         <p:spPr>
           <a:xfrm>
-            <a:off x="441075" y="1146365"/>
-            <a:ext cx="2410426" cy="1477328"/>
+            <a:off x="239499" y="1168506"/>
+            <a:ext cx="2721415" cy="646331"/>
           </a:xfrm>
           <a:prstGeom prst="rect">
             <a:avLst/>
@@ -4238,16 +4145,6 @@
           </a:lstStyle>
           <a:p>
             <a:r>
-              <a:rPr lang="en-US" altLang="zh-CN" dirty="0" err="1"/>
-              <a:t>org.springframework.cloud.loadbalancer.config</a:t>
-            </a:r>
-            <a:r>
-              <a:rPr lang="en-US" altLang="zh-CN" dirty="0"/>
-              <a:t>.</a:t>
-            </a:r>
-          </a:p>
-          <a:p>
-            <a:r>
               <a:rPr lang="en-US" altLang="zh-CN" dirty="0" err="1">
                 <a:solidFill>
                   <a:srgbClr val="FF0000"/>
@@ -4277,7 +4174,7 @@
         </p:nvSpPr>
         <p:spPr>
           <a:xfrm>
-            <a:off x="3395559" y="1300313"/>
+            <a:off x="3395559" y="1420059"/>
             <a:ext cx="2410427" cy="369332"/>
           </a:xfrm>
           <a:prstGeom prst="rect">
@@ -4336,7 +4233,7 @@
         </p:nvCxnSpPr>
         <p:spPr>
           <a:xfrm>
-            <a:off x="2851501" y="1484979"/>
+            <a:off x="2851501" y="1604725"/>
             <a:ext cx="544058" cy="0"/>
           </a:xfrm>
           <a:prstGeom prst="straightConnector1">
@@ -4375,8 +4272,8 @@
         </p:nvSpPr>
         <p:spPr>
           <a:xfrm>
-            <a:off x="6483834" y="1303831"/>
-            <a:ext cx="4855813" cy="369332"/>
+            <a:off x="6483834" y="1423577"/>
+            <a:ext cx="5384595" cy="369332"/>
           </a:xfrm>
           <a:prstGeom prst="rect">
             <a:avLst/>
@@ -4429,7 +4326,7 @@
         </p:nvCxnSpPr>
         <p:spPr>
           <a:xfrm>
-            <a:off x="5805986" y="1484979"/>
+            <a:off x="5805986" y="1604725"/>
             <a:ext cx="677848" cy="3518"/>
           </a:xfrm>
           <a:prstGeom prst="straightConnector1">
@@ -4468,13 +4365,18 @@
         </p:nvSpPr>
         <p:spPr>
           <a:xfrm>
-            <a:off x="4393830" y="1850793"/>
-            <a:ext cx="5001051" cy="923330"/>
+            <a:off x="4600772" y="2267695"/>
+            <a:ext cx="7667428" cy="707886"/>
           </a:xfrm>
           <a:prstGeom prst="rect">
             <a:avLst/>
           </a:prstGeom>
           <a:noFill/>
+          <a:ln>
+            <a:solidFill>
+              <a:schemeClr val="accent1"/>
+            </a:solidFill>
+          </a:ln>
         </p:spPr>
         <p:txBody>
           <a:bodyPr wrap="square" rtlCol="0">
@@ -4483,19 +4385,110 @@
           <a:lstStyle/>
           <a:p>
             <a:r>
-              <a:rPr lang="en-US" altLang="zh-CN" dirty="0"/>
+              <a:rPr lang="en-US" altLang="zh-CN" sz="1000" dirty="0">
+                <a:highlight>
+                  <a:srgbClr val="FFFF00"/>
+                </a:highlight>
+              </a:rPr>
+              <a:t>Bean create</a:t>
+            </a:r>
+            <a:r>
+              <a:rPr lang="zh-CN" altLang="en-US" sz="1000" dirty="0"/>
+              <a:t>：</a:t>
+            </a:r>
+            <a:endParaRPr lang="en-US" altLang="zh-CN" sz="1000" dirty="0"/>
+          </a:p>
+          <a:p>
+            <a:r>
+              <a:rPr lang="en-US" altLang="zh-CN" sz="1000" dirty="0">
+                <a:highlight>
+                  <a:srgbClr val="FFFF00"/>
+                </a:highlight>
+              </a:rPr>
+              <a:t>1.</a:t>
+            </a:r>
+            <a:r>
+              <a:rPr lang="en-US" altLang="zh-CN" sz="1000" dirty="0"/>
               <a:t>default.org.springframework.cloud.loadbalancer.config.LoadBalancerAutoConfiguration.LoadBalancerClientSpecification</a:t>
             </a:r>
-            <a:endParaRPr lang="zh-CN" altLang="en-US" dirty="0"/>
-          </a:p>
-        </p:txBody>
-      </p:sp>
-      <p:sp>
-        <p:nvSpPr>
-          <p:cNvPr id="16" name="文本框 15">
-            <a:extLst>
-              <a:ext uri="{FF2B5EF4-FFF2-40B4-BE49-F238E27FC236}">
-                <a16:creationId xmlns:a16="http://schemas.microsoft.com/office/drawing/2014/main" id="{487D0A75-E59E-4633-A415-A7F502A83708}"/>
+          </a:p>
+          <a:p>
+            <a:r>
+              <a:rPr lang="en-US" altLang="zh-CN" sz="1000" dirty="0">
+                <a:highlight>
+                  <a:srgbClr val="FFFF00"/>
+                </a:highlight>
+              </a:rPr>
+              <a:t>2.</a:t>
+            </a:r>
+            <a:r>
+              <a:rPr lang="en-US" altLang="zh-CN" sz="1000" dirty="0"/>
+              <a:t>default.org.springframework.cloud.loadbalancer.config.BlockingLoadBalancerClientAutoConfiguration.LoadBalancerClientSpecification</a:t>
+            </a:r>
+          </a:p>
+          <a:p>
+            <a:r>
+              <a:rPr lang="en-US" altLang="zh-CN" sz="1000" dirty="0">
+                <a:highlight>
+                  <a:srgbClr val="FFFF00"/>
+                </a:highlight>
+              </a:rPr>
+              <a:t>3.</a:t>
+            </a:r>
+            <a:r>
+              <a:rPr lang="en-US" altLang="zh-CN" sz="1000" dirty="0"/>
+              <a:t>default.org.springframework.cloud.netflix.eureka.loadbalancer.LoadBalancerEurekaAutoConfiguration.LoadBalancerClientSpecification</a:t>
+            </a:r>
+          </a:p>
+        </p:txBody>
+      </p:sp>
+      <p:cxnSp>
+        <p:nvCxnSpPr>
+          <p:cNvPr id="18" name="直接箭头连接符 17">
+            <a:extLst>
+              <a:ext uri="{FF2B5EF4-FFF2-40B4-BE49-F238E27FC236}">
+                <a16:creationId xmlns:a16="http://schemas.microsoft.com/office/drawing/2014/main" id="{F122718C-990E-4454-8FE0-18AD446B933B}"/>
+              </a:ext>
+            </a:extLst>
+          </p:cNvPr>
+          <p:cNvCxnSpPr>
+            <a:cxnSpLocks/>
+          </p:cNvCxnSpPr>
+          <p:nvPr/>
+        </p:nvCxnSpPr>
+        <p:spPr>
+          <a:xfrm>
+            <a:off x="9050905" y="1789391"/>
+            <a:ext cx="0" cy="384715"/>
+          </a:xfrm>
+          <a:prstGeom prst="straightConnector1">
+            <a:avLst/>
+          </a:prstGeom>
+          <a:ln>
+            <a:tailEnd type="triangle"/>
+          </a:ln>
+        </p:spPr>
+        <p:style>
+          <a:lnRef idx="1">
+            <a:schemeClr val="accent1"/>
+          </a:lnRef>
+          <a:fillRef idx="0">
+            <a:schemeClr val="accent1"/>
+          </a:fillRef>
+          <a:effectRef idx="0">
+            <a:schemeClr val="accent1"/>
+          </a:effectRef>
+          <a:fontRef idx="minor">
+            <a:schemeClr val="tx1"/>
+          </a:fontRef>
+        </p:style>
+      </p:cxnSp>
+      <p:sp>
+        <p:nvSpPr>
+          <p:cNvPr id="19" name="文本框 18">
+            <a:extLst>
+              <a:ext uri="{FF2B5EF4-FFF2-40B4-BE49-F238E27FC236}">
+                <a16:creationId xmlns:a16="http://schemas.microsoft.com/office/drawing/2014/main" id="{E5D28F17-3F89-4127-99D1-D2763EB404BC}"/>
               </a:ext>
             </a:extLst>
           </p:cNvPr>
@@ -4504,8 +4497,8 @@
         </p:nvSpPr>
         <p:spPr>
           <a:xfrm>
-            <a:off x="7833531" y="2468018"/>
-            <a:ext cx="3506115" cy="923330"/>
+            <a:off x="239499" y="1941122"/>
+            <a:ext cx="2721415" cy="646331"/>
           </a:xfrm>
           <a:prstGeom prst="rect">
             <a:avLst/>
@@ -4533,31 +4526,41 @@
           </a:lstStyle>
           <a:p>
             <a:r>
-              <a:rPr lang="en-US" altLang="zh-CN" dirty="0"/>
-              <a:t>org.springframework.cloud.loadbalancer.annotation.LoadBalancerClientSpecification</a:t>
-            </a:r>
-            <a:endParaRPr lang="zh-CN" altLang="en-US" dirty="0"/>
+              <a:rPr lang="en-US" altLang="zh-CN" dirty="0" err="1">
+                <a:solidFill>
+                  <a:srgbClr val="FF0000"/>
+                </a:solidFill>
+              </a:rPr>
+              <a:t>BlockingLoadBalancerClientAutoConfiguration</a:t>
+            </a:r>
+            <a:endParaRPr lang="zh-CN" altLang="en-US" dirty="0">
+              <a:solidFill>
+                <a:srgbClr val="FF0000"/>
+              </a:solidFill>
+            </a:endParaRPr>
           </a:p>
         </p:txBody>
       </p:sp>
       <p:cxnSp>
         <p:nvCxnSpPr>
-          <p:cNvPr id="18" name="直接箭头连接符 17">
-            <a:extLst>
-              <a:ext uri="{FF2B5EF4-FFF2-40B4-BE49-F238E27FC236}">
-                <a16:creationId xmlns:a16="http://schemas.microsoft.com/office/drawing/2014/main" id="{F122718C-990E-4454-8FE0-18AD446B933B}"/>
+          <p:cNvPr id="35" name="直接箭头连接符 34">
+            <a:extLst>
+              <a:ext uri="{FF2B5EF4-FFF2-40B4-BE49-F238E27FC236}">
+                <a16:creationId xmlns:a16="http://schemas.microsoft.com/office/drawing/2014/main" id="{E6658748-BD8A-41CA-B4D7-A4A9D69AE01E}"/>
               </a:ext>
             </a:extLst>
           </p:cNvPr>
           <p:cNvCxnSpPr>
             <a:cxnSpLocks/>
+            <a:stCxn id="19" idx="3"/>
+            <a:endCxn id="6" idx="1"/>
           </p:cNvCxnSpPr>
           <p:nvPr/>
         </p:nvCxnSpPr>
         <p:spPr>
-          <a:xfrm>
-            <a:off x="9987077" y="1669645"/>
-            <a:ext cx="0" cy="798373"/>
+          <a:xfrm flipV="1">
+            <a:off x="2960914" y="1604725"/>
+            <a:ext cx="434645" cy="659563"/>
           </a:xfrm>
           <a:prstGeom prst="straightConnector1">
             <a:avLst/>
@@ -4583,10 +4586,10 @@
       </p:cxnSp>
       <p:sp>
         <p:nvSpPr>
-          <p:cNvPr id="19" name="文本框 18">
-            <a:extLst>
-              <a:ext uri="{FF2B5EF4-FFF2-40B4-BE49-F238E27FC236}">
-                <a16:creationId xmlns:a16="http://schemas.microsoft.com/office/drawing/2014/main" id="{E5D28F17-3F89-4127-99D1-D2763EB404BC}"/>
+          <p:cNvPr id="20" name="文本框 19">
+            <a:extLst>
+              <a:ext uri="{FF2B5EF4-FFF2-40B4-BE49-F238E27FC236}">
+                <a16:creationId xmlns:a16="http://schemas.microsoft.com/office/drawing/2014/main" id="{3C5E5FFA-04D1-48FF-85B9-21D9BF0A7CD7}"/>
               </a:ext>
             </a:extLst>
           </p:cNvPr>
@@ -4595,8 +4598,185 @@
         </p:nvSpPr>
         <p:spPr>
           <a:xfrm>
-            <a:off x="441076" y="3245774"/>
-            <a:ext cx="2410426" cy="1477328"/>
+            <a:off x="5877824" y="5677712"/>
+            <a:ext cx="7064829" cy="1200329"/>
+          </a:xfrm>
+          <a:prstGeom prst="rect">
+            <a:avLst/>
+          </a:prstGeom>
+          <a:noFill/>
+        </p:spPr>
+        <p:txBody>
+          <a:bodyPr wrap="square">
+            <a:spAutoFit/>
+          </a:bodyPr>
+          <a:lstStyle/>
+          <a:p>
+            <a:r>
+              <a:rPr lang="en-US" altLang="zh-CN" sz="1200" dirty="0"/>
+              <a:t>org.springframework.cloud.loadbalancer.config.</a:t>
+            </a:r>
+            <a:r>
+              <a:rPr lang="en-US" altLang="zh-CN" sz="1200" dirty="0">
+                <a:solidFill>
+                  <a:srgbClr val="FF0000"/>
+                </a:solidFill>
+              </a:rPr>
+              <a:t>LoadBalancerAutoConfiguration</a:t>
+            </a:r>
+          </a:p>
+          <a:p>
+            <a:r>
+              <a:rPr lang="en-US" altLang="zh-CN" sz="1200" dirty="0"/>
+              <a:t>org.springframework.cloud.loadbalancer.config.</a:t>
+            </a:r>
+            <a:r>
+              <a:rPr lang="en-US" altLang="zh-CN" sz="1200" dirty="0">
+                <a:solidFill>
+                  <a:srgbClr val="FF0000"/>
+                </a:solidFill>
+              </a:rPr>
+              <a:t>BlockingLoadBalancerClientAutoConfiguration</a:t>
+            </a:r>
+          </a:p>
+          <a:p>
+            <a:r>
+              <a:rPr lang="en-US" altLang="zh-CN" sz="1200" dirty="0"/>
+              <a:t>org.springframework.cloud.netflix.eureka.loadbalancer.</a:t>
+            </a:r>
+            <a:r>
+              <a:rPr lang="en-US" altLang="zh-CN" sz="1200" dirty="0">
+                <a:solidFill>
+                  <a:srgbClr val="FF0000"/>
+                </a:solidFill>
+              </a:rPr>
+              <a:t>LoadBalancerEurekaAutoConfiguration</a:t>
+            </a:r>
+          </a:p>
+          <a:p>
+            <a:r>
+              <a:rPr lang="en-US" altLang="zh-CN" sz="1200" dirty="0"/>
+              <a:t>org.springframework.cloud.loadbalancer.annotation.</a:t>
+            </a:r>
+            <a:r>
+              <a:rPr lang="en-US" altLang="zh-CN" sz="1200" dirty="0">
+                <a:solidFill>
+                  <a:srgbClr val="FF0000"/>
+                </a:solidFill>
+              </a:rPr>
+              <a:t>LoadBalancerClientSpecification</a:t>
+            </a:r>
+          </a:p>
+          <a:p>
+            <a:r>
+              <a:rPr lang="en-US" altLang="zh-CN" sz="1200" dirty="0"/>
+              <a:t>org.springframework.cloud.loadbalancer.annotation.</a:t>
+            </a:r>
+            <a:r>
+              <a:rPr lang="en-US" altLang="zh-CN" sz="1200" dirty="0">
+                <a:solidFill>
+                  <a:srgbClr val="FF0000"/>
+                </a:solidFill>
+              </a:rPr>
+              <a:t>LoadBalancerClientConfiguration</a:t>
+            </a:r>
+          </a:p>
+          <a:p>
+            <a:endParaRPr lang="zh-CN" altLang="en-US" sz="1200" dirty="0">
+              <a:solidFill>
+                <a:srgbClr val="FF0000"/>
+              </a:solidFill>
+            </a:endParaRPr>
+          </a:p>
+        </p:txBody>
+      </p:sp>
+      <p:sp>
+        <p:nvSpPr>
+          <p:cNvPr id="3" name="文本框 2">
+            <a:extLst>
+              <a:ext uri="{FF2B5EF4-FFF2-40B4-BE49-F238E27FC236}">
+                <a16:creationId xmlns:a16="http://schemas.microsoft.com/office/drawing/2014/main" id="{831F7801-E9A4-4855-AC93-E779E9E7111B}"/>
+              </a:ext>
+            </a:extLst>
+          </p:cNvPr>
+          <p:cNvSpPr txBox="1"/>
+          <p:nvPr/>
+        </p:nvSpPr>
+        <p:spPr>
+          <a:xfrm>
+            <a:off x="326571" y="237143"/>
+            <a:ext cx="10210800" cy="646331"/>
+          </a:xfrm>
+          <a:prstGeom prst="rect">
+            <a:avLst/>
+          </a:prstGeom>
+          <a:noFill/>
+        </p:spPr>
+        <p:txBody>
+          <a:bodyPr wrap="square" rtlCol="0">
+            <a:spAutoFit/>
+          </a:bodyPr>
+          <a:lstStyle/>
+          <a:p>
+            <a:r>
+              <a:rPr lang="en-US" altLang="zh-CN" i="1" dirty="0" err="1"/>
+              <a:t>mainIdea</a:t>
+            </a:r>
+            <a:r>
+              <a:rPr lang="zh-CN" altLang="en-US" i="1" dirty="0"/>
+              <a:t>：</a:t>
+            </a:r>
+            <a:r>
+              <a:rPr lang="en-US" altLang="zh-CN" i="1" dirty="0" err="1"/>
+              <a:t>LoadBalancerAutoConfiguration</a:t>
+            </a:r>
+            <a:r>
+              <a:rPr lang="zh-CN" altLang="en-US" i="1" dirty="0"/>
+              <a:t>，</a:t>
+            </a:r>
+            <a:r>
+              <a:rPr lang="en-US" altLang="zh-CN" i="1" dirty="0" err="1"/>
+              <a:t>BlockingLoadBalancerClientAutoConfiguration</a:t>
+            </a:r>
+            <a:endParaRPr lang="zh-CN" altLang="en-US" i="1" dirty="0"/>
+          </a:p>
+          <a:p>
+            <a:r>
+              <a:rPr lang="zh-CN" altLang="en-US" i="1" dirty="0"/>
+              <a:t>通过 </a:t>
+            </a:r>
+            <a:r>
+              <a:rPr lang="en-US" altLang="zh-CN" i="1" dirty="0"/>
+              <a:t>@LoadBalancerClients </a:t>
+            </a:r>
+            <a:r>
+              <a:rPr lang="zh-CN" altLang="en-US" i="1" dirty="0"/>
+              <a:t>标注生成 </a:t>
+            </a:r>
+            <a:r>
+              <a:rPr lang="en-US" altLang="zh-CN" i="1" dirty="0" err="1"/>
+              <a:t>LoadBalancerClientSpecification</a:t>
+            </a:r>
+            <a:endParaRPr lang="zh-CN" altLang="en-US" i="1" dirty="0"/>
+          </a:p>
+        </p:txBody>
+      </p:sp>
+      <p:sp>
+        <p:nvSpPr>
+          <p:cNvPr id="29" name="文本框 28">
+            <a:extLst>
+              <a:ext uri="{FF2B5EF4-FFF2-40B4-BE49-F238E27FC236}">
+                <a16:creationId xmlns:a16="http://schemas.microsoft.com/office/drawing/2014/main" id="{76E37596-E999-4098-8F92-86FDDDFCE1C2}"/>
+              </a:ext>
+            </a:extLst>
+          </p:cNvPr>
+          <p:cNvSpPr txBox="1"/>
+          <p:nvPr/>
+        </p:nvSpPr>
+        <p:spPr>
+          <a:xfrm>
+            <a:off x="3408083" y="3789568"/>
+            <a:ext cx="2863727" cy="369332"/>
           </a:xfrm>
           <a:prstGeom prst="rect">
             <a:avLst/>
@@ -4624,31 +4804,19 @@
           </a:lstStyle>
           <a:p>
             <a:r>
-              <a:rPr lang="en-US" altLang="zh-CN" dirty="0"/>
-              <a:t>org.springframework.cloud.loadbalancer.config.</a:t>
-            </a:r>
-            <a:r>
-              <a:rPr lang="en-US" altLang="zh-CN" dirty="0">
-                <a:solidFill>
-                  <a:srgbClr val="FF0000"/>
-                </a:solidFill>
-              </a:rPr>
-              <a:t>BlockingLoadBalancerClientAutoConfiguration</a:t>
-            </a:r>
-            <a:endParaRPr lang="zh-CN" altLang="en-US" dirty="0">
-              <a:solidFill>
-                <a:srgbClr val="FF0000"/>
-              </a:solidFill>
-            </a:endParaRPr>
-          </a:p>
-        </p:txBody>
-      </p:sp>
-      <p:sp>
-        <p:nvSpPr>
-          <p:cNvPr id="21" name="文本框 20">
-            <a:extLst>
-              <a:ext uri="{FF2B5EF4-FFF2-40B4-BE49-F238E27FC236}">
-                <a16:creationId xmlns:a16="http://schemas.microsoft.com/office/drawing/2014/main" id="{A7E85946-141A-41FF-88F0-6F9D1C0143D7}"/>
+              <a:rPr lang="zh-CN" altLang="zh-CN" dirty="0"/>
+              <a:t>LoadBalancerClientFactory</a:t>
+            </a:r>
+            <a:endParaRPr lang="en-US" altLang="zh-CN" dirty="0"/>
+          </a:p>
+        </p:txBody>
+      </p:sp>
+      <p:sp>
+        <p:nvSpPr>
+          <p:cNvPr id="30" name="文本框 29">
+            <a:extLst>
+              <a:ext uri="{FF2B5EF4-FFF2-40B4-BE49-F238E27FC236}">
+                <a16:creationId xmlns:a16="http://schemas.microsoft.com/office/drawing/2014/main" id="{0E8EDA91-9A41-4AE9-AFF1-45005A631F0F}"/>
               </a:ext>
             </a:extLst>
           </p:cNvPr>
@@ -4657,43 +4825,8 @@
         </p:nvSpPr>
         <p:spPr>
           <a:xfrm>
-            <a:off x="4393830" y="4353183"/>
-            <a:ext cx="4572000" cy="923330"/>
-          </a:xfrm>
-          <a:prstGeom prst="rect">
-            <a:avLst/>
-          </a:prstGeom>
-          <a:noFill/>
-        </p:spPr>
-        <p:txBody>
-          <a:bodyPr wrap="square">
-            <a:spAutoFit/>
-          </a:bodyPr>
-          <a:lstStyle/>
-          <a:p>
-            <a:r>
-              <a:rPr lang="en-US" altLang="zh-CN" dirty="0"/>
-              <a:t>default.org.springframework.cloud.loadbalancer.config.BlockingLoadBalancerClientAutoConfiguration</a:t>
-            </a:r>
-          </a:p>
-        </p:txBody>
-      </p:sp>
-      <p:sp>
-        <p:nvSpPr>
-          <p:cNvPr id="34" name="文本框 33">
-            <a:extLst>
-              <a:ext uri="{FF2B5EF4-FFF2-40B4-BE49-F238E27FC236}">
-                <a16:creationId xmlns:a16="http://schemas.microsoft.com/office/drawing/2014/main" id="{26C51ED5-1DD1-43D5-A22D-556C0869BC11}"/>
-              </a:ext>
-            </a:extLst>
-          </p:cNvPr>
-          <p:cNvSpPr txBox="1"/>
-          <p:nvPr/>
-        </p:nvSpPr>
-        <p:spPr>
-          <a:xfrm>
-            <a:off x="3396092" y="3753268"/>
-            <a:ext cx="2410427" cy="369332"/>
+            <a:off x="239500" y="3512371"/>
+            <a:ext cx="2721411" cy="923330"/>
           </a:xfrm>
           <a:prstGeom prst="rect">
             <a:avLst/>
@@ -4701,9 +4834,8 @@
           <a:noFill/>
           <a:ln>
             <a:solidFill>
-              <a:srgbClr val="00B0F0"/>
+              <a:schemeClr val="tx1"/>
             </a:solidFill>
-            <a:prstDash val="dash"/>
           </a:ln>
         </p:spPr>
         <p:txBody>
@@ -4722,39 +4854,58 @@
           </a:lstStyle>
           <a:p>
             <a:r>
+              <a:rPr lang="en-US" altLang="zh-CN" dirty="0" err="1">
+                <a:solidFill>
+                  <a:srgbClr val="FF0000"/>
+                </a:solidFill>
+              </a:rPr>
+              <a:t>LoadBalancerAutoConfiguration</a:t>
+            </a:r>
+            <a:r>
               <a:rPr lang="en-US" altLang="zh-CN" dirty="0">
                 <a:solidFill>
-                  <a:srgbClr val="BBB529"/>
+                  <a:srgbClr val="FF0000"/>
                 </a:solidFill>
-                <a:effectLst/>
               </a:rPr>
-              <a:t>@LoadBalancerClients</a:t>
-            </a:r>
-            <a:endParaRPr lang="zh-CN" altLang="en-US" dirty="0"/>
+              <a:t>#</a:t>
+            </a:r>
+            <a:r>
+              <a:rPr lang="zh-CN" altLang="zh-CN" dirty="0">
+                <a:solidFill>
+                  <a:srgbClr val="FF0000"/>
+                </a:solidFill>
+              </a:rPr>
+              <a:t>loadBalancerClientFactory</a:t>
+            </a:r>
           </a:p>
         </p:txBody>
       </p:sp>
       <p:cxnSp>
         <p:nvCxnSpPr>
-          <p:cNvPr id="35" name="直接箭头连接符 34">
-            <a:extLst>
-              <a:ext uri="{FF2B5EF4-FFF2-40B4-BE49-F238E27FC236}">
-                <a16:creationId xmlns:a16="http://schemas.microsoft.com/office/drawing/2014/main" id="{E6658748-BD8A-41CA-B4D7-A4A9D69AE01E}"/>
+          <p:cNvPr id="24" name="连接符: 肘形 23">
+            <a:extLst>
+              <a:ext uri="{FF2B5EF4-FFF2-40B4-BE49-F238E27FC236}">
+                <a16:creationId xmlns:a16="http://schemas.microsoft.com/office/drawing/2014/main" id="{DD1636C7-5DAF-4ADA-9A97-6EF44EF103FC}"/>
               </a:ext>
             </a:extLst>
           </p:cNvPr>
           <p:cNvCxnSpPr>
             <a:cxnSpLocks/>
+            <a:stCxn id="15" idx="1"/>
+            <a:endCxn id="29" idx="0"/>
           </p:cNvCxnSpPr>
           <p:nvPr/>
         </p:nvCxnSpPr>
         <p:spPr>
-          <a:xfrm>
-            <a:off x="2851501" y="3937934"/>
-            <a:ext cx="544058" cy="0"/>
-          </a:xfrm>
-          <a:prstGeom prst="straightConnector1">
-            <a:avLst/>
+          <a:xfrm rot="10800000" flipH="1" flipV="1">
+            <a:off x="4600771" y="2621638"/>
+            <a:ext cx="239175" cy="1167930"/>
+          </a:xfrm>
+          <a:prstGeom prst="bentConnector4">
+            <a:avLst>
+              <a:gd name="adj1" fmla="val -95579"/>
+              <a:gd name="adj2" fmla="val 65153"/>
+            </a:avLst>
           </a:prstGeom>
           <a:ln>
             <a:tailEnd type="triangle"/>
@@ -4775,12 +4926,55 @@
           </a:fontRef>
         </p:style>
       </p:cxnSp>
-      <p:sp>
-        <p:nvSpPr>
-          <p:cNvPr id="39" name="文本框 38">
-            <a:extLst>
-              <a:ext uri="{FF2B5EF4-FFF2-40B4-BE49-F238E27FC236}">
-                <a16:creationId xmlns:a16="http://schemas.microsoft.com/office/drawing/2014/main" id="{70A87580-FC64-4C7C-AFF4-863BAB952F79}"/>
+      <p:cxnSp>
+        <p:nvCxnSpPr>
+          <p:cNvPr id="36" name="直接箭头连接符 35">
+            <a:extLst>
+              <a:ext uri="{FF2B5EF4-FFF2-40B4-BE49-F238E27FC236}">
+                <a16:creationId xmlns:a16="http://schemas.microsoft.com/office/drawing/2014/main" id="{65D108B3-68B0-4DFA-80CF-252659D78128}"/>
+              </a:ext>
+            </a:extLst>
+          </p:cNvPr>
+          <p:cNvCxnSpPr>
+            <a:cxnSpLocks/>
+            <a:stCxn id="30" idx="3"/>
+            <a:endCxn id="29" idx="1"/>
+          </p:cNvCxnSpPr>
+          <p:nvPr/>
+        </p:nvCxnSpPr>
+        <p:spPr>
+          <a:xfrm>
+            <a:off x="2960911" y="3974036"/>
+            <a:ext cx="447172" cy="198"/>
+          </a:xfrm>
+          <a:prstGeom prst="straightConnector1">
+            <a:avLst/>
+          </a:prstGeom>
+          <a:ln>
+            <a:tailEnd type="triangle"/>
+          </a:ln>
+        </p:spPr>
+        <p:style>
+          <a:lnRef idx="1">
+            <a:schemeClr val="accent1"/>
+          </a:lnRef>
+          <a:fillRef idx="0">
+            <a:schemeClr val="accent1"/>
+          </a:fillRef>
+          <a:effectRef idx="0">
+            <a:schemeClr val="accent1"/>
+          </a:effectRef>
+          <a:fontRef idx="minor">
+            <a:schemeClr val="tx1"/>
+          </a:fontRef>
+        </p:style>
+      </p:cxnSp>
+      <p:sp>
+        <p:nvSpPr>
+          <p:cNvPr id="37" name="文本框 36">
+            <a:extLst>
+              <a:ext uri="{FF2B5EF4-FFF2-40B4-BE49-F238E27FC236}">
+                <a16:creationId xmlns:a16="http://schemas.microsoft.com/office/drawing/2014/main" id="{F65652A9-9F9A-4088-923C-BC57F85B6010}"/>
               </a:ext>
             </a:extLst>
           </p:cNvPr>
@@ -4789,8 +4983,8 @@
         </p:nvSpPr>
         <p:spPr>
           <a:xfrm>
-            <a:off x="6483833" y="3761922"/>
-            <a:ext cx="4855813" cy="369332"/>
+            <a:off x="3447406" y="4712702"/>
+            <a:ext cx="2944143" cy="369332"/>
           </a:xfrm>
           <a:prstGeom prst="rect">
             <a:avLst/>
@@ -4818,60 +5012,19 @@
           </a:lstStyle>
           <a:p>
             <a:r>
-              <a:rPr lang="en-US" altLang="zh-CN" dirty="0" err="1"/>
-              <a:t>LoadBalancerClientConfigurationRegistrar</a:t>
-            </a:r>
-            <a:endParaRPr lang="zh-CN" altLang="en-US" dirty="0"/>
-          </a:p>
-        </p:txBody>
-      </p:sp>
-      <p:cxnSp>
-        <p:nvCxnSpPr>
-          <p:cNvPr id="41" name="直接箭头连接符 40">
-            <a:extLst>
-              <a:ext uri="{FF2B5EF4-FFF2-40B4-BE49-F238E27FC236}">
-                <a16:creationId xmlns:a16="http://schemas.microsoft.com/office/drawing/2014/main" id="{60804F4C-0AFC-485B-92EB-8074576E4110}"/>
-              </a:ext>
-            </a:extLst>
-          </p:cNvPr>
-          <p:cNvCxnSpPr>
-            <a:cxnSpLocks/>
-          </p:cNvCxnSpPr>
-          <p:nvPr/>
-        </p:nvCxnSpPr>
-        <p:spPr>
-          <a:xfrm>
-            <a:off x="5805986" y="3928036"/>
-            <a:ext cx="677848" cy="3518"/>
-          </a:xfrm>
-          <a:prstGeom prst="straightConnector1">
-            <a:avLst/>
-          </a:prstGeom>
-          <a:ln>
-            <a:tailEnd type="triangle"/>
-          </a:ln>
-        </p:spPr>
-        <p:style>
-          <a:lnRef idx="1">
-            <a:schemeClr val="accent1"/>
-          </a:lnRef>
-          <a:fillRef idx="0">
-            <a:schemeClr val="accent1"/>
-          </a:fillRef>
-          <a:effectRef idx="0">
-            <a:schemeClr val="accent1"/>
-          </a:effectRef>
-          <a:fontRef idx="minor">
-            <a:schemeClr val="tx1"/>
-          </a:fontRef>
-        </p:style>
-      </p:cxnSp>
-      <p:sp>
-        <p:nvSpPr>
-          <p:cNvPr id="42" name="文本框 41">
-            <a:extLst>
-              <a:ext uri="{FF2B5EF4-FFF2-40B4-BE49-F238E27FC236}">
-                <a16:creationId xmlns:a16="http://schemas.microsoft.com/office/drawing/2014/main" id="{CDD88697-0E38-410C-9396-D41DFB3318D6}"/>
+              <a:rPr lang="zh-CN" altLang="zh-CN" dirty="0"/>
+              <a:t>BlockingLoadBalancerClient</a:t>
+            </a:r>
+            <a:endParaRPr lang="en-US" altLang="zh-CN" dirty="0"/>
+          </a:p>
+        </p:txBody>
+      </p:sp>
+      <p:sp>
+        <p:nvSpPr>
+          <p:cNvPr id="40" name="文本框 39">
+            <a:extLst>
+              <a:ext uri="{FF2B5EF4-FFF2-40B4-BE49-F238E27FC236}">
+                <a16:creationId xmlns:a16="http://schemas.microsoft.com/office/drawing/2014/main" id="{4AFF1CBD-6913-4377-88A0-4072B58E5D87}"/>
               </a:ext>
             </a:extLst>
           </p:cNvPr>
@@ -4880,8 +5033,8 @@
         </p:nvSpPr>
         <p:spPr>
           <a:xfrm>
-            <a:off x="7833531" y="5036777"/>
-            <a:ext cx="3506115" cy="923330"/>
+            <a:off x="239500" y="4631785"/>
+            <a:ext cx="2721408" cy="923330"/>
           </a:xfrm>
           <a:prstGeom prst="rect">
             <a:avLst/>
@@ -4909,19 +5062,38 @@
           </a:lstStyle>
           <a:p>
             <a:r>
-              <a:rPr lang="en-US" altLang="zh-CN" dirty="0"/>
-              <a:t>org.springframework.cloud.loadbalancer.annotation.LoadBalancerClientSpecification</a:t>
-            </a:r>
-            <a:endParaRPr lang="zh-CN" altLang="en-US" dirty="0"/>
+              <a:rPr lang="en-US" altLang="zh-CN" dirty="0" err="1">
+                <a:solidFill>
+                  <a:srgbClr val="FF0000"/>
+                </a:solidFill>
+              </a:rPr>
+              <a:t>BlockingLoadBalancerClientAutoConfiguration</a:t>
+            </a:r>
+            <a:r>
+              <a:rPr lang="en-US" altLang="zh-CN" dirty="0">
+                <a:solidFill>
+                  <a:srgbClr val="FF0000"/>
+                </a:solidFill>
+              </a:rPr>
+              <a:t>#</a:t>
+            </a:r>
+            <a:r>
+              <a:rPr lang="zh-CN" altLang="zh-CN" dirty="0">
+                <a:solidFill>
+                  <a:srgbClr val="FF0000"/>
+                </a:solidFill>
+              </a:rPr>
+              <a:t>blockingLoadBalancerClient</a:t>
+            </a:r>
           </a:p>
         </p:txBody>
       </p:sp>
       <p:cxnSp>
         <p:nvCxnSpPr>
-          <p:cNvPr id="43" name="直接箭头连接符 42">
-            <a:extLst>
-              <a:ext uri="{FF2B5EF4-FFF2-40B4-BE49-F238E27FC236}">
-                <a16:creationId xmlns:a16="http://schemas.microsoft.com/office/drawing/2014/main" id="{A561C510-2750-44B7-89A0-60B1ECD99FBD}"/>
+          <p:cNvPr id="44" name="直接箭头连接符 43">
+            <a:extLst>
+              <a:ext uri="{FF2B5EF4-FFF2-40B4-BE49-F238E27FC236}">
+                <a16:creationId xmlns:a16="http://schemas.microsoft.com/office/drawing/2014/main" id="{939F8870-4BC6-4C6E-85A7-D349D58D70AD}"/>
               </a:ext>
             </a:extLst>
           </p:cNvPr>
@@ -4932,8 +5104,8 @@
         </p:nvCxnSpPr>
         <p:spPr>
           <a:xfrm>
-            <a:off x="9999574" y="4224857"/>
-            <a:ext cx="0" cy="798373"/>
+            <a:off x="2960907" y="4934768"/>
+            <a:ext cx="486499" cy="0"/>
           </a:xfrm>
           <a:prstGeom prst="straightConnector1">
             <a:avLst/>
@@ -4957,6 +5129,466 @@
           </a:fontRef>
         </p:style>
       </p:cxnSp>
+      <p:cxnSp>
+        <p:nvCxnSpPr>
+          <p:cNvPr id="45" name="直接箭头连接符 44">
+            <a:extLst>
+              <a:ext uri="{FF2B5EF4-FFF2-40B4-BE49-F238E27FC236}">
+                <a16:creationId xmlns:a16="http://schemas.microsoft.com/office/drawing/2014/main" id="{F739F0F8-F803-4E5B-B8B9-BA8BB184B60A}"/>
+              </a:ext>
+            </a:extLst>
+          </p:cNvPr>
+          <p:cNvCxnSpPr>
+            <a:cxnSpLocks/>
+          </p:cNvCxnSpPr>
+          <p:nvPr/>
+        </p:nvCxnSpPr>
+        <p:spPr>
+          <a:xfrm flipH="1">
+            <a:off x="4839947" y="4147287"/>
+            <a:ext cx="1" cy="576829"/>
+          </a:xfrm>
+          <a:prstGeom prst="straightConnector1">
+            <a:avLst/>
+          </a:prstGeom>
+          <a:ln>
+            <a:tailEnd type="triangle"/>
+          </a:ln>
+        </p:spPr>
+        <p:style>
+          <a:lnRef idx="1">
+            <a:schemeClr val="accent1"/>
+          </a:lnRef>
+          <a:fillRef idx="0">
+            <a:schemeClr val="accent1"/>
+          </a:fillRef>
+          <a:effectRef idx="0">
+            <a:schemeClr val="accent1"/>
+          </a:effectRef>
+          <a:fontRef idx="minor">
+            <a:schemeClr val="tx1"/>
+          </a:fontRef>
+        </p:style>
+      </p:cxnSp>
+      <p:sp>
+        <p:nvSpPr>
+          <p:cNvPr id="49" name="文本框 48">
+            <a:extLst>
+              <a:ext uri="{FF2B5EF4-FFF2-40B4-BE49-F238E27FC236}">
+                <a16:creationId xmlns:a16="http://schemas.microsoft.com/office/drawing/2014/main" id="{0A932245-01D4-4B2D-A998-53A5E1DBA043}"/>
+              </a:ext>
+            </a:extLst>
+          </p:cNvPr>
+          <p:cNvSpPr txBox="1"/>
+          <p:nvPr/>
+        </p:nvSpPr>
+        <p:spPr>
+          <a:xfrm>
+            <a:off x="7703674" y="3789370"/>
+            <a:ext cx="2484583" cy="369332"/>
+          </a:xfrm>
+          <a:prstGeom prst="rect">
+            <a:avLst/>
+          </a:prstGeom>
+          <a:noFill/>
+          <a:ln>
+            <a:solidFill>
+              <a:schemeClr val="tx1"/>
+            </a:solidFill>
+          </a:ln>
+        </p:spPr>
+        <p:txBody>
+          <a:bodyPr wrap="square">
+            <a:spAutoFit/>
+          </a:bodyPr>
+          <a:lstStyle>
+            <a:defPPr>
+              <a:defRPr lang="zh-CN"/>
+            </a:defPPr>
+            <a:lvl1pPr>
+              <a:defRPr b="0" i="0">
+                <a:effectLst/>
+              </a:defRPr>
+            </a:lvl1pPr>
+          </a:lstStyle>
+          <a:p>
+            <a:r>
+              <a:rPr lang="zh-CN" altLang="zh-CN" dirty="0"/>
+              <a:t>NamedContextFactory</a:t>
+            </a:r>
+          </a:p>
+        </p:txBody>
+      </p:sp>
+      <p:grpSp>
+        <p:nvGrpSpPr>
+          <p:cNvPr id="56" name="组合 55">
+            <a:extLst>
+              <a:ext uri="{FF2B5EF4-FFF2-40B4-BE49-F238E27FC236}">
+                <a16:creationId xmlns:a16="http://schemas.microsoft.com/office/drawing/2014/main" id="{17350ECD-8503-4B93-B150-8E3B7510780B}"/>
+              </a:ext>
+            </a:extLst>
+          </p:cNvPr>
+          <p:cNvGrpSpPr/>
+          <p:nvPr/>
+        </p:nvGrpSpPr>
+        <p:grpSpPr>
+          <a:xfrm>
+            <a:off x="6271810" y="3860710"/>
+            <a:ext cx="1378208" cy="226651"/>
+            <a:chOff x="6271810" y="3621125"/>
+            <a:chExt cx="1378208" cy="226651"/>
+          </a:xfrm>
+        </p:grpSpPr>
+        <p:cxnSp>
+          <p:nvCxnSpPr>
+            <p:cNvPr id="50" name="直接箭头连接符 49">
+              <a:extLst>
+                <a:ext uri="{FF2B5EF4-FFF2-40B4-BE49-F238E27FC236}">
+                  <a16:creationId xmlns:a16="http://schemas.microsoft.com/office/drawing/2014/main" id="{4092358A-14B2-4321-ACF8-E1162DDDEDA8}"/>
+                </a:ext>
+              </a:extLst>
+            </p:cNvPr>
+            <p:cNvCxnSpPr>
+              <a:cxnSpLocks/>
+              <a:stCxn id="29" idx="3"/>
+              <a:endCxn id="54" idx="0"/>
+            </p:cNvCxnSpPr>
+            <p:nvPr/>
+          </p:nvCxnSpPr>
+          <p:spPr>
+            <a:xfrm flipV="1">
+              <a:off x="6271810" y="3734451"/>
+              <a:ext cx="1215530" cy="198"/>
+            </a:xfrm>
+            <a:prstGeom prst="straightConnector1">
+              <a:avLst/>
+            </a:prstGeom>
+            <a:ln>
+              <a:headEnd type="none" w="med" len="med"/>
+              <a:tailEnd type="none" w="med" len="med"/>
+            </a:ln>
+          </p:spPr>
+          <p:style>
+            <a:lnRef idx="1">
+              <a:schemeClr val="accent1"/>
+            </a:lnRef>
+            <a:fillRef idx="0">
+              <a:schemeClr val="accent1"/>
+            </a:fillRef>
+            <a:effectRef idx="0">
+              <a:schemeClr val="accent1"/>
+            </a:effectRef>
+            <a:fontRef idx="minor">
+              <a:schemeClr val="tx1"/>
+            </a:fontRef>
+          </p:style>
+        </p:cxnSp>
+        <p:sp>
+          <p:nvSpPr>
+            <p:cNvPr id="54" name="流程图: 合并 53">
+              <a:extLst>
+                <a:ext uri="{FF2B5EF4-FFF2-40B4-BE49-F238E27FC236}">
+                  <a16:creationId xmlns:a16="http://schemas.microsoft.com/office/drawing/2014/main" id="{FF53CFE8-D4FD-4771-87DA-70B7C5E7FA0E}"/>
+                </a:ext>
+              </a:extLst>
+            </p:cNvPr>
+            <p:cNvSpPr/>
+            <p:nvPr/>
+          </p:nvSpPr>
+          <p:spPr>
+            <a:xfrm rot="16200000">
+              <a:off x="7455353" y="3653112"/>
+              <a:ext cx="226651" cy="162678"/>
+            </a:xfrm>
+            <a:prstGeom prst="flowChartMerge">
+              <a:avLst/>
+            </a:prstGeom>
+          </p:spPr>
+          <p:style>
+            <a:lnRef idx="2">
+              <a:schemeClr val="accent1">
+                <a:shade val="50000"/>
+              </a:schemeClr>
+            </a:lnRef>
+            <a:fillRef idx="1">
+              <a:schemeClr val="accent1"/>
+            </a:fillRef>
+            <a:effectRef idx="0">
+              <a:schemeClr val="accent1"/>
+            </a:effectRef>
+            <a:fontRef idx="minor">
+              <a:schemeClr val="lt1"/>
+            </a:fontRef>
+          </p:style>
+          <p:txBody>
+            <a:bodyPr rtlCol="0" anchor="ctr"/>
+            <a:lstStyle/>
+            <a:p>
+              <a:pPr algn="ctr"/>
+              <a:endParaRPr lang="zh-CN" altLang="en-US"/>
+            </a:p>
+          </p:txBody>
+        </p:sp>
+      </p:grpSp>
+      <p:sp>
+        <p:nvSpPr>
+          <p:cNvPr id="61" name="文本框 60">
+            <a:extLst>
+              <a:ext uri="{FF2B5EF4-FFF2-40B4-BE49-F238E27FC236}">
+                <a16:creationId xmlns:a16="http://schemas.microsoft.com/office/drawing/2014/main" id="{E2B3EC48-6CB7-461C-9258-A9F8DB045142}"/>
+              </a:ext>
+            </a:extLst>
+          </p:cNvPr>
+          <p:cNvSpPr txBox="1"/>
+          <p:nvPr/>
+        </p:nvSpPr>
+        <p:spPr>
+          <a:xfrm>
+            <a:off x="239500" y="2690336"/>
+            <a:ext cx="2721415" cy="646331"/>
+          </a:xfrm>
+          <a:prstGeom prst="rect">
+            <a:avLst/>
+          </a:prstGeom>
+          <a:noFill/>
+          <a:ln>
+            <a:solidFill>
+              <a:schemeClr val="tx1"/>
+            </a:solidFill>
+          </a:ln>
+        </p:spPr>
+        <p:txBody>
+          <a:bodyPr wrap="square">
+            <a:spAutoFit/>
+          </a:bodyPr>
+          <a:lstStyle>
+            <a:defPPr>
+              <a:defRPr lang="zh-CN"/>
+            </a:defPPr>
+            <a:lvl1pPr>
+              <a:defRPr b="0" i="0">
+                <a:solidFill>
+                  <a:srgbClr val="FF0000"/>
+                </a:solidFill>
+                <a:effectLst/>
+              </a:defRPr>
+            </a:lvl1pPr>
+          </a:lstStyle>
+          <a:p>
+            <a:r>
+              <a:rPr lang="en-US" altLang="zh-CN" dirty="0" err="1"/>
+              <a:t>LoadBalancerAutoConfiguration</a:t>
+            </a:r>
+            <a:endParaRPr lang="zh-CN" altLang="en-US" dirty="0"/>
+          </a:p>
+        </p:txBody>
+      </p:sp>
+      <p:cxnSp>
+        <p:nvCxnSpPr>
+          <p:cNvPr id="63" name="直接箭头连接符 62">
+            <a:extLst>
+              <a:ext uri="{FF2B5EF4-FFF2-40B4-BE49-F238E27FC236}">
+                <a16:creationId xmlns:a16="http://schemas.microsoft.com/office/drawing/2014/main" id="{B8482EE0-EE97-41E0-BEA9-5F743D8AB971}"/>
+              </a:ext>
+            </a:extLst>
+          </p:cNvPr>
+          <p:cNvCxnSpPr>
+            <a:cxnSpLocks/>
+            <a:stCxn id="61" idx="3"/>
+            <a:endCxn id="6" idx="1"/>
+          </p:cNvCxnSpPr>
+          <p:nvPr/>
+        </p:nvCxnSpPr>
+        <p:spPr>
+          <a:xfrm flipV="1">
+            <a:off x="2960915" y="1604725"/>
+            <a:ext cx="434644" cy="1408777"/>
+          </a:xfrm>
+          <a:prstGeom prst="straightConnector1">
+            <a:avLst/>
+          </a:prstGeom>
+          <a:ln>
+            <a:tailEnd type="triangle"/>
+          </a:ln>
+        </p:spPr>
+        <p:style>
+          <a:lnRef idx="1">
+            <a:schemeClr val="accent1"/>
+          </a:lnRef>
+          <a:fillRef idx="0">
+            <a:schemeClr val="accent1"/>
+          </a:fillRef>
+          <a:effectRef idx="0">
+            <a:schemeClr val="accent1"/>
+          </a:effectRef>
+          <a:fontRef idx="minor">
+            <a:schemeClr val="tx1"/>
+          </a:fontRef>
+        </p:style>
+      </p:cxnSp>
+      <p:sp>
+        <p:nvSpPr>
+          <p:cNvPr id="79" name="文本框 78">
+            <a:extLst>
+              <a:ext uri="{FF2B5EF4-FFF2-40B4-BE49-F238E27FC236}">
+                <a16:creationId xmlns:a16="http://schemas.microsoft.com/office/drawing/2014/main" id="{248C56CF-68FC-4885-8B1E-E0434A323B4F}"/>
+              </a:ext>
+            </a:extLst>
+          </p:cNvPr>
+          <p:cNvSpPr txBox="1"/>
+          <p:nvPr/>
+        </p:nvSpPr>
+        <p:spPr>
+          <a:xfrm>
+            <a:off x="7703673" y="4724116"/>
+            <a:ext cx="2484583" cy="369332"/>
+          </a:xfrm>
+          <a:prstGeom prst="rect">
+            <a:avLst/>
+          </a:prstGeom>
+          <a:noFill/>
+          <a:ln>
+            <a:solidFill>
+              <a:schemeClr val="tx1"/>
+            </a:solidFill>
+          </a:ln>
+        </p:spPr>
+        <p:txBody>
+          <a:bodyPr wrap="square">
+            <a:spAutoFit/>
+          </a:bodyPr>
+          <a:lstStyle>
+            <a:defPPr>
+              <a:defRPr lang="zh-CN"/>
+            </a:defPPr>
+            <a:lvl1pPr>
+              <a:defRPr b="0" i="0">
+                <a:effectLst/>
+              </a:defRPr>
+            </a:lvl1pPr>
+          </a:lstStyle>
+          <a:p>
+            <a:r>
+              <a:rPr lang="zh-CN" altLang="zh-CN"/>
+              <a:t>LoadBalancerClien</a:t>
+            </a:r>
+            <a:r>
+              <a:rPr lang="en-US" altLang="zh-CN" dirty="0"/>
+              <a:t>t</a:t>
+            </a:r>
+          </a:p>
+        </p:txBody>
+      </p:sp>
+      <p:grpSp>
+        <p:nvGrpSpPr>
+          <p:cNvPr id="83" name="组合 82">
+            <a:extLst>
+              <a:ext uri="{FF2B5EF4-FFF2-40B4-BE49-F238E27FC236}">
+                <a16:creationId xmlns:a16="http://schemas.microsoft.com/office/drawing/2014/main" id="{191E51E3-5E0F-44AD-8F78-4E9373E03D6B}"/>
+              </a:ext>
+            </a:extLst>
+          </p:cNvPr>
+          <p:cNvGrpSpPr/>
+          <p:nvPr/>
+        </p:nvGrpSpPr>
+        <p:grpSpPr>
+          <a:xfrm>
+            <a:off x="6271810" y="4804624"/>
+            <a:ext cx="1378208" cy="226651"/>
+            <a:chOff x="6271810" y="3621125"/>
+            <a:chExt cx="1378208" cy="226651"/>
+          </a:xfrm>
+        </p:grpSpPr>
+        <p:cxnSp>
+          <p:nvCxnSpPr>
+            <p:cNvPr id="84" name="直接箭头连接符 83">
+              <a:extLst>
+                <a:ext uri="{FF2B5EF4-FFF2-40B4-BE49-F238E27FC236}">
+                  <a16:creationId xmlns:a16="http://schemas.microsoft.com/office/drawing/2014/main" id="{5C059680-22C2-42C9-9358-2CFEDBC7752E}"/>
+                </a:ext>
+              </a:extLst>
+            </p:cNvPr>
+            <p:cNvCxnSpPr>
+              <a:cxnSpLocks/>
+              <a:endCxn id="85" idx="0"/>
+            </p:cNvCxnSpPr>
+            <p:nvPr/>
+          </p:nvCxnSpPr>
+          <p:spPr>
+            <a:xfrm flipV="1">
+              <a:off x="6271810" y="3734451"/>
+              <a:ext cx="1215530" cy="198"/>
+            </a:xfrm>
+            <a:prstGeom prst="straightConnector1">
+              <a:avLst/>
+            </a:prstGeom>
+            <a:ln>
+              <a:headEnd type="none" w="med" len="med"/>
+              <a:tailEnd type="none" w="med" len="med"/>
+            </a:ln>
+          </p:spPr>
+          <p:style>
+            <a:lnRef idx="1">
+              <a:schemeClr val="accent1"/>
+            </a:lnRef>
+            <a:fillRef idx="0">
+              <a:schemeClr val="accent1"/>
+            </a:fillRef>
+            <a:effectRef idx="0">
+              <a:schemeClr val="accent1"/>
+            </a:effectRef>
+            <a:fontRef idx="minor">
+              <a:schemeClr val="tx1"/>
+            </a:fontRef>
+          </p:style>
+        </p:cxnSp>
+        <p:sp>
+          <p:nvSpPr>
+            <p:cNvPr id="85" name="流程图: 合并 84">
+              <a:extLst>
+                <a:ext uri="{FF2B5EF4-FFF2-40B4-BE49-F238E27FC236}">
+                  <a16:creationId xmlns:a16="http://schemas.microsoft.com/office/drawing/2014/main" id="{810546D9-E505-4EDC-A3AE-1FECAD125EAA}"/>
+                </a:ext>
+              </a:extLst>
+            </p:cNvPr>
+            <p:cNvSpPr/>
+            <p:nvPr/>
+          </p:nvSpPr>
+          <p:spPr>
+            <a:xfrm rot="16200000">
+              <a:off x="7455353" y="3653112"/>
+              <a:ext cx="226651" cy="162678"/>
+            </a:xfrm>
+            <a:prstGeom prst="flowChartMerge">
+              <a:avLst/>
+            </a:prstGeom>
+          </p:spPr>
+          <p:style>
+            <a:lnRef idx="2">
+              <a:schemeClr val="accent1">
+                <a:shade val="50000"/>
+              </a:schemeClr>
+            </a:lnRef>
+            <a:fillRef idx="1">
+              <a:schemeClr val="accent1"/>
+            </a:fillRef>
+            <a:effectRef idx="0">
+              <a:schemeClr val="accent1"/>
+            </a:effectRef>
+            <a:fontRef idx="minor">
+              <a:schemeClr val="lt1"/>
+            </a:fontRef>
+          </p:style>
+          <p:txBody>
+            <a:bodyPr rtlCol="0" anchor="ctr"/>
+            <a:lstStyle/>
+            <a:p>
+              <a:pPr algn="ctr"/>
+              <a:endParaRPr lang="zh-CN" altLang="en-US"/>
+            </a:p>
+          </p:txBody>
+        </p:sp>
+      </p:grpSp>
     </p:spTree>
     <p:extLst>
       <p:ext uri="{BB962C8B-B14F-4D97-AF65-F5344CB8AC3E}">
@@ -4989,10 +5621,59 @@
       </p:grpSpPr>
       <p:sp>
         <p:nvSpPr>
-          <p:cNvPr id="19" name="文本框 18">
-            <a:extLst>
-              <a:ext uri="{FF2B5EF4-FFF2-40B4-BE49-F238E27FC236}">
-                <a16:creationId xmlns:a16="http://schemas.microsoft.com/office/drawing/2014/main" id="{E5D28F17-3F89-4127-99D1-D2763EB404BC}"/>
+          <p:cNvPr id="37" name="矩形 36">
+            <a:extLst>
+              <a:ext uri="{FF2B5EF4-FFF2-40B4-BE49-F238E27FC236}">
+                <a16:creationId xmlns:a16="http://schemas.microsoft.com/office/drawing/2014/main" id="{79AC05F5-5300-4F76-963B-F49460517F29}"/>
+              </a:ext>
+            </a:extLst>
+          </p:cNvPr>
+          <p:cNvSpPr/>
+          <p:nvPr/>
+        </p:nvSpPr>
+        <p:spPr>
+          <a:xfrm>
+            <a:off x="4215480" y="3082796"/>
+            <a:ext cx="4857351" cy="1960163"/>
+          </a:xfrm>
+          <a:prstGeom prst="rect">
+            <a:avLst/>
+          </a:prstGeom>
+          <a:solidFill>
+            <a:schemeClr val="bg1"/>
+          </a:solidFill>
+        </p:spPr>
+        <p:style>
+          <a:lnRef idx="2">
+            <a:schemeClr val="accent1">
+              <a:shade val="50000"/>
+            </a:schemeClr>
+          </a:lnRef>
+          <a:fillRef idx="1">
+            <a:schemeClr val="accent1"/>
+          </a:fillRef>
+          <a:effectRef idx="0">
+            <a:schemeClr val="accent1"/>
+          </a:effectRef>
+          <a:fontRef idx="minor">
+            <a:schemeClr val="lt1"/>
+          </a:fontRef>
+        </p:style>
+        <p:txBody>
+          <a:bodyPr rtlCol="0" anchor="ctr"/>
+          <a:lstStyle/>
+          <a:p>
+            <a:pPr algn="ctr"/>
+            <a:endParaRPr lang="zh-CN" altLang="en-US"/>
+          </a:p>
+        </p:txBody>
+      </p:sp>
+      <p:sp>
+        <p:nvSpPr>
+          <p:cNvPr id="4" name="文本框 3">
+            <a:extLst>
+              <a:ext uri="{FF2B5EF4-FFF2-40B4-BE49-F238E27FC236}">
+                <a16:creationId xmlns:a16="http://schemas.microsoft.com/office/drawing/2014/main" id="{B5DB4503-0D59-4438-8D02-3767015D0584}"/>
               </a:ext>
             </a:extLst>
           </p:cNvPr>
@@ -5001,8 +5682,61 @@
         </p:nvSpPr>
         <p:spPr>
           <a:xfrm>
-            <a:off x="1001146" y="1314104"/>
-            <a:ext cx="2410426" cy="1477328"/>
+            <a:off x="578778" y="416230"/>
+            <a:ext cx="3319395" cy="923330"/>
+          </a:xfrm>
+          <a:prstGeom prst="rect">
+            <a:avLst/>
+          </a:prstGeom>
+          <a:noFill/>
+          <a:ln>
+            <a:solidFill>
+              <a:schemeClr val="tx1"/>
+            </a:solidFill>
+          </a:ln>
+        </p:spPr>
+        <p:txBody>
+          <a:bodyPr wrap="square">
+            <a:spAutoFit/>
+          </a:bodyPr>
+          <a:lstStyle>
+            <a:defPPr>
+              <a:defRPr lang="zh-CN"/>
+            </a:defPPr>
+            <a:lvl1pPr>
+              <a:defRPr b="0" i="0">
+                <a:solidFill>
+                  <a:srgbClr val="FF0000"/>
+                </a:solidFill>
+                <a:effectLst/>
+              </a:defRPr>
+            </a:lvl1pPr>
+          </a:lstStyle>
+          <a:p>
+            <a:r>
+              <a:rPr lang="en-US" altLang="zh-CN" dirty="0"/>
+              <a:t>GatewayReactiveLoadBalancerClientAutoConfiguration#gatewayLoadBalancerClientFilter</a:t>
+            </a:r>
+            <a:endParaRPr lang="zh-CN" altLang="en-US" dirty="0"/>
+          </a:p>
+        </p:txBody>
+      </p:sp>
+      <p:sp>
+        <p:nvSpPr>
+          <p:cNvPr id="7" name="文本框 6">
+            <a:extLst>
+              <a:ext uri="{FF2B5EF4-FFF2-40B4-BE49-F238E27FC236}">
+                <a16:creationId xmlns:a16="http://schemas.microsoft.com/office/drawing/2014/main" id="{72F6EE9F-59DC-4FB3-9998-5CA9C0B64C8D}"/>
+              </a:ext>
+            </a:extLst>
+          </p:cNvPr>
+          <p:cNvSpPr txBox="1"/>
+          <p:nvPr/>
+        </p:nvSpPr>
+        <p:spPr>
+          <a:xfrm>
+            <a:off x="4375615" y="659532"/>
+            <a:ext cx="2798070" cy="369332"/>
           </a:xfrm>
           <a:prstGeom prst="rect">
             <a:avLst/>
@@ -5030,73 +5764,19 @@
           </a:lstStyle>
           <a:p>
             <a:r>
-              <a:rPr lang="en-US" altLang="zh-CN" dirty="0"/>
-              <a:t>org.springframework.cloud.loadbalancer.config.</a:t>
-            </a:r>
-            <a:r>
-              <a:rPr lang="en-US" altLang="zh-CN" dirty="0">
-                <a:solidFill>
-                  <a:srgbClr val="FF0000"/>
-                </a:solidFill>
-              </a:rPr>
-              <a:t>BlockingLoadBalancerClientAutoConfiguration</a:t>
-            </a:r>
-            <a:endParaRPr lang="zh-CN" altLang="en-US" dirty="0">
-              <a:solidFill>
-                <a:srgbClr val="FF0000"/>
-              </a:solidFill>
-            </a:endParaRPr>
-          </a:p>
-        </p:txBody>
-      </p:sp>
-      <p:cxnSp>
-        <p:nvCxnSpPr>
-          <p:cNvPr id="35" name="直接箭头连接符 34">
-            <a:extLst>
-              <a:ext uri="{FF2B5EF4-FFF2-40B4-BE49-F238E27FC236}">
-                <a16:creationId xmlns:a16="http://schemas.microsoft.com/office/drawing/2014/main" id="{E6658748-BD8A-41CA-B4D7-A4A9D69AE01E}"/>
-              </a:ext>
-            </a:extLst>
-          </p:cNvPr>
-          <p:cNvCxnSpPr>
-            <a:cxnSpLocks/>
-          </p:cNvCxnSpPr>
-          <p:nvPr/>
-        </p:nvCxnSpPr>
-        <p:spPr>
-          <a:xfrm>
-            <a:off x="3411571" y="2006264"/>
-            <a:ext cx="908969" cy="0"/>
-          </a:xfrm>
-          <a:prstGeom prst="straightConnector1">
-            <a:avLst/>
-          </a:prstGeom>
-          <a:ln>
-            <a:prstDash val="dash"/>
-            <a:tailEnd type="triangle"/>
-          </a:ln>
-        </p:spPr>
-        <p:style>
-          <a:lnRef idx="1">
-            <a:schemeClr val="accent1"/>
-          </a:lnRef>
-          <a:fillRef idx="0">
-            <a:schemeClr val="accent1"/>
-          </a:fillRef>
-          <a:effectRef idx="0">
-            <a:schemeClr val="accent1"/>
-          </a:effectRef>
-          <a:fontRef idx="minor">
-            <a:schemeClr val="tx1"/>
-          </a:fontRef>
-        </p:style>
-      </p:cxnSp>
-      <p:sp>
-        <p:nvSpPr>
-          <p:cNvPr id="22" name="文本框 21">
-            <a:extLst>
-              <a:ext uri="{FF2B5EF4-FFF2-40B4-BE49-F238E27FC236}">
-                <a16:creationId xmlns:a16="http://schemas.microsoft.com/office/drawing/2014/main" id="{BCD0830F-173F-4535-9FDB-003D5A0412CE}"/>
+              <a:rPr lang="en-US" altLang="zh-CN" dirty="0" err="1"/>
+              <a:t>LoadBalancerClientFilter</a:t>
+            </a:r>
+            <a:endParaRPr lang="zh-CN" altLang="en-US" dirty="0"/>
+          </a:p>
+        </p:txBody>
+      </p:sp>
+      <p:sp>
+        <p:nvSpPr>
+          <p:cNvPr id="10" name="文本框 9">
+            <a:extLst>
+              <a:ext uri="{FF2B5EF4-FFF2-40B4-BE49-F238E27FC236}">
+                <a16:creationId xmlns:a16="http://schemas.microsoft.com/office/drawing/2014/main" id="{A4EE406C-A7C2-40DB-A958-641BA587AF8A}"/>
               </a:ext>
             </a:extLst>
           </p:cNvPr>
@@ -5105,212 +5785,8 @@
         </p:nvSpPr>
         <p:spPr>
           <a:xfrm>
-            <a:off x="4454843" y="1821598"/>
-            <a:ext cx="6097904" cy="369332"/>
-          </a:xfrm>
-          <a:prstGeom prst="rect">
-            <a:avLst/>
-          </a:prstGeom>
-          <a:noFill/>
-        </p:spPr>
-        <p:txBody>
-          <a:bodyPr wrap="square">
-            <a:spAutoFit/>
-          </a:bodyPr>
-          <a:lstStyle/>
-          <a:p>
-            <a:r>
-              <a:rPr kumimoji="0" lang="zh-CN" altLang="zh-CN" sz="1800" b="0" i="0" u="none" strike="noStrike" cap="none" normalizeH="0" baseline="0" dirty="0">
-                <a:ln>
-                  <a:noFill/>
-                </a:ln>
-                <a:solidFill>
-                  <a:srgbClr val="A9B7C6"/>
-                </a:solidFill>
-                <a:effectLst/>
-                <a:latin typeface="Arial Unicode MS" panose="020B0604020202020204" pitchFamily="34" charset="-122"/>
-                <a:ea typeface="JetBrains Mono"/>
-              </a:rPr>
-              <a:t>BlockingLoadBalancerClient</a:t>
-            </a:r>
-            <a:endParaRPr lang="en-US" altLang="zh-CN" dirty="0"/>
-          </a:p>
-        </p:txBody>
-      </p:sp>
-      <p:sp>
-        <p:nvSpPr>
-          <p:cNvPr id="23" name="文本框 22">
-            <a:extLst>
-              <a:ext uri="{FF2B5EF4-FFF2-40B4-BE49-F238E27FC236}">
-                <a16:creationId xmlns:a16="http://schemas.microsoft.com/office/drawing/2014/main" id="{DE30897B-445E-47E2-9725-930882F5F7E6}"/>
-              </a:ext>
-            </a:extLst>
-          </p:cNvPr>
-          <p:cNvSpPr txBox="1"/>
-          <p:nvPr/>
-        </p:nvSpPr>
-        <p:spPr>
-          <a:xfrm>
-            <a:off x="4538663" y="2606766"/>
-            <a:ext cx="6097904" cy="369332"/>
-          </a:xfrm>
-          <a:prstGeom prst="rect">
-            <a:avLst/>
-          </a:prstGeom>
-          <a:noFill/>
-        </p:spPr>
-        <p:txBody>
-          <a:bodyPr wrap="square">
-            <a:spAutoFit/>
-          </a:bodyPr>
-          <a:lstStyle/>
-          <a:p>
-            <a:r>
-              <a:rPr kumimoji="0" lang="zh-CN" altLang="zh-CN" sz="1800" b="0" i="0" u="none" strike="noStrike" cap="none" normalizeH="0" baseline="0" dirty="0">
-                <a:ln>
-                  <a:noFill/>
-                </a:ln>
-                <a:solidFill>
-                  <a:srgbClr val="A9B7C6"/>
-                </a:solidFill>
-                <a:effectLst/>
-                <a:latin typeface="Arial Unicode MS" panose="020B0604020202020204" pitchFamily="34" charset="-122"/>
-                <a:ea typeface="JetBrains Mono"/>
-              </a:rPr>
-              <a:t>LoadBalancerClien</a:t>
-            </a:r>
-            <a:r>
-              <a:rPr kumimoji="0" lang="en-US" altLang="zh-CN" sz="1800" b="0" i="0" u="none" strike="noStrike" cap="none" normalizeH="0" baseline="0" dirty="0">
-                <a:ln>
-                  <a:noFill/>
-                </a:ln>
-                <a:solidFill>
-                  <a:srgbClr val="A9B7C6"/>
-                </a:solidFill>
-                <a:effectLst/>
-                <a:latin typeface="Arial Unicode MS" panose="020B0604020202020204" pitchFamily="34" charset="-122"/>
-                <a:ea typeface="JetBrains Mono"/>
-              </a:rPr>
-              <a:t>t</a:t>
-            </a:r>
-          </a:p>
-        </p:txBody>
-      </p:sp>
-      <p:cxnSp>
-        <p:nvCxnSpPr>
-          <p:cNvPr id="11" name="直接连接符 10">
-            <a:extLst>
-              <a:ext uri="{FF2B5EF4-FFF2-40B4-BE49-F238E27FC236}">
-                <a16:creationId xmlns:a16="http://schemas.microsoft.com/office/drawing/2014/main" id="{A4C747CA-EC3F-4B5A-83F5-A1DB4018E9A7}"/>
-              </a:ext>
-            </a:extLst>
-          </p:cNvPr>
-          <p:cNvCxnSpPr/>
-          <p:nvPr/>
-        </p:nvCxnSpPr>
-        <p:spPr>
-          <a:xfrm>
-            <a:off x="5692140" y="2190930"/>
-            <a:ext cx="0" cy="415836"/>
-          </a:xfrm>
-          <a:prstGeom prst="line">
-            <a:avLst/>
-          </a:prstGeom>
-        </p:spPr>
-        <p:style>
-          <a:lnRef idx="1">
-            <a:schemeClr val="accent1"/>
-          </a:lnRef>
-          <a:fillRef idx="0">
-            <a:schemeClr val="accent1"/>
-          </a:fillRef>
-          <a:effectRef idx="0">
-            <a:schemeClr val="accent1"/>
-          </a:effectRef>
-          <a:fontRef idx="minor">
-            <a:schemeClr val="tx1"/>
-          </a:fontRef>
-        </p:style>
-      </p:cxnSp>
-      <p:sp>
-        <p:nvSpPr>
-          <p:cNvPr id="27" name="文本框 26">
-            <a:extLst>
-              <a:ext uri="{FF2B5EF4-FFF2-40B4-BE49-F238E27FC236}">
-                <a16:creationId xmlns:a16="http://schemas.microsoft.com/office/drawing/2014/main" id="{07D7174B-8F74-414F-B73C-76B4BF56805D}"/>
-              </a:ext>
-            </a:extLst>
-          </p:cNvPr>
-          <p:cNvSpPr txBox="1"/>
-          <p:nvPr/>
-        </p:nvSpPr>
-        <p:spPr>
-          <a:xfrm>
-            <a:off x="721043" y="3881903"/>
-            <a:ext cx="6097904" cy="369332"/>
-          </a:xfrm>
-          <a:prstGeom prst="rect">
-            <a:avLst/>
-          </a:prstGeom>
-          <a:noFill/>
-        </p:spPr>
-        <p:txBody>
-          <a:bodyPr wrap="square">
-            <a:spAutoFit/>
-          </a:bodyPr>
-          <a:lstStyle>
-            <a:defPPr>
-              <a:defRPr lang="zh-CN"/>
-            </a:defPPr>
-            <a:lvl1pPr>
-              <a:defRPr kumimoji="0" b="0" i="0" u="none" strike="noStrike" cap="none" normalizeH="0" baseline="0">
-                <a:ln>
-                  <a:noFill/>
-                </a:ln>
-                <a:solidFill>
-                  <a:srgbClr val="A9B7C6"/>
-                </a:solidFill>
-                <a:effectLst/>
-                <a:latin typeface="Arial Unicode MS" panose="020B0604020202020204" pitchFamily="34" charset="-122"/>
-                <a:ea typeface="JetBrains Mono"/>
-              </a:defRPr>
-            </a:lvl1pPr>
-          </a:lstStyle>
-          <a:p>
-            <a:r>
-              <a:rPr kumimoji="0" lang="zh-CN" altLang="zh-CN" sz="1800" b="0" i="0" u="none" strike="noStrike" cap="none" normalizeH="0" baseline="0" dirty="0">
-                <a:ln>
-                  <a:noFill/>
-                </a:ln>
-                <a:solidFill>
-                  <a:srgbClr val="A9B7C6"/>
-                </a:solidFill>
-                <a:effectLst/>
-                <a:latin typeface="Arial Unicode MS" panose="020B0604020202020204" pitchFamily="34" charset="-122"/>
-                <a:ea typeface="JetBrains Mono"/>
-              </a:rPr>
-              <a:t>LoadBalancerClientFactory</a:t>
-            </a:r>
-            <a:endParaRPr lang="en-US" altLang="zh-CN" dirty="0"/>
-          </a:p>
-        </p:txBody>
-      </p:sp>
-      <p:sp>
-        <p:nvSpPr>
-          <p:cNvPr id="28" name="文本框 27">
-            <a:extLst>
-              <a:ext uri="{FF2B5EF4-FFF2-40B4-BE49-F238E27FC236}">
-                <a16:creationId xmlns:a16="http://schemas.microsoft.com/office/drawing/2014/main" id="{FF8FA9B2-C50B-4F9E-88A4-CEBFF279ECD1}"/>
-              </a:ext>
-            </a:extLst>
-          </p:cNvPr>
-          <p:cNvSpPr txBox="1"/>
-          <p:nvPr/>
-        </p:nvSpPr>
-        <p:spPr>
-          <a:xfrm>
-            <a:off x="886845" y="4805232"/>
-            <a:ext cx="2410426" cy="1477328"/>
+            <a:off x="578779" y="1732784"/>
+            <a:ext cx="3319394" cy="923330"/>
           </a:xfrm>
           <a:prstGeom prst="rect">
             <a:avLst/>
@@ -5338,56 +5814,99 @@
           </a:lstStyle>
           <a:p>
             <a:r>
-              <a:rPr lang="en-US" altLang="zh-CN" dirty="0" err="1"/>
-              <a:t>org.springframework.cloud.loadbalancer.config</a:t>
-            </a:r>
-            <a:r>
-              <a:rPr lang="en-US" altLang="zh-CN" dirty="0"/>
-              <a:t>.</a:t>
-            </a:r>
-          </a:p>
-          <a:p>
-            <a:r>
-              <a:rPr lang="en-US" altLang="zh-CN" dirty="0" err="1">
+              <a:rPr lang="en-US" altLang="zh-CN" sz="1800" dirty="0">
                 <a:solidFill>
                   <a:srgbClr val="FF0000"/>
                 </a:solidFill>
               </a:rPr>
-              <a:t>LoadBalancerAutoConfiguration</a:t>
-            </a:r>
-            <a:endParaRPr lang="zh-CN" altLang="en-US" dirty="0">
-              <a:solidFill>
-                <a:srgbClr val="FF0000"/>
-              </a:solidFill>
-            </a:endParaRPr>
+              <a:t>LoadBalancerClientConfiguration#</a:t>
+            </a:r>
+            <a:r>
+              <a:rPr lang="en-US" altLang="zh-CN" dirty="0">
+                <a:solidFill>
+                  <a:srgbClr val="FF0000"/>
+                </a:solidFill>
+              </a:rPr>
+              <a:t>reactorServiceInstanceLoadBalancer</a:t>
+            </a:r>
+          </a:p>
+        </p:txBody>
+      </p:sp>
+      <p:sp>
+        <p:nvSpPr>
+          <p:cNvPr id="11" name="文本框 10">
+            <a:extLst>
+              <a:ext uri="{FF2B5EF4-FFF2-40B4-BE49-F238E27FC236}">
+                <a16:creationId xmlns:a16="http://schemas.microsoft.com/office/drawing/2014/main" id="{1D95339E-D094-486E-B6A2-583A1DC4352B}"/>
+              </a:ext>
+            </a:extLst>
+          </p:cNvPr>
+          <p:cNvSpPr txBox="1"/>
+          <p:nvPr/>
+        </p:nvSpPr>
+        <p:spPr>
+          <a:xfrm>
+            <a:off x="4375616" y="2009783"/>
+            <a:ext cx="2721408" cy="369332"/>
+          </a:xfrm>
+          <a:prstGeom prst="rect">
+            <a:avLst/>
+          </a:prstGeom>
+          <a:noFill/>
+          <a:ln>
+            <a:solidFill>
+              <a:schemeClr val="tx1"/>
+            </a:solidFill>
+          </a:ln>
+        </p:spPr>
+        <p:txBody>
+          <a:bodyPr wrap="square">
+            <a:spAutoFit/>
+          </a:bodyPr>
+          <a:lstStyle>
+            <a:defPPr>
+              <a:defRPr lang="zh-CN"/>
+            </a:defPPr>
+            <a:lvl1pPr>
+              <a:defRPr b="0" i="0">
+                <a:effectLst/>
+              </a:defRPr>
+            </a:lvl1pPr>
+          </a:lstStyle>
+          <a:p>
+            <a:r>
+              <a:rPr lang="en-US" altLang="zh-CN" dirty="0" err="1"/>
+              <a:t>RoundRobinLoadBalancer</a:t>
+            </a:r>
+            <a:endParaRPr lang="en-US" altLang="zh-CN" dirty="0"/>
           </a:p>
         </p:txBody>
       </p:sp>
       <p:cxnSp>
         <p:nvCxnSpPr>
-          <p:cNvPr id="29" name="直接箭头连接符 28">
-            <a:extLst>
-              <a:ext uri="{FF2B5EF4-FFF2-40B4-BE49-F238E27FC236}">
-                <a16:creationId xmlns:a16="http://schemas.microsoft.com/office/drawing/2014/main" id="{74F0BBA4-93A1-489E-9E57-E15B1A5C9DB3}"/>
+          <p:cNvPr id="12" name="直接箭头连接符 11">
+            <a:extLst>
+              <a:ext uri="{FF2B5EF4-FFF2-40B4-BE49-F238E27FC236}">
+                <a16:creationId xmlns:a16="http://schemas.microsoft.com/office/drawing/2014/main" id="{1C5B9040-9B8D-4799-8F02-58F1FA5023FD}"/>
               </a:ext>
             </a:extLst>
           </p:cNvPr>
           <p:cNvCxnSpPr>
             <a:cxnSpLocks/>
-            <a:stCxn id="28" idx="0"/>
+            <a:stCxn id="10" idx="3"/>
+            <a:endCxn id="11" idx="1"/>
           </p:cNvCxnSpPr>
           <p:nvPr/>
         </p:nvCxnSpPr>
         <p:spPr>
-          <a:xfrm flipV="1">
-            <a:off x="2092058" y="4251235"/>
-            <a:ext cx="0" cy="553997"/>
+          <a:xfrm>
+            <a:off x="3898173" y="2194449"/>
+            <a:ext cx="477443" cy="0"/>
           </a:xfrm>
           <a:prstGeom prst="straightConnector1">
             <a:avLst/>
           </a:prstGeom>
           <a:ln>
-            <a:prstDash val="dash"/>
             <a:tailEnd type="triangle"/>
           </a:ln>
         </p:spPr>
@@ -5408,10 +5927,10 @@
       </p:cxnSp>
       <p:cxnSp>
         <p:nvCxnSpPr>
-          <p:cNvPr id="32" name="直接箭头连接符 31">
-            <a:extLst>
-              <a:ext uri="{FF2B5EF4-FFF2-40B4-BE49-F238E27FC236}">
-                <a16:creationId xmlns:a16="http://schemas.microsoft.com/office/drawing/2014/main" id="{179611B7-31C2-47AE-B286-8E3A10027EAA}"/>
+          <p:cNvPr id="13" name="直接箭头连接符 12">
+            <a:extLst>
+              <a:ext uri="{FF2B5EF4-FFF2-40B4-BE49-F238E27FC236}">
+                <a16:creationId xmlns:a16="http://schemas.microsoft.com/office/drawing/2014/main" id="{FFBBD49B-CA84-41DF-8375-7D8DC4007DC7}"/>
               </a:ext>
             </a:extLst>
           </p:cNvPr>
@@ -5421,15 +5940,14 @@
           <p:nvPr/>
         </p:nvCxnSpPr>
         <p:spPr>
-          <a:xfrm flipV="1">
-            <a:off x="2308860" y="2976097"/>
-            <a:ext cx="3383280" cy="905807"/>
+          <a:xfrm>
+            <a:off x="3898172" y="844198"/>
+            <a:ext cx="477443" cy="0"/>
           </a:xfrm>
           <a:prstGeom prst="straightConnector1">
             <a:avLst/>
           </a:prstGeom>
           <a:ln>
-            <a:prstDash val="dash"/>
             <a:tailEnd type="triangle"/>
           </a:ln>
         </p:spPr>
@@ -5453,7 +5971,7 @@
           <p:cNvPr id="14" name="文本框 13">
             <a:extLst>
               <a:ext uri="{FF2B5EF4-FFF2-40B4-BE49-F238E27FC236}">
-                <a16:creationId xmlns:a16="http://schemas.microsoft.com/office/drawing/2014/main" id="{F49A0924-49A6-4989-8569-26965C8C2A2E}"/>
+                <a16:creationId xmlns:a16="http://schemas.microsoft.com/office/drawing/2014/main" id="{5A05C99B-24EC-49D1-958A-051AC8068632}"/>
               </a:ext>
             </a:extLst>
           </p:cNvPr>
@@ -5462,82 +5980,132 @@
         </p:nvSpPr>
         <p:spPr>
           <a:xfrm>
-            <a:off x="6553472" y="4620566"/>
-            <a:ext cx="3809723" cy="369332"/>
+            <a:off x="578778" y="3117779"/>
+            <a:ext cx="3319394" cy="1200329"/>
           </a:xfrm>
           <a:prstGeom prst="rect">
             <a:avLst/>
           </a:prstGeom>
           <a:noFill/>
+          <a:ln>
+            <a:solidFill>
+              <a:schemeClr val="tx1"/>
+            </a:solidFill>
+          </a:ln>
         </p:spPr>
         <p:txBody>
           <a:bodyPr wrap="square">
             <a:spAutoFit/>
           </a:bodyPr>
-          <a:lstStyle/>
-          <a:p>
-            <a:pPr marL="0" marR="0" lvl="0" indent="0" algn="l" defTabSz="914400" rtl="0" eaLnBrk="0" fontAlgn="base" latinLnBrk="0" hangingPunct="0">
-              <a:lnSpc>
-                <a:spcPct val="100000"/>
-              </a:lnSpc>
-              <a:spcBef>
-                <a:spcPct val="0"/>
-              </a:spcBef>
-              <a:spcAft>
-                <a:spcPct val="0"/>
-              </a:spcAft>
-              <a:buClrTx/>
-              <a:buSzTx/>
-              <a:buFontTx/>
-              <a:buNone/>
-              <a:tabLst/>
-            </a:pPr>
-            <a:r>
-              <a:rPr kumimoji="0" lang="zh-CN" altLang="zh-CN" sz="1800" b="0" i="0" u="none" strike="noStrike" cap="none" normalizeH="0" baseline="0" dirty="0">
-                <a:ln>
-                  <a:noFill/>
-                </a:ln>
+          <a:lstStyle>
+            <a:defPPr>
+              <a:defRPr lang="zh-CN"/>
+            </a:defPPr>
+            <a:lvl1pPr>
+              <a:defRPr b="0" i="0">
+                <a:effectLst/>
+              </a:defRPr>
+            </a:lvl1pPr>
+          </a:lstStyle>
+          <a:p>
+            <a:r>
+              <a:rPr lang="en-US" altLang="zh-CN" sz="1800" dirty="0">
                 <a:solidFill>
-                  <a:srgbClr val="A9B7C6"/>
+                  <a:srgbClr val="FF0000"/>
                 </a:solidFill>
+              </a:rPr>
+              <a:t>LoadBalancerClientConfiguration#</a:t>
+            </a:r>
+            <a:r>
+              <a:rPr lang="en-US" altLang="zh-CN" dirty="0">
+                <a:solidFill>
+                  <a:srgbClr val="FF0000"/>
+                </a:solidFill>
+              </a:rPr>
+              <a:t>discoveryClientServiceInstanceListSupplier</a:t>
+            </a:r>
+            <a:endParaRPr lang="zh-CN" altLang="en-US" dirty="0">
+              <a:solidFill>
+                <a:srgbClr val="FF0000"/>
+              </a:solidFill>
+            </a:endParaRPr>
+          </a:p>
+          <a:p>
+            <a:endParaRPr lang="en-US" altLang="zh-CN" dirty="0">
+              <a:solidFill>
+                <a:srgbClr val="FF0000"/>
+              </a:solidFill>
+            </a:endParaRPr>
+          </a:p>
+        </p:txBody>
+      </p:sp>
+      <p:sp>
+        <p:nvSpPr>
+          <p:cNvPr id="15" name="文本框 14">
+            <a:extLst>
+              <a:ext uri="{FF2B5EF4-FFF2-40B4-BE49-F238E27FC236}">
+                <a16:creationId xmlns:a16="http://schemas.microsoft.com/office/drawing/2014/main" id="{011EB70D-280E-43FE-B743-20E5A7F6E127}"/>
+              </a:ext>
+            </a:extLst>
+          </p:cNvPr>
+          <p:cNvSpPr txBox="1"/>
+          <p:nvPr/>
+        </p:nvSpPr>
+        <p:spPr>
+          <a:xfrm>
+            <a:off x="4396944" y="3289326"/>
+            <a:ext cx="2896930" cy="369332"/>
+          </a:xfrm>
+          <a:prstGeom prst="rect">
+            <a:avLst/>
+          </a:prstGeom>
+          <a:noFill/>
+          <a:ln>
+            <a:solidFill>
+              <a:schemeClr val="tx1"/>
+            </a:solidFill>
+          </a:ln>
+        </p:spPr>
+        <p:txBody>
+          <a:bodyPr wrap="square">
+            <a:spAutoFit/>
+          </a:bodyPr>
+          <a:lstStyle>
+            <a:defPPr>
+              <a:defRPr lang="zh-CN"/>
+            </a:defPPr>
+            <a:lvl1pPr>
+              <a:defRPr b="0" i="0">
                 <a:effectLst/>
-                <a:latin typeface="Arial Unicode MS" panose="020B0604020202020204" pitchFamily="34" charset="-122"/>
-                <a:ea typeface="JetBrains Mono"/>
-              </a:rPr>
-              <a:t>ReactiveLoadBalancerClientFilter</a:t>
-            </a:r>
-            <a:endParaRPr kumimoji="0" lang="zh-CN" altLang="zh-CN" sz="2400" b="0" i="0" u="none" strike="noStrike" cap="none" normalizeH="0" baseline="0" dirty="0">
-              <a:ln>
-                <a:noFill/>
-              </a:ln>
-              <a:solidFill>
-                <a:schemeClr val="tx1"/>
-              </a:solidFill>
-              <a:effectLst/>
-              <a:latin typeface="Arial" panose="020B0604020202020204" pitchFamily="34" charset="0"/>
-            </a:endParaRPr>
+              </a:defRPr>
+            </a:lvl1pPr>
+          </a:lstStyle>
+          <a:p>
+            <a:r>
+              <a:rPr lang="zh-CN" altLang="zh-CN" dirty="0"/>
+              <a:t>ServiceInstanceListSupplier</a:t>
+            </a:r>
           </a:p>
         </p:txBody>
       </p:sp>
       <p:cxnSp>
         <p:nvCxnSpPr>
-          <p:cNvPr id="5" name="直接箭头连接符 4">
-            <a:extLst>
-              <a:ext uri="{FF2B5EF4-FFF2-40B4-BE49-F238E27FC236}">
-                <a16:creationId xmlns:a16="http://schemas.microsoft.com/office/drawing/2014/main" id="{FA73FA46-B562-43CC-B148-54A791FD1178}"/>
+          <p:cNvPr id="16" name="直接箭头连接符 15">
+            <a:extLst>
+              <a:ext uri="{FF2B5EF4-FFF2-40B4-BE49-F238E27FC236}">
+                <a16:creationId xmlns:a16="http://schemas.microsoft.com/office/drawing/2014/main" id="{1E705F30-3FF7-44FB-A35A-BC59C866A565}"/>
               </a:ext>
             </a:extLst>
           </p:cNvPr>
           <p:cNvCxnSpPr>
             <a:cxnSpLocks/>
-            <a:stCxn id="14" idx="0"/>
           </p:cNvCxnSpPr>
           <p:nvPr/>
         </p:nvCxnSpPr>
         <p:spPr>
-          <a:xfrm flipH="1" flipV="1">
-            <a:off x="6553472" y="2976098"/>
-            <a:ext cx="1904862" cy="1644468"/>
+          <a:xfrm>
+            <a:off x="3898171" y="3469527"/>
+            <a:ext cx="477443" cy="0"/>
           </a:xfrm>
           <a:prstGeom prst="straightConnector1">
             <a:avLst/>
@@ -5563,10 +6131,10 @@
       </p:cxnSp>
       <p:sp>
         <p:nvSpPr>
-          <p:cNvPr id="10" name="文本框 9">
-            <a:extLst>
-              <a:ext uri="{FF2B5EF4-FFF2-40B4-BE49-F238E27FC236}">
-                <a16:creationId xmlns:a16="http://schemas.microsoft.com/office/drawing/2014/main" id="{7717FBA5-31A1-4838-891C-36BF8B9AD15C}"/>
+          <p:cNvPr id="17" name="文本框 16">
+            <a:extLst>
+              <a:ext uri="{FF2B5EF4-FFF2-40B4-BE49-F238E27FC236}">
+                <a16:creationId xmlns:a16="http://schemas.microsoft.com/office/drawing/2014/main" id="{510E0069-6B23-4E9C-9004-1110F160867D}"/>
               </a:ext>
             </a:extLst>
           </p:cNvPr>
@@ -5575,78 +6143,87 @@
         </p:nvSpPr>
         <p:spPr>
           <a:xfrm>
-            <a:off x="7503795" y="3429000"/>
-            <a:ext cx="1377300" cy="369332"/>
+            <a:off x="4384320" y="4581488"/>
+            <a:ext cx="4413515" cy="369332"/>
           </a:xfrm>
           <a:prstGeom prst="rect">
             <a:avLst/>
           </a:prstGeom>
           <a:noFill/>
-        </p:spPr>
-        <p:txBody>
-          <a:bodyPr wrap="none" rtlCol="0">
-            <a:spAutoFit/>
-          </a:bodyPr>
-          <a:lstStyle/>
-          <a:p>
-            <a:r>
-              <a:rPr kumimoji="0" lang="zh-CN" altLang="zh-CN" sz="1800" b="0" i="0" u="none" strike="noStrike" cap="none" normalizeH="0" baseline="0" dirty="0">
-                <a:ln>
-                  <a:noFill/>
-                </a:ln>
-                <a:solidFill>
-                  <a:srgbClr val="FF0000"/>
-                </a:solidFill>
-                <a:effectLst/>
-                <a:latin typeface="Arial Unicode MS" panose="020B0604020202020204" pitchFamily="34" charset="-122"/>
-                <a:ea typeface="JetBrains Mono"/>
-              </a:rPr>
-              <a:t>getInstance</a:t>
-            </a:r>
-            <a:endParaRPr kumimoji="0" lang="zh-CN" altLang="zh-CN" sz="2400" b="0" i="0" u="none" strike="noStrike" cap="none" normalizeH="0" baseline="0" dirty="0">
-              <a:ln>
-                <a:noFill/>
-              </a:ln>
-              <a:solidFill>
-                <a:srgbClr val="FF0000"/>
-              </a:solidFill>
-              <a:effectLst/>
-              <a:latin typeface="Arial" panose="020B0604020202020204" pitchFamily="34" charset="0"/>
-            </a:endParaRPr>
-          </a:p>
-        </p:txBody>
-      </p:sp>
-      <p:sp>
-        <p:nvSpPr>
-          <p:cNvPr id="24" name="文本框 23">
-            <a:extLst>
-              <a:ext uri="{FF2B5EF4-FFF2-40B4-BE49-F238E27FC236}">
-                <a16:creationId xmlns:a16="http://schemas.microsoft.com/office/drawing/2014/main" id="{A495B86A-4B2B-49F0-86B5-01D45F1337CC}"/>
-              </a:ext>
-            </a:extLst>
-          </p:cNvPr>
-          <p:cNvSpPr txBox="1"/>
-          <p:nvPr/>
-        </p:nvSpPr>
-        <p:spPr>
-          <a:xfrm>
-            <a:off x="8710477" y="1969198"/>
-            <a:ext cx="3481523" cy="369332"/>
-          </a:xfrm>
-          <a:prstGeom prst="rect">
-            <a:avLst/>
-          </a:prstGeom>
-          <a:noFill/>
+          <a:ln>
+            <a:solidFill>
+              <a:schemeClr val="tx1"/>
+            </a:solidFill>
+          </a:ln>
         </p:spPr>
         <p:txBody>
           <a:bodyPr wrap="square">
             <a:spAutoFit/>
           </a:bodyPr>
-          <a:lstStyle/>
+          <a:lstStyle>
+            <a:defPPr>
+              <a:defRPr lang="zh-CN"/>
+            </a:defPPr>
+            <a:lvl1pPr>
+              <a:defRPr b="0" i="0">
+                <a:effectLst/>
+              </a:defRPr>
+            </a:lvl1pPr>
+          </a:lstStyle>
           <a:p>
             <a:r>
               <a:rPr lang="en-US" altLang="zh-CN" dirty="0" err="1"/>
-              <a:t>LoadBalancerClientSpecification</a:t>
+              <a:t>DiscoveryClientServiceInstanceListSupplier</a:t>
+            </a:r>
+            <a:endParaRPr lang="zh-CN" altLang="en-US" dirty="0"/>
+          </a:p>
+        </p:txBody>
+      </p:sp>
+      <p:sp>
+        <p:nvSpPr>
+          <p:cNvPr id="18" name="文本框 17">
+            <a:extLst>
+              <a:ext uri="{FF2B5EF4-FFF2-40B4-BE49-F238E27FC236}">
+                <a16:creationId xmlns:a16="http://schemas.microsoft.com/office/drawing/2014/main" id="{11881576-8DC3-439C-A052-EA9F98F973DA}"/>
+              </a:ext>
+            </a:extLst>
+          </p:cNvPr>
+          <p:cNvSpPr txBox="1"/>
+          <p:nvPr/>
+        </p:nvSpPr>
+        <p:spPr>
+          <a:xfrm>
+            <a:off x="4379099" y="3935407"/>
+            <a:ext cx="3719874" cy="369332"/>
+          </a:xfrm>
+          <a:prstGeom prst="rect">
+            <a:avLst/>
+          </a:prstGeom>
+          <a:noFill/>
+          <a:ln>
+            <a:solidFill>
+              <a:schemeClr val="tx1"/>
+            </a:solidFill>
+          </a:ln>
+        </p:spPr>
+        <p:txBody>
+          <a:bodyPr wrap="square">
+            <a:spAutoFit/>
+          </a:bodyPr>
+          <a:lstStyle>
+            <a:defPPr>
+              <a:defRPr lang="zh-CN"/>
+            </a:defPPr>
+            <a:lvl1pPr>
+              <a:defRPr b="0" i="0">
+                <a:effectLst/>
+              </a:defRPr>
+            </a:lvl1pPr>
+          </a:lstStyle>
+          <a:p>
+            <a:r>
+              <a:rPr lang="en-US" altLang="zh-CN" dirty="0" err="1"/>
+              <a:t>CachingServiceInstanceListSupplier</a:t>
             </a:r>
             <a:endParaRPr lang="zh-CN" altLang="en-US" dirty="0"/>
           </a:p>
@@ -5654,20 +6231,22 @@
       </p:sp>
       <p:cxnSp>
         <p:nvCxnSpPr>
-          <p:cNvPr id="15" name="直接箭头连接符 14">
-            <a:extLst>
-              <a:ext uri="{FF2B5EF4-FFF2-40B4-BE49-F238E27FC236}">
-                <a16:creationId xmlns:a16="http://schemas.microsoft.com/office/drawing/2014/main" id="{966893EF-9773-4A21-A2ED-9212248E890A}"/>
-              </a:ext>
-            </a:extLst>
-          </p:cNvPr>
-          <p:cNvCxnSpPr/>
+          <p:cNvPr id="19" name="直接箭头连接符 18">
+            <a:extLst>
+              <a:ext uri="{FF2B5EF4-FFF2-40B4-BE49-F238E27FC236}">
+                <a16:creationId xmlns:a16="http://schemas.microsoft.com/office/drawing/2014/main" id="{8A8283E6-C018-4D77-A255-7C046122F856}"/>
+              </a:ext>
+            </a:extLst>
+          </p:cNvPr>
+          <p:cNvCxnSpPr>
+            <a:cxnSpLocks/>
+          </p:cNvCxnSpPr>
           <p:nvPr/>
         </p:nvCxnSpPr>
         <p:spPr>
-          <a:xfrm flipV="1">
-            <a:off x="8349343" y="2560261"/>
-            <a:ext cx="531752" cy="868739"/>
+          <a:xfrm>
+            <a:off x="6030234" y="3658658"/>
+            <a:ext cx="0" cy="238427"/>
           </a:xfrm>
           <a:prstGeom prst="straightConnector1">
             <a:avLst/>
@@ -5691,333 +6270,24 @@
           </a:fontRef>
         </p:style>
       </p:cxnSp>
-      <p:sp>
-        <p:nvSpPr>
-          <p:cNvPr id="16" name="文本框 15">
-            <a:extLst>
-              <a:ext uri="{FF2B5EF4-FFF2-40B4-BE49-F238E27FC236}">
-                <a16:creationId xmlns:a16="http://schemas.microsoft.com/office/drawing/2014/main" id="{9F9E68F4-5A0B-417A-B0EB-FA42D7E9BEE2}"/>
-              </a:ext>
-            </a:extLst>
-          </p:cNvPr>
-          <p:cNvSpPr txBox="1"/>
-          <p:nvPr/>
-        </p:nvSpPr>
-        <p:spPr>
-          <a:xfrm>
-            <a:off x="9408657" y="2791432"/>
-            <a:ext cx="4927952" cy="2031325"/>
-          </a:xfrm>
-          <a:prstGeom prst="rect">
-            <a:avLst/>
-          </a:prstGeom>
-          <a:noFill/>
-        </p:spPr>
-        <p:txBody>
-          <a:bodyPr wrap="none" rtlCol="0">
-            <a:spAutoFit/>
-          </a:bodyPr>
-          <a:lstStyle/>
-          <a:p>
-            <a:r>
-              <a:rPr lang="en-US" altLang="zh-CN" dirty="0" err="1"/>
-              <a:t>Context.regist</a:t>
-            </a:r>
-            <a:endParaRPr lang="en-US" altLang="zh-CN" dirty="0"/>
-          </a:p>
-          <a:p>
-            <a:endParaRPr lang="en-US" altLang="zh-CN" dirty="0"/>
-          </a:p>
-          <a:p>
-            <a:r>
-              <a:rPr lang="en-US" altLang="zh-CN" dirty="0" err="1">
-                <a:solidFill>
-                  <a:srgbClr val="FFC000"/>
-                </a:solidFill>
-              </a:rPr>
-              <a:t>LoadBalancerClientFactory</a:t>
-            </a:r>
-            <a:r>
-              <a:rPr lang="en-US" altLang="zh-CN" dirty="0">
-                <a:solidFill>
-                  <a:srgbClr val="FFC000"/>
-                </a:solidFill>
-              </a:rPr>
-              <a:t>-</a:t>
-            </a:r>
-            <a:r>
-              <a:rPr lang="en-US" altLang="zh-CN" dirty="0" err="1">
-                <a:solidFill>
-                  <a:srgbClr val="FFC000"/>
-                </a:solidFill>
-              </a:rPr>
-              <a:t>nlp</a:t>
-            </a:r>
-            <a:r>
-              <a:rPr lang="en-US" altLang="zh-CN" dirty="0">
-                <a:solidFill>
-                  <a:srgbClr val="FFC000"/>
-                </a:solidFill>
-              </a:rPr>
-              <a:t>-</a:t>
-            </a:r>
-            <a:r>
-              <a:rPr lang="en-US" altLang="zh-CN" dirty="0" err="1">
-                <a:solidFill>
-                  <a:srgbClr val="FFC000"/>
-                </a:solidFill>
-              </a:rPr>
-              <a:t>alg</a:t>
-            </a:r>
-            <a:r>
-              <a:rPr lang="en-US" altLang="zh-CN" dirty="0">
-                <a:solidFill>
-                  <a:srgbClr val="FFC000"/>
-                </a:solidFill>
-              </a:rPr>
-              <a:t>-deep-proxy</a:t>
-            </a:r>
-          </a:p>
-          <a:p>
-            <a:endParaRPr lang="en-US" altLang="zh-CN" dirty="0">
-              <a:solidFill>
-                <a:srgbClr val="FFC000"/>
-              </a:solidFill>
-            </a:endParaRPr>
-          </a:p>
-          <a:p>
-            <a:r>
-              <a:rPr lang="zh-CN" altLang="en-US" dirty="0">
-                <a:solidFill>
-                  <a:srgbClr val="FFC000"/>
-                </a:solidFill>
-              </a:rPr>
-              <a:t>在 </a:t>
-            </a:r>
-            <a:r>
-              <a:rPr lang="en-US" altLang="zh-CN" dirty="0">
-                <a:solidFill>
-                  <a:srgbClr val="FFC000"/>
-                </a:solidFill>
-              </a:rPr>
-              <a:t>context </a:t>
-            </a:r>
-            <a:r>
-              <a:rPr lang="zh-CN" altLang="en-US" dirty="0">
-                <a:solidFill>
-                  <a:srgbClr val="FFC000"/>
-                </a:solidFill>
-              </a:rPr>
-              <a:t>获取</a:t>
-            </a:r>
-            <a:r>
-              <a:rPr lang="en-US" altLang="zh-CN" dirty="0" err="1">
-                <a:solidFill>
-                  <a:srgbClr val="FFC000"/>
-                </a:solidFill>
-              </a:rPr>
-              <a:t>reactloadbalancer</a:t>
-            </a:r>
-            <a:endParaRPr lang="en-US" altLang="zh-CN" dirty="0">
-              <a:solidFill>
-                <a:srgbClr val="FFC000"/>
-              </a:solidFill>
-            </a:endParaRPr>
-          </a:p>
-          <a:p>
-            <a:r>
-              <a:rPr lang="en-US" altLang="zh-CN" dirty="0">
-                <a:solidFill>
-                  <a:srgbClr val="FFC000"/>
-                </a:solidFill>
-              </a:rPr>
-              <a:t>   </a:t>
-            </a:r>
-            <a:r>
-              <a:rPr lang="zh-CN" altLang="en-US" dirty="0">
-                <a:solidFill>
-                  <a:srgbClr val="FFC000"/>
-                </a:solidFill>
-              </a:rPr>
-              <a:t>得到 </a:t>
-            </a:r>
-            <a:r>
-              <a:rPr lang="en-US" altLang="zh-CN" dirty="0" err="1">
-                <a:solidFill>
-                  <a:srgbClr val="FFC000"/>
-                </a:solidFill>
-              </a:rPr>
-              <a:t>reactorServiceInstanceLoadBalancer</a:t>
-            </a:r>
-            <a:endParaRPr lang="en-US" altLang="zh-CN" dirty="0">
-              <a:solidFill>
-                <a:srgbClr val="FFC000"/>
-              </a:solidFill>
-            </a:endParaRPr>
-          </a:p>
-          <a:p>
-            <a:endParaRPr lang="zh-CN" altLang="en-US" dirty="0"/>
-          </a:p>
-        </p:txBody>
-      </p:sp>
-      <p:sp>
-        <p:nvSpPr>
-          <p:cNvPr id="30" name="文本框 29">
-            <a:extLst>
-              <a:ext uri="{FF2B5EF4-FFF2-40B4-BE49-F238E27FC236}">
-                <a16:creationId xmlns:a16="http://schemas.microsoft.com/office/drawing/2014/main" id="{D6B71814-122A-44D6-A1CC-F930BBF0335A}"/>
-              </a:ext>
-            </a:extLst>
-          </p:cNvPr>
-          <p:cNvSpPr txBox="1"/>
-          <p:nvPr/>
-        </p:nvSpPr>
-        <p:spPr>
-          <a:xfrm>
-            <a:off x="6499043" y="5812132"/>
-            <a:ext cx="7173686" cy="646331"/>
-          </a:xfrm>
-          <a:prstGeom prst="rect">
-            <a:avLst/>
-          </a:prstGeom>
-          <a:noFill/>
-        </p:spPr>
-        <p:txBody>
-          <a:bodyPr wrap="square">
-            <a:spAutoFit/>
-          </a:bodyPr>
-          <a:lstStyle/>
-          <a:p>
-            <a:pPr>
-              <a:defRPr/>
-            </a:pPr>
-            <a:r>
-              <a:rPr lang="en-US" altLang="zh-CN" dirty="0" err="1">
-                <a:highlight>
-                  <a:srgbClr val="FFFF00"/>
-                </a:highlight>
-              </a:rPr>
-              <a:t>LoadBalancerClientConfiguration</a:t>
-            </a:r>
-            <a:endParaRPr lang="zh-CN" altLang="en-US" dirty="0">
-              <a:highlight>
-                <a:srgbClr val="FFFF00"/>
-              </a:highlight>
-            </a:endParaRPr>
-          </a:p>
-          <a:p>
-            <a:pPr marL="0" marR="0" lvl="0" indent="0" algn="l" defTabSz="914400" rtl="0" eaLnBrk="1" fontAlgn="auto" latinLnBrk="0" hangingPunct="1">
-              <a:lnSpc>
-                <a:spcPct val="100000"/>
-              </a:lnSpc>
-              <a:spcBef>
-                <a:spcPts val="0"/>
-              </a:spcBef>
-              <a:spcAft>
-                <a:spcPts val="0"/>
-              </a:spcAft>
-              <a:buClrTx/>
-              <a:buSzTx/>
-              <a:buFontTx/>
-              <a:buNone/>
-              <a:tabLst/>
-              <a:defRPr/>
-            </a:pPr>
-            <a:r>
-              <a:rPr lang="en-US" altLang="zh-CN" dirty="0">
-                <a:solidFill>
-                  <a:srgbClr val="FFC66D"/>
-                </a:solidFill>
-                <a:latin typeface="Arial Unicode MS" panose="020B0604020202020204" pitchFamily="34" charset="-122"/>
-                <a:ea typeface="JetBrains Mono"/>
-              </a:rPr>
-              <a:t>.</a:t>
-            </a:r>
-            <a:r>
-              <a:rPr kumimoji="0" lang="zh-CN" altLang="zh-CN" sz="1800" b="0" i="0" u="none" strike="noStrike" cap="none" normalizeH="0" baseline="0" dirty="0">
-                <a:ln>
-                  <a:noFill/>
-                </a:ln>
-                <a:solidFill>
-                  <a:srgbClr val="FFC66D"/>
-                </a:solidFill>
-                <a:effectLst/>
-                <a:latin typeface="Arial Unicode MS" panose="020B0604020202020204" pitchFamily="34" charset="-122"/>
-                <a:ea typeface="JetBrains Mono"/>
-              </a:rPr>
-              <a:t>reactorServiceInstanceLoadBalancer</a:t>
-            </a:r>
-            <a:r>
-              <a:rPr kumimoji="0" lang="en-US" altLang="zh-CN" sz="1800" b="0" i="0" u="none" strike="noStrike" cap="none" normalizeH="0" baseline="0" dirty="0">
-                <a:ln>
-                  <a:noFill/>
-                </a:ln>
-                <a:solidFill>
-                  <a:srgbClr val="FFC66D"/>
-                </a:solidFill>
-                <a:effectLst/>
-                <a:latin typeface="Arial Unicode MS" panose="020B0604020202020204" pitchFamily="34" charset="-122"/>
-                <a:ea typeface="JetBrains Mono"/>
-              </a:rPr>
-              <a:t>(</a:t>
-            </a:r>
-            <a:r>
-              <a:rPr kumimoji="0" lang="zh-CN" altLang="zh-CN" sz="1800" b="0" i="0" u="none" strike="noStrike" cap="none" normalizeH="0" baseline="0" dirty="0">
-                <a:ln>
-                  <a:noFill/>
-                </a:ln>
-                <a:solidFill>
-                  <a:srgbClr val="A9B7C6"/>
-                </a:solidFill>
-                <a:effectLst/>
-                <a:latin typeface="Arial Unicode MS" panose="020B0604020202020204" pitchFamily="34" charset="-122"/>
-                <a:ea typeface="JetBrains Mono"/>
-              </a:rPr>
-              <a:t>RoundRobinLoadBalancer</a:t>
-            </a:r>
-            <a:r>
-              <a:rPr kumimoji="0" lang="en-US" altLang="zh-CN" sz="1800" b="0" i="0" u="none" strike="noStrike" cap="none" normalizeH="0" baseline="0" dirty="0">
-                <a:ln>
-                  <a:noFill/>
-                </a:ln>
-                <a:solidFill>
-                  <a:srgbClr val="FFC66D"/>
-                </a:solidFill>
-                <a:effectLst/>
-                <a:latin typeface="Arial Unicode MS" panose="020B0604020202020204" pitchFamily="34" charset="-122"/>
-                <a:ea typeface="JetBrains Mono"/>
-              </a:rPr>
-              <a:t>)</a:t>
-            </a:r>
-            <a:endParaRPr kumimoji="0" lang="zh-CN" altLang="zh-CN" sz="2400" b="0" i="0" u="none" strike="noStrike" cap="none" normalizeH="0" baseline="0" dirty="0">
-              <a:ln>
-                <a:noFill/>
-              </a:ln>
-              <a:solidFill>
-                <a:schemeClr val="tx1"/>
-              </a:solidFill>
-              <a:effectLst/>
-              <a:latin typeface="Arial" panose="020B0604020202020204" pitchFamily="34" charset="0"/>
-            </a:endParaRPr>
-          </a:p>
-        </p:txBody>
-      </p:sp>
       <p:cxnSp>
         <p:nvCxnSpPr>
-          <p:cNvPr id="21" name="直接箭头连接符 20">
-            <a:extLst>
-              <a:ext uri="{FF2B5EF4-FFF2-40B4-BE49-F238E27FC236}">
-                <a16:creationId xmlns:a16="http://schemas.microsoft.com/office/drawing/2014/main" id="{636D9441-1AA8-4463-B4E1-E1852D6C6C02}"/>
-              </a:ext>
-            </a:extLst>
-          </p:cNvPr>
-          <p:cNvCxnSpPr/>
+          <p:cNvPr id="20" name="直接箭头连接符 19">
+            <a:extLst>
+              <a:ext uri="{FF2B5EF4-FFF2-40B4-BE49-F238E27FC236}">
+                <a16:creationId xmlns:a16="http://schemas.microsoft.com/office/drawing/2014/main" id="{601EF3DB-6FE4-4EA4-9AC9-8535D61E1D24}"/>
+              </a:ext>
+            </a:extLst>
+          </p:cNvPr>
+          <p:cNvCxnSpPr>
+            <a:cxnSpLocks/>
+          </p:cNvCxnSpPr>
           <p:nvPr/>
         </p:nvCxnSpPr>
         <p:spPr>
-          <a:xfrm flipH="1">
-            <a:off x="9546771" y="4528457"/>
-            <a:ext cx="1186543" cy="1393372"/>
+          <a:xfrm>
+            <a:off x="6030234" y="4343061"/>
+            <a:ext cx="0" cy="238427"/>
           </a:xfrm>
           <a:prstGeom prst="straightConnector1">
             <a:avLst/>
@@ -6043,10 +6313,207 @@
       </p:cxnSp>
       <p:sp>
         <p:nvSpPr>
-          <p:cNvPr id="25" name="Rectangle 4">
-            <a:extLst>
-              <a:ext uri="{FF2B5EF4-FFF2-40B4-BE49-F238E27FC236}">
-                <a16:creationId xmlns:a16="http://schemas.microsoft.com/office/drawing/2014/main" id="{4D88B05E-B6AA-4B0D-A59D-DB57E1EDAFCA}"/>
+          <p:cNvPr id="21" name="文本框 20">
+            <a:extLst>
+              <a:ext uri="{FF2B5EF4-FFF2-40B4-BE49-F238E27FC236}">
+                <a16:creationId xmlns:a16="http://schemas.microsoft.com/office/drawing/2014/main" id="{09F5E689-C4C8-47D4-92F2-6648D2E691C1}"/>
+              </a:ext>
+            </a:extLst>
+          </p:cNvPr>
+          <p:cNvSpPr txBox="1"/>
+          <p:nvPr/>
+        </p:nvSpPr>
+        <p:spPr>
+          <a:xfrm>
+            <a:off x="602727" y="4748321"/>
+            <a:ext cx="3295444" cy="646331"/>
+          </a:xfrm>
+          <a:prstGeom prst="rect">
+            <a:avLst/>
+          </a:prstGeom>
+          <a:noFill/>
+          <a:ln>
+            <a:solidFill>
+              <a:schemeClr val="tx1"/>
+            </a:solidFill>
+          </a:ln>
+        </p:spPr>
+        <p:txBody>
+          <a:bodyPr wrap="square">
+            <a:spAutoFit/>
+          </a:bodyPr>
+          <a:lstStyle>
+            <a:defPPr>
+              <a:defRPr lang="zh-CN"/>
+            </a:defPPr>
+            <a:lvl1pPr>
+              <a:defRPr b="0" i="0">
+                <a:solidFill>
+                  <a:srgbClr val="FF0000"/>
+                </a:solidFill>
+                <a:effectLst/>
+              </a:defRPr>
+            </a:lvl1pPr>
+          </a:lstStyle>
+          <a:p>
+            <a:r>
+              <a:rPr lang="zh-CN" altLang="zh-CN" dirty="0"/>
+              <a:t>EurekaReactiveDiscoveryClientConfiguration</a:t>
+            </a:r>
+            <a:endParaRPr lang="zh-CN" altLang="en-US" dirty="0"/>
+          </a:p>
+        </p:txBody>
+      </p:sp>
+      <p:sp>
+        <p:nvSpPr>
+          <p:cNvPr id="22" name="文本框 21">
+            <a:extLst>
+              <a:ext uri="{FF2B5EF4-FFF2-40B4-BE49-F238E27FC236}">
+                <a16:creationId xmlns:a16="http://schemas.microsoft.com/office/drawing/2014/main" id="{4D42A85C-EB22-457C-A3F4-911C83F98DFD}"/>
+              </a:ext>
+            </a:extLst>
+          </p:cNvPr>
+          <p:cNvSpPr txBox="1"/>
+          <p:nvPr/>
+        </p:nvSpPr>
+        <p:spPr>
+          <a:xfrm>
+            <a:off x="602727" y="5824865"/>
+            <a:ext cx="3309921" cy="646331"/>
+          </a:xfrm>
+          <a:prstGeom prst="rect">
+            <a:avLst/>
+          </a:prstGeom>
+          <a:noFill/>
+          <a:ln>
+            <a:solidFill>
+              <a:schemeClr val="tx1"/>
+            </a:solidFill>
+          </a:ln>
+        </p:spPr>
+        <p:txBody>
+          <a:bodyPr wrap="square">
+            <a:spAutoFit/>
+          </a:bodyPr>
+          <a:lstStyle>
+            <a:defPPr>
+              <a:defRPr lang="zh-CN"/>
+            </a:defPPr>
+            <a:lvl1pPr>
+              <a:defRPr b="0" i="0">
+                <a:solidFill>
+                  <a:srgbClr val="FF0000"/>
+                </a:solidFill>
+                <a:effectLst/>
+              </a:defRPr>
+            </a:lvl1pPr>
+          </a:lstStyle>
+          <a:p>
+            <a:r>
+              <a:rPr lang="en-US" altLang="zh-CN" dirty="0" err="1"/>
+              <a:t>ReactiveCompositeDiscoveryClientAutoConfiguration</a:t>
+            </a:r>
+            <a:endParaRPr lang="zh-CN" altLang="en-US" dirty="0"/>
+          </a:p>
+        </p:txBody>
+      </p:sp>
+      <p:sp>
+        <p:nvSpPr>
+          <p:cNvPr id="25" name="文本框 24">
+            <a:extLst>
+              <a:ext uri="{FF2B5EF4-FFF2-40B4-BE49-F238E27FC236}">
+                <a16:creationId xmlns:a16="http://schemas.microsoft.com/office/drawing/2014/main" id="{D1A799AE-95DE-433D-BCE2-B49658BFBD78}"/>
+              </a:ext>
+            </a:extLst>
+          </p:cNvPr>
+          <p:cNvSpPr txBox="1"/>
+          <p:nvPr/>
+        </p:nvSpPr>
+        <p:spPr>
+          <a:xfrm>
+            <a:off x="4490126" y="6088994"/>
+            <a:ext cx="3719874" cy="369332"/>
+          </a:xfrm>
+          <a:prstGeom prst="rect">
+            <a:avLst/>
+          </a:prstGeom>
+          <a:noFill/>
+          <a:ln>
+            <a:solidFill>
+              <a:schemeClr val="tx1"/>
+            </a:solidFill>
+          </a:ln>
+        </p:spPr>
+        <p:txBody>
+          <a:bodyPr wrap="square">
+            <a:spAutoFit/>
+          </a:bodyPr>
+          <a:lstStyle>
+            <a:defPPr>
+              <a:defRPr lang="zh-CN"/>
+            </a:defPPr>
+            <a:lvl1pPr>
+              <a:defRPr b="0" i="0">
+                <a:effectLst/>
+              </a:defRPr>
+            </a:lvl1pPr>
+          </a:lstStyle>
+          <a:p>
+            <a:r>
+              <a:rPr lang="en-US" altLang="zh-CN" dirty="0" err="1"/>
+              <a:t>ReactiveCompositeDiscoveryClient</a:t>
+            </a:r>
+            <a:endParaRPr lang="zh-CN" altLang="en-US" dirty="0"/>
+          </a:p>
+        </p:txBody>
+      </p:sp>
+      <p:cxnSp>
+        <p:nvCxnSpPr>
+          <p:cNvPr id="26" name="直接箭头连接符 25">
+            <a:extLst>
+              <a:ext uri="{FF2B5EF4-FFF2-40B4-BE49-F238E27FC236}">
+                <a16:creationId xmlns:a16="http://schemas.microsoft.com/office/drawing/2014/main" id="{6B5DA711-6A92-412E-A907-0E37559E0A1C}"/>
+              </a:ext>
+            </a:extLst>
+          </p:cNvPr>
+          <p:cNvCxnSpPr>
+            <a:cxnSpLocks/>
+          </p:cNvCxnSpPr>
+          <p:nvPr/>
+        </p:nvCxnSpPr>
+        <p:spPr>
+          <a:xfrm>
+            <a:off x="3933978" y="6247347"/>
+            <a:ext cx="477443" cy="0"/>
+          </a:xfrm>
+          <a:prstGeom prst="straightConnector1">
+            <a:avLst/>
+          </a:prstGeom>
+          <a:ln>
+            <a:tailEnd type="triangle"/>
+          </a:ln>
+        </p:spPr>
+        <p:style>
+          <a:lnRef idx="1">
+            <a:schemeClr val="accent1"/>
+          </a:lnRef>
+          <a:fillRef idx="0">
+            <a:schemeClr val="accent1"/>
+          </a:fillRef>
+          <a:effectRef idx="0">
+            <a:schemeClr val="accent1"/>
+          </a:effectRef>
+          <a:fontRef idx="minor">
+            <a:schemeClr val="tx1"/>
+          </a:fontRef>
+        </p:style>
+      </p:cxnSp>
+      <p:sp>
+        <p:nvSpPr>
+          <p:cNvPr id="27" name="Rectangle 3">
+            <a:extLst>
+              <a:ext uri="{FF2B5EF4-FFF2-40B4-BE49-F238E27FC236}">
+                <a16:creationId xmlns:a16="http://schemas.microsoft.com/office/drawing/2014/main" id="{0C2D4377-9C09-4233-A4F0-3DC075137F93}"/>
               </a:ext>
             </a:extLst>
           </p:cNvPr>
@@ -6057,100 +6524,18 @@
         </p:nvSpPr>
         <p:spPr bwMode="auto">
           <a:xfrm>
-            <a:off x="0" y="43934"/>
-            <a:ext cx="184731" cy="369332"/>
+            <a:off x="7478485" y="5124141"/>
+            <a:ext cx="3188693" cy="369332"/>
           </a:xfrm>
           <a:prstGeom prst="rect">
             <a:avLst/>
           </a:prstGeom>
-          <a:solidFill>
-            <a:srgbClr val="2B2B2B"/>
-          </a:solidFill>
+          <a:noFill/>
           <a:ln>
-            <a:noFill/>
+            <a:solidFill>
+              <a:schemeClr val="tx1"/>
+            </a:solidFill>
           </a:ln>
-          <a:effectLst/>
-          <a:extLst>
-            <a:ext uri="{91240B29-F687-4F45-9708-019B960494DF}">
-              <a14:hiddenLine xmlns:a14="http://schemas.microsoft.com/office/drawing/2010/main" w="9525">
-                <a:solidFill>
-                  <a:schemeClr val="tx1"/>
-                </a:solidFill>
-                <a:miter lim="800000"/>
-                <a:headEnd/>
-                <a:tailEnd/>
-              </a14:hiddenLine>
-            </a:ext>
-            <a:ext uri="{AF507438-7753-43E0-B8FC-AC1667EBCBE1}">
-              <a14:hiddenEffects xmlns:a14="http://schemas.microsoft.com/office/drawing/2010/main">
-                <a:effectLst>
-                  <a:outerShdw dist="35921" dir="2700000" algn="ctr" rotWithShape="0">
-                    <a:schemeClr val="bg2"/>
-                  </a:outerShdw>
-                </a:effectLst>
-              </a14:hiddenEffects>
-            </a:ext>
-          </a:extLst>
-        </p:spPr>
-        <p:txBody>
-          <a:bodyPr vert="horz" wrap="none" lIns="91440" tIns="45720" rIns="91440" bIns="45720" numCol="1" anchor="ctr" anchorCtr="0" compatLnSpc="1">
-            <a:prstTxWarp prst="textNoShape">
-              <a:avLst/>
-            </a:prstTxWarp>
-            <a:spAutoFit/>
-          </a:bodyPr>
-          <a:lstStyle/>
-          <a:p>
-            <a:pPr marL="0" marR="0" lvl="0" indent="0" algn="l" defTabSz="914400" rtl="0" eaLnBrk="0" fontAlgn="base" latinLnBrk="0" hangingPunct="0">
-              <a:lnSpc>
-                <a:spcPct val="100000"/>
-              </a:lnSpc>
-              <a:spcBef>
-                <a:spcPct val="0"/>
-              </a:spcBef>
-              <a:spcAft>
-                <a:spcPct val="0"/>
-              </a:spcAft>
-              <a:buClrTx/>
-              <a:buSzTx/>
-              <a:buFontTx/>
-              <a:buNone/>
-              <a:tabLst/>
-            </a:pPr>
-            <a:endParaRPr kumimoji="0" lang="zh-CN" altLang="zh-CN" sz="1800" b="0" i="0" u="none" strike="noStrike" cap="none" normalizeH="0" baseline="0" dirty="0">
-              <a:ln>
-                <a:noFill/>
-              </a:ln>
-              <a:solidFill>
-                <a:schemeClr val="tx1"/>
-              </a:solidFill>
-              <a:effectLst/>
-              <a:latin typeface="Arial" panose="020B0604020202020204" pitchFamily="34" charset="0"/>
-            </a:endParaRPr>
-          </a:p>
-        </p:txBody>
-      </p:sp>
-      <p:sp>
-        <p:nvSpPr>
-          <p:cNvPr id="33" name="文本框 32">
-            <a:extLst>
-              <a:ext uri="{FF2B5EF4-FFF2-40B4-BE49-F238E27FC236}">
-                <a16:creationId xmlns:a16="http://schemas.microsoft.com/office/drawing/2014/main" id="{BBB100A4-38ED-466D-AF82-02D666531177}"/>
-              </a:ext>
-            </a:extLst>
-          </p:cNvPr>
-          <p:cNvSpPr txBox="1"/>
-          <p:nvPr/>
-        </p:nvSpPr>
-        <p:spPr>
-          <a:xfrm>
-            <a:off x="4136913" y="5341705"/>
-            <a:ext cx="7168242" cy="369332"/>
-          </a:xfrm>
-          <a:prstGeom prst="rect">
-            <a:avLst/>
-          </a:prstGeom>
-          <a:noFill/>
         </p:spPr>
         <p:txBody>
           <a:bodyPr wrap="square">
@@ -6159,49 +6544,113 @@
           <a:lstStyle/>
           <a:p>
             <a:r>
-              <a:rPr kumimoji="0" lang="zh-CN" altLang="zh-CN" sz="1800" b="0" i="0" u="none" strike="noStrike" cap="none" normalizeH="0" baseline="0" dirty="0">
-                <a:ln>
-                  <a:noFill/>
-                </a:ln>
-                <a:solidFill>
-                  <a:srgbClr val="FF0000"/>
-                </a:solidFill>
-                <a:effectLst/>
-                <a:highlight>
-                  <a:srgbClr val="FFFF00"/>
-                </a:highlight>
-                <a:latin typeface="Arial Unicode MS" panose="020B0604020202020204" pitchFamily="34" charset="-122"/>
-                <a:ea typeface="JetBrains Mono"/>
-              </a:rPr>
-              <a:t>LoadBalancerClientFactory</a:t>
-            </a:r>
-            <a:endParaRPr lang="zh-CN" altLang="en-US" dirty="0">
-              <a:solidFill>
-                <a:srgbClr val="FF0000"/>
-              </a:solidFill>
-              <a:highlight>
-                <a:srgbClr val="FFFF00"/>
-              </a:highlight>
-            </a:endParaRPr>
+              <a:rPr lang="zh-CN" altLang="zh-CN" dirty="0"/>
+              <a:t>EurekaReactiveDiscoveryClient</a:t>
+            </a:r>
           </a:p>
         </p:txBody>
       </p:sp>
       <p:cxnSp>
         <p:nvCxnSpPr>
-          <p:cNvPr id="34" name="直接箭头连接符 33">
-            <a:extLst>
-              <a:ext uri="{FF2B5EF4-FFF2-40B4-BE49-F238E27FC236}">
-                <a16:creationId xmlns:a16="http://schemas.microsoft.com/office/drawing/2014/main" id="{DB5AB777-FE97-4DF3-8E2E-5D37D2755E7A}"/>
-              </a:ext>
-            </a:extLst>
-          </p:cNvPr>
-          <p:cNvCxnSpPr/>
+          <p:cNvPr id="28" name="直接箭头连接符 27">
+            <a:extLst>
+              <a:ext uri="{FF2B5EF4-FFF2-40B4-BE49-F238E27FC236}">
+                <a16:creationId xmlns:a16="http://schemas.microsoft.com/office/drawing/2014/main" id="{E55A9E6D-9E5B-4CA6-AA48-CBB4E47FBEF9}"/>
+              </a:ext>
+            </a:extLst>
+          </p:cNvPr>
+          <p:cNvCxnSpPr>
+            <a:cxnSpLocks/>
+          </p:cNvCxnSpPr>
           <p:nvPr/>
         </p:nvCxnSpPr>
         <p:spPr>
           <a:xfrm>
-            <a:off x="5540829" y="5543896"/>
-            <a:ext cx="838200" cy="465018"/>
+            <a:off x="3898171" y="5268218"/>
+            <a:ext cx="3580314" cy="0"/>
+          </a:xfrm>
+          <a:prstGeom prst="straightConnector1">
+            <a:avLst/>
+          </a:prstGeom>
+          <a:ln>
+            <a:tailEnd type="triangle"/>
+          </a:ln>
+        </p:spPr>
+        <p:style>
+          <a:lnRef idx="1">
+            <a:schemeClr val="accent1"/>
+          </a:lnRef>
+          <a:fillRef idx="0">
+            <a:schemeClr val="accent1"/>
+          </a:fillRef>
+          <a:effectRef idx="0">
+            <a:schemeClr val="accent1"/>
+          </a:effectRef>
+          <a:fontRef idx="minor">
+            <a:schemeClr val="tx1"/>
+          </a:fontRef>
+        </p:style>
+      </p:cxnSp>
+      <p:cxnSp>
+        <p:nvCxnSpPr>
+          <p:cNvPr id="34" name="连接符: 肘形 33">
+            <a:extLst>
+              <a:ext uri="{FF2B5EF4-FFF2-40B4-BE49-F238E27FC236}">
+                <a16:creationId xmlns:a16="http://schemas.microsoft.com/office/drawing/2014/main" id="{33B36333-48EB-4D9C-991B-B874FE4B7772}"/>
+              </a:ext>
+            </a:extLst>
+          </p:cNvPr>
+          <p:cNvCxnSpPr>
+            <a:stCxn id="25" idx="3"/>
+            <a:endCxn id="27" idx="2"/>
+          </p:cNvCxnSpPr>
+          <p:nvPr/>
+        </p:nvCxnSpPr>
+        <p:spPr>
+          <a:xfrm flipV="1">
+            <a:off x="8210000" y="5493473"/>
+            <a:ext cx="862832" cy="780187"/>
+          </a:xfrm>
+          <a:prstGeom prst="bentConnector2">
+            <a:avLst/>
+          </a:prstGeom>
+          <a:ln>
+            <a:tailEnd type="triangle"/>
+          </a:ln>
+        </p:spPr>
+        <p:style>
+          <a:lnRef idx="1">
+            <a:schemeClr val="accent1"/>
+          </a:lnRef>
+          <a:fillRef idx="0">
+            <a:schemeClr val="accent1"/>
+          </a:fillRef>
+          <a:effectRef idx="0">
+            <a:schemeClr val="accent1"/>
+          </a:effectRef>
+          <a:fontRef idx="minor">
+            <a:schemeClr val="tx1"/>
+          </a:fontRef>
+        </p:style>
+      </p:cxnSp>
+      <p:cxnSp>
+        <p:nvCxnSpPr>
+          <p:cNvPr id="35" name="直接箭头连接符 34">
+            <a:extLst>
+              <a:ext uri="{FF2B5EF4-FFF2-40B4-BE49-F238E27FC236}">
+                <a16:creationId xmlns:a16="http://schemas.microsoft.com/office/drawing/2014/main" id="{773CFFFC-61DB-4A3B-B415-0A4ABBF63698}"/>
+              </a:ext>
+            </a:extLst>
+          </p:cNvPr>
+          <p:cNvCxnSpPr>
+            <a:cxnSpLocks/>
+          </p:cNvCxnSpPr>
+          <p:nvPr/>
+        </p:nvCxnSpPr>
+        <p:spPr>
+          <a:xfrm>
+            <a:off x="6030234" y="4962290"/>
+            <a:ext cx="0" cy="1126704"/>
           </a:xfrm>
           <a:prstGeom prst="straightConnector1">
             <a:avLst/>
@@ -6228,7 +6677,7 @@
     </p:spTree>
     <p:extLst>
       <p:ext uri="{BB962C8B-B14F-4D97-AF65-F5344CB8AC3E}">
-        <p14:creationId xmlns:p14="http://schemas.microsoft.com/office/powerpoint/2010/main" val="3372858494"/>
+        <p14:creationId xmlns:p14="http://schemas.microsoft.com/office/powerpoint/2010/main" val="3618758023"/>
       </p:ext>
     </p:extLst>
   </p:cSld>
@@ -6257,10 +6706,157 @@
       </p:grpSpPr>
       <p:sp>
         <p:nvSpPr>
-          <p:cNvPr id="4" name="文本框 3">
-            <a:extLst>
-              <a:ext uri="{FF2B5EF4-FFF2-40B4-BE49-F238E27FC236}">
-                <a16:creationId xmlns:a16="http://schemas.microsoft.com/office/drawing/2014/main" id="{E6E5AC35-5D5E-4389-B226-813DC1656DD2}"/>
+          <p:cNvPr id="100" name="矩形 99">
+            <a:extLst>
+              <a:ext uri="{FF2B5EF4-FFF2-40B4-BE49-F238E27FC236}">
+                <a16:creationId xmlns:a16="http://schemas.microsoft.com/office/drawing/2014/main" id="{28B2138F-E388-4E03-8ED9-E3832076ACFA}"/>
+              </a:ext>
+            </a:extLst>
+          </p:cNvPr>
+          <p:cNvSpPr/>
+          <p:nvPr/>
+        </p:nvSpPr>
+        <p:spPr>
+          <a:xfrm>
+            <a:off x="8602994" y="3093218"/>
+            <a:ext cx="3571826" cy="1584371"/>
+          </a:xfrm>
+          <a:prstGeom prst="rect">
+            <a:avLst/>
+          </a:prstGeom>
+          <a:solidFill>
+            <a:schemeClr val="bg1"/>
+          </a:solidFill>
+        </p:spPr>
+        <p:style>
+          <a:lnRef idx="2">
+            <a:schemeClr val="accent1">
+              <a:shade val="50000"/>
+            </a:schemeClr>
+          </a:lnRef>
+          <a:fillRef idx="1">
+            <a:schemeClr val="accent1"/>
+          </a:fillRef>
+          <a:effectRef idx="0">
+            <a:schemeClr val="accent1"/>
+          </a:effectRef>
+          <a:fontRef idx="minor">
+            <a:schemeClr val="lt1"/>
+          </a:fontRef>
+        </p:style>
+        <p:txBody>
+          <a:bodyPr rtlCol="0" anchor="ctr"/>
+          <a:lstStyle/>
+          <a:p>
+            <a:pPr algn="ctr"/>
+            <a:endParaRPr lang="zh-CN" altLang="en-US"/>
+          </a:p>
+        </p:txBody>
+      </p:sp>
+      <p:sp>
+        <p:nvSpPr>
+          <p:cNvPr id="80" name="矩形 79">
+            <a:extLst>
+              <a:ext uri="{FF2B5EF4-FFF2-40B4-BE49-F238E27FC236}">
+                <a16:creationId xmlns:a16="http://schemas.microsoft.com/office/drawing/2014/main" id="{12A8F592-A670-4A13-8917-8940480997C9}"/>
+              </a:ext>
+            </a:extLst>
+          </p:cNvPr>
+          <p:cNvSpPr/>
+          <p:nvPr/>
+        </p:nvSpPr>
+        <p:spPr>
+          <a:xfrm>
+            <a:off x="2440743" y="1427416"/>
+            <a:ext cx="4857351" cy="919652"/>
+          </a:xfrm>
+          <a:prstGeom prst="rect">
+            <a:avLst/>
+          </a:prstGeom>
+          <a:solidFill>
+            <a:schemeClr val="bg1"/>
+          </a:solidFill>
+        </p:spPr>
+        <p:style>
+          <a:lnRef idx="2">
+            <a:schemeClr val="accent1">
+              <a:shade val="50000"/>
+            </a:schemeClr>
+          </a:lnRef>
+          <a:fillRef idx="1">
+            <a:schemeClr val="accent1"/>
+          </a:fillRef>
+          <a:effectRef idx="0">
+            <a:schemeClr val="accent1"/>
+          </a:effectRef>
+          <a:fontRef idx="minor">
+            <a:schemeClr val="lt1"/>
+          </a:fontRef>
+        </p:style>
+        <p:txBody>
+          <a:bodyPr rtlCol="0" anchor="ctr"/>
+          <a:lstStyle/>
+          <a:p>
+            <a:pPr algn="ctr"/>
+            <a:endParaRPr lang="zh-CN" altLang="en-US"/>
+          </a:p>
+        </p:txBody>
+      </p:sp>
+      <p:sp>
+        <p:nvSpPr>
+          <p:cNvPr id="79" name="矩形 78">
+            <a:extLst>
+              <a:ext uri="{FF2B5EF4-FFF2-40B4-BE49-F238E27FC236}">
+                <a16:creationId xmlns:a16="http://schemas.microsoft.com/office/drawing/2014/main" id="{212B7BC1-EBB6-4D13-BAFF-1D04B624A42F}"/>
+              </a:ext>
+            </a:extLst>
+          </p:cNvPr>
+          <p:cNvSpPr/>
+          <p:nvPr/>
+        </p:nvSpPr>
+        <p:spPr>
+          <a:xfrm>
+            <a:off x="7543801" y="598715"/>
+            <a:ext cx="4539339" cy="1236723"/>
+          </a:xfrm>
+          <a:prstGeom prst="rect">
+            <a:avLst/>
+          </a:prstGeom>
+          <a:solidFill>
+            <a:schemeClr val="bg1"/>
+          </a:solidFill>
+        </p:spPr>
+        <p:style>
+          <a:lnRef idx="2">
+            <a:schemeClr val="accent1">
+              <a:shade val="50000"/>
+            </a:schemeClr>
+          </a:lnRef>
+          <a:fillRef idx="1">
+            <a:schemeClr val="accent1"/>
+          </a:fillRef>
+          <a:effectRef idx="0">
+            <a:schemeClr val="accent1"/>
+          </a:effectRef>
+          <a:fontRef idx="minor">
+            <a:schemeClr val="lt1"/>
+          </a:fontRef>
+        </p:style>
+        <p:txBody>
+          <a:bodyPr rtlCol="0" anchor="ctr"/>
+          <a:lstStyle/>
+          <a:p>
+            <a:pPr algn="ctr"/>
+            <a:endParaRPr lang="zh-CN" altLang="en-US"/>
+          </a:p>
+        </p:txBody>
+      </p:sp>
+      <p:sp>
+        <p:nvSpPr>
+          <p:cNvPr id="22" name="文本框 21">
+            <a:extLst>
+              <a:ext uri="{FF2B5EF4-FFF2-40B4-BE49-F238E27FC236}">
+                <a16:creationId xmlns:a16="http://schemas.microsoft.com/office/drawing/2014/main" id="{BCD0830F-173F-4535-9FDB-003D5A0412CE}"/>
               </a:ext>
             </a:extLst>
           </p:cNvPr>
@@ -6269,8 +6865,8 @@
         </p:nvSpPr>
         <p:spPr>
           <a:xfrm>
-            <a:off x="1046864" y="2455284"/>
-            <a:ext cx="3481593" cy="369332"/>
+            <a:off x="369707" y="703752"/>
+            <a:ext cx="3676778" cy="369332"/>
           </a:xfrm>
           <a:prstGeom prst="rect">
             <a:avLst/>
@@ -6291,34 +6887,194 @@
               <a:defRPr lang="zh-CN"/>
             </a:defPPr>
             <a:lvl1pPr>
-              <a:defRPr b="0" i="0">
+              <a:defRPr kumimoji="0" b="0" i="0" u="none" strike="noStrike" cap="none" normalizeH="0" baseline="0">
+                <a:ln>
+                  <a:noFill/>
+                </a:ln>
                 <a:effectLst/>
+                <a:latin typeface="Arial Unicode MS" panose="020B0604020202020204" pitchFamily="34" charset="-122"/>
+                <a:ea typeface="JetBrains Mono"/>
               </a:defRPr>
             </a:lvl1pPr>
           </a:lstStyle>
           <a:p>
             <a:r>
-              <a:rPr lang="en-US" altLang="zh-CN" dirty="0" err="1">
-                <a:highlight>
-                  <a:srgbClr val="FFFF00"/>
-                </a:highlight>
+              <a:rPr lang="en-US" altLang="zh-CN" dirty="0" err="1"/>
+              <a:t>ReactiveLoadBalancerClientFilter</a:t>
+            </a:r>
+            <a:endParaRPr lang="zh-CN" altLang="en-US" dirty="0"/>
+          </a:p>
+        </p:txBody>
+      </p:sp>
+      <p:cxnSp>
+        <p:nvCxnSpPr>
+          <p:cNvPr id="3" name="直接连接符 2">
+            <a:extLst>
+              <a:ext uri="{FF2B5EF4-FFF2-40B4-BE49-F238E27FC236}">
+                <a16:creationId xmlns:a16="http://schemas.microsoft.com/office/drawing/2014/main" id="{871916AB-AEAE-4175-8CC1-0832533FD393}"/>
+              </a:ext>
+            </a:extLst>
+          </p:cNvPr>
+          <p:cNvCxnSpPr>
+            <a:cxnSpLocks/>
+            <a:endCxn id="113" idx="0"/>
+          </p:cNvCxnSpPr>
+          <p:nvPr/>
+        </p:nvCxnSpPr>
+        <p:spPr>
+          <a:xfrm>
+            <a:off x="2110724" y="1070789"/>
+            <a:ext cx="0" cy="4639266"/>
+          </a:xfrm>
+          <a:prstGeom prst="line">
+            <a:avLst/>
+          </a:prstGeom>
+          <a:ln>
+            <a:solidFill>
+              <a:schemeClr val="tx1"/>
+            </a:solidFill>
+          </a:ln>
+        </p:spPr>
+        <p:style>
+          <a:lnRef idx="1">
+            <a:schemeClr val="accent1"/>
+          </a:lnRef>
+          <a:fillRef idx="0">
+            <a:schemeClr val="accent1"/>
+          </a:fillRef>
+          <a:effectRef idx="0">
+            <a:schemeClr val="accent1"/>
+          </a:effectRef>
+          <a:fontRef idx="minor">
+            <a:schemeClr val="tx1"/>
+          </a:fontRef>
+        </p:style>
+      </p:cxnSp>
+      <p:cxnSp>
+        <p:nvCxnSpPr>
+          <p:cNvPr id="6" name="直接箭头连接符 5">
+            <a:extLst>
+              <a:ext uri="{FF2B5EF4-FFF2-40B4-BE49-F238E27FC236}">
+                <a16:creationId xmlns:a16="http://schemas.microsoft.com/office/drawing/2014/main" id="{0BD9972C-D8C7-43C5-B1B3-D0A6B879EB0B}"/>
+              </a:ext>
+            </a:extLst>
+          </p:cNvPr>
+          <p:cNvCxnSpPr/>
+          <p:nvPr/>
+        </p:nvCxnSpPr>
+        <p:spPr>
+          <a:xfrm>
+            <a:off x="152399" y="2166257"/>
+            <a:ext cx="1883229" cy="0"/>
+          </a:xfrm>
+          <a:prstGeom prst="straightConnector1">
+            <a:avLst/>
+          </a:prstGeom>
+          <a:ln>
+            <a:solidFill>
+              <a:schemeClr val="tx1"/>
+            </a:solidFill>
+            <a:tailEnd type="triangle"/>
+          </a:ln>
+        </p:spPr>
+        <p:style>
+          <a:lnRef idx="1">
+            <a:schemeClr val="accent1"/>
+          </a:lnRef>
+          <a:fillRef idx="0">
+            <a:schemeClr val="accent1"/>
+          </a:fillRef>
+          <a:effectRef idx="0">
+            <a:schemeClr val="accent1"/>
+          </a:effectRef>
+          <a:fontRef idx="minor">
+            <a:schemeClr val="tx1"/>
+          </a:fontRef>
+        </p:style>
+      </p:cxnSp>
+      <p:sp>
+        <p:nvSpPr>
+          <p:cNvPr id="31" name="文本框 30">
+            <a:extLst>
+              <a:ext uri="{FF2B5EF4-FFF2-40B4-BE49-F238E27FC236}">
+                <a16:creationId xmlns:a16="http://schemas.microsoft.com/office/drawing/2014/main" id="{9F335C45-A8BC-470B-B56E-CEDED7DDB3F6}"/>
+              </a:ext>
+            </a:extLst>
+          </p:cNvPr>
+          <p:cNvSpPr txBox="1"/>
+          <p:nvPr/>
+        </p:nvSpPr>
+        <p:spPr>
+          <a:xfrm>
+            <a:off x="2545365" y="5020404"/>
+            <a:ext cx="1851789" cy="369332"/>
+          </a:xfrm>
+          <a:prstGeom prst="rect">
+            <a:avLst/>
+          </a:prstGeom>
+          <a:noFill/>
+        </p:spPr>
+        <p:txBody>
+          <a:bodyPr wrap="none" rtlCol="0">
+            <a:spAutoFit/>
+          </a:bodyPr>
+          <a:lstStyle/>
+          <a:p>
+            <a:r>
+              <a:rPr lang="en-US" altLang="zh-CN" dirty="0">
+                <a:latin typeface="Arial Unicode MS" panose="020B0604020202020204" pitchFamily="34" charset="-122"/>
+                <a:ea typeface="JetBrains Mono"/>
               </a:rPr>
-              <a:t>LoadBalancerClientConfiguration</a:t>
-            </a:r>
-            <a:endParaRPr lang="zh-CN" altLang="en-US" dirty="0">
-              <a:highlight>
-                <a:srgbClr val="FFFF00"/>
-              </a:highlight>
+              <a:t>c</a:t>
+            </a:r>
+            <a:r>
+              <a:rPr kumimoji="0" lang="en-US" altLang="zh-CN" sz="1800" b="0" i="0" u="none" strike="noStrike" cap="none" normalizeH="0" baseline="0" dirty="0">
+                <a:ln>
+                  <a:noFill/>
+                </a:ln>
+                <a:effectLst/>
+                <a:latin typeface="Arial Unicode MS" panose="020B0604020202020204" pitchFamily="34" charset="-122"/>
+                <a:ea typeface="JetBrains Mono"/>
+              </a:rPr>
+              <a:t>hoose(</a:t>
+            </a:r>
+            <a:r>
+              <a:rPr lang="en-US" altLang="zh-CN" dirty="0">
+                <a:solidFill>
+                  <a:schemeClr val="accent2"/>
+                </a:solidFill>
+                <a:latin typeface="Arial Unicode MS" panose="020B0604020202020204" pitchFamily="34" charset="-122"/>
+                <a:ea typeface="JetBrains Mono"/>
+              </a:rPr>
+              <a:t>request</a:t>
+            </a:r>
+            <a:r>
+              <a:rPr kumimoji="0" lang="en-US" altLang="zh-CN" sz="1800" b="0" i="0" u="none" strike="noStrike" cap="none" normalizeH="0" baseline="0" dirty="0">
+                <a:ln>
+                  <a:noFill/>
+                </a:ln>
+                <a:effectLst/>
+                <a:latin typeface="Arial Unicode MS" panose="020B0604020202020204" pitchFamily="34" charset="-122"/>
+                <a:ea typeface="JetBrains Mono"/>
+              </a:rPr>
+              <a:t>)</a:t>
+            </a:r>
+            <a:endParaRPr kumimoji="0" lang="zh-CN" altLang="zh-CN" sz="2400" b="0" i="0" u="none" strike="noStrike" cap="none" normalizeH="0" baseline="0" dirty="0">
+              <a:ln>
+                <a:noFill/>
+              </a:ln>
+              <a:effectLst/>
+              <a:latin typeface="Arial" panose="020B0604020202020204" pitchFamily="34" charset="0"/>
             </a:endParaRPr>
           </a:p>
         </p:txBody>
       </p:sp>
       <p:sp>
         <p:nvSpPr>
-          <p:cNvPr id="5" name="文本框 4">
-            <a:extLst>
-              <a:ext uri="{FF2B5EF4-FFF2-40B4-BE49-F238E27FC236}">
-                <a16:creationId xmlns:a16="http://schemas.microsoft.com/office/drawing/2014/main" id="{DE7A7D89-F2CC-4748-99CB-90A840A46402}"/>
+          <p:cNvPr id="36" name="文本框 35">
+            <a:extLst>
+              <a:ext uri="{FF2B5EF4-FFF2-40B4-BE49-F238E27FC236}">
+                <a16:creationId xmlns:a16="http://schemas.microsoft.com/office/drawing/2014/main" id="{A76FE971-F2B4-459E-89E3-B38DAC5DF9B9}"/>
               </a:ext>
             </a:extLst>
           </p:cNvPr>
@@ -6327,13 +7083,18 @@
         </p:nvSpPr>
         <p:spPr>
           <a:xfrm>
-            <a:off x="4951709" y="2455284"/>
-            <a:ext cx="6160770" cy="646331"/>
+            <a:off x="2522704" y="1466106"/>
+            <a:ext cx="2943197" cy="369332"/>
           </a:xfrm>
           <a:prstGeom prst="rect">
             <a:avLst/>
           </a:prstGeom>
           <a:noFill/>
+          <a:ln>
+            <a:solidFill>
+              <a:schemeClr val="tx1"/>
+            </a:solidFill>
+          </a:ln>
         </p:spPr>
         <p:txBody>
           <a:bodyPr wrap="square">
@@ -6364,13 +7125,338 @@
                   <a:noFill/>
                 </a:ln>
                 <a:solidFill>
+                  <a:schemeClr val="tx1"/>
+                </a:solidFill>
+                <a:effectLst/>
+                <a:latin typeface="Arial Unicode MS" panose="020B0604020202020204" pitchFamily="34" charset="-122"/>
+                <a:ea typeface="JetBrains Mono"/>
+              </a:rPr>
+              <a:t>LoadBalancerClientFactory</a:t>
+            </a:r>
+            <a:endParaRPr lang="en-US" altLang="zh-CN" dirty="0">
+              <a:solidFill>
+                <a:schemeClr val="tx1"/>
+              </a:solidFill>
+            </a:endParaRPr>
+          </a:p>
+        </p:txBody>
+      </p:sp>
+      <p:cxnSp>
+        <p:nvCxnSpPr>
+          <p:cNvPr id="37" name="直接连接符 36">
+            <a:extLst>
+              <a:ext uri="{FF2B5EF4-FFF2-40B4-BE49-F238E27FC236}">
+                <a16:creationId xmlns:a16="http://schemas.microsoft.com/office/drawing/2014/main" id="{A02D325F-5F92-4963-8092-42A58287C0CE}"/>
+              </a:ext>
+            </a:extLst>
+          </p:cNvPr>
+          <p:cNvCxnSpPr>
+            <a:cxnSpLocks/>
+          </p:cNvCxnSpPr>
+          <p:nvPr/>
+        </p:nvCxnSpPr>
+        <p:spPr>
+          <a:xfrm>
+            <a:off x="3994302" y="1844630"/>
+            <a:ext cx="0" cy="2769440"/>
+          </a:xfrm>
+          <a:prstGeom prst="line">
+            <a:avLst/>
+          </a:prstGeom>
+          <a:ln>
+            <a:solidFill>
+              <a:schemeClr val="tx1"/>
+            </a:solidFill>
+          </a:ln>
+        </p:spPr>
+        <p:style>
+          <a:lnRef idx="1">
+            <a:schemeClr val="accent1"/>
+          </a:lnRef>
+          <a:fillRef idx="0">
+            <a:schemeClr val="accent1"/>
+          </a:fillRef>
+          <a:effectRef idx="0">
+            <a:schemeClr val="accent1"/>
+          </a:effectRef>
+          <a:fontRef idx="minor">
+            <a:schemeClr val="tx1"/>
+          </a:fontRef>
+        </p:style>
+      </p:cxnSp>
+      <p:cxnSp>
+        <p:nvCxnSpPr>
+          <p:cNvPr id="38" name="直接箭头连接符 37">
+            <a:extLst>
+              <a:ext uri="{FF2B5EF4-FFF2-40B4-BE49-F238E27FC236}">
+                <a16:creationId xmlns:a16="http://schemas.microsoft.com/office/drawing/2014/main" id="{E9E2D3AF-2474-4E65-938E-A7CC8C26FBA7}"/>
+              </a:ext>
+            </a:extLst>
+          </p:cNvPr>
+          <p:cNvCxnSpPr>
+            <a:cxnSpLocks/>
+          </p:cNvCxnSpPr>
+          <p:nvPr/>
+        </p:nvCxnSpPr>
+        <p:spPr>
+          <a:xfrm>
+            <a:off x="2244193" y="2928258"/>
+            <a:ext cx="1800593" cy="0"/>
+          </a:xfrm>
+          <a:prstGeom prst="straightConnector1">
+            <a:avLst/>
+          </a:prstGeom>
+          <a:ln>
+            <a:solidFill>
+              <a:schemeClr val="tx1"/>
+            </a:solidFill>
+            <a:tailEnd type="triangle"/>
+          </a:ln>
+        </p:spPr>
+        <p:style>
+          <a:lnRef idx="1">
+            <a:schemeClr val="accent1"/>
+          </a:lnRef>
+          <a:fillRef idx="0">
+            <a:schemeClr val="accent1"/>
+          </a:fillRef>
+          <a:effectRef idx="0">
+            <a:schemeClr val="accent1"/>
+          </a:effectRef>
+          <a:fontRef idx="minor">
+            <a:schemeClr val="tx1"/>
+          </a:fontRef>
+        </p:style>
+      </p:cxnSp>
+      <p:sp>
+        <p:nvSpPr>
+          <p:cNvPr id="39" name="文本框 38">
+            <a:extLst>
+              <a:ext uri="{FF2B5EF4-FFF2-40B4-BE49-F238E27FC236}">
+                <a16:creationId xmlns:a16="http://schemas.microsoft.com/office/drawing/2014/main" id="{7F64DDA5-0D8B-46D4-9CFB-EBCD77228ED7}"/>
+              </a:ext>
+            </a:extLst>
+          </p:cNvPr>
+          <p:cNvSpPr txBox="1"/>
+          <p:nvPr/>
+        </p:nvSpPr>
+        <p:spPr>
+          <a:xfrm>
+            <a:off x="2155529" y="2522451"/>
+            <a:ext cx="2518638" cy="369332"/>
+          </a:xfrm>
+          <a:prstGeom prst="rect">
+            <a:avLst/>
+          </a:prstGeom>
+          <a:noFill/>
+        </p:spPr>
+        <p:txBody>
+          <a:bodyPr wrap="none" rtlCol="0">
+            <a:spAutoFit/>
+          </a:bodyPr>
+          <a:lstStyle/>
+          <a:p>
+            <a:r>
+              <a:rPr lang="en-US" altLang="zh-CN" dirty="0" err="1">
+                <a:latin typeface="Arial Unicode MS" panose="020B0604020202020204" pitchFamily="34" charset="-122"/>
+              </a:rPr>
+              <a:t>getInstance</a:t>
+            </a:r>
+            <a:r>
+              <a:rPr lang="en-US" altLang="zh-CN" dirty="0">
+                <a:latin typeface="Arial Unicode MS" panose="020B0604020202020204" pitchFamily="34" charset="-122"/>
+              </a:rPr>
+              <a:t> </a:t>
+            </a:r>
+            <a:r>
+              <a:rPr kumimoji="0" lang="en-US" altLang="zh-CN" sz="1800" b="0" i="0" u="none" strike="noStrike" cap="none" normalizeH="0" baseline="0" dirty="0">
+                <a:ln>
+                  <a:noFill/>
+                </a:ln>
+                <a:effectLst/>
+                <a:latin typeface="Arial Unicode MS" panose="020B0604020202020204" pitchFamily="34" charset="-122"/>
+                <a:ea typeface="JetBrains Mono"/>
+              </a:rPr>
+              <a:t>(</a:t>
+            </a:r>
+            <a:r>
+              <a:rPr kumimoji="0" lang="en-US" altLang="zh-CN" sz="1800" b="0" i="0" u="none" strike="noStrike" cap="none" normalizeH="0" baseline="0" dirty="0" err="1">
+                <a:ln>
+                  <a:noFill/>
+                </a:ln>
+                <a:solidFill>
+                  <a:schemeClr val="accent2"/>
+                </a:solidFill>
+                <a:effectLst/>
+                <a:latin typeface="Arial Unicode MS" panose="020B0604020202020204" pitchFamily="34" charset="-122"/>
+                <a:ea typeface="JetBrains Mono"/>
+              </a:rPr>
+              <a:t>serviceId</a:t>
+            </a:r>
+            <a:r>
+              <a:rPr kumimoji="0" lang="en-US" altLang="zh-CN" sz="1800" b="0" i="0" u="none" strike="noStrike" cap="none" normalizeH="0" baseline="0" dirty="0">
+                <a:ln>
+                  <a:noFill/>
+                </a:ln>
+                <a:effectLst/>
+                <a:latin typeface="Arial Unicode MS" panose="020B0604020202020204" pitchFamily="34" charset="-122"/>
+                <a:ea typeface="JetBrains Mono"/>
+              </a:rPr>
+              <a:t>)</a:t>
+            </a:r>
+            <a:endParaRPr kumimoji="0" lang="zh-CN" altLang="zh-CN" sz="2400" b="0" i="0" u="none" strike="noStrike" cap="none" normalizeH="0" baseline="0" dirty="0">
+              <a:ln>
+                <a:noFill/>
+              </a:ln>
+              <a:effectLst/>
+              <a:latin typeface="Arial" panose="020B0604020202020204" pitchFamily="34" charset="0"/>
+            </a:endParaRPr>
+          </a:p>
+        </p:txBody>
+      </p:sp>
+      <p:sp>
+        <p:nvSpPr>
+          <p:cNvPr id="40" name="文本框 39">
+            <a:extLst>
+              <a:ext uri="{FF2B5EF4-FFF2-40B4-BE49-F238E27FC236}">
+                <a16:creationId xmlns:a16="http://schemas.microsoft.com/office/drawing/2014/main" id="{8EDFF56F-CDAE-4C30-A3EA-22EC7DD2E9E6}"/>
+              </a:ext>
+            </a:extLst>
+          </p:cNvPr>
+          <p:cNvSpPr txBox="1"/>
+          <p:nvPr/>
+        </p:nvSpPr>
+        <p:spPr>
+          <a:xfrm>
+            <a:off x="4027713" y="3006908"/>
+            <a:ext cx="4724370" cy="923330"/>
+          </a:xfrm>
+          <a:prstGeom prst="rect">
+            <a:avLst/>
+          </a:prstGeom>
+          <a:noFill/>
+        </p:spPr>
+        <p:txBody>
+          <a:bodyPr wrap="none" rtlCol="0">
+            <a:spAutoFit/>
+          </a:bodyPr>
+          <a:lstStyle/>
+          <a:p>
+            <a:pPr marL="0" marR="0" lvl="0" indent="0" algn="l" defTabSz="914400" rtl="0" eaLnBrk="1" fontAlgn="auto" latinLnBrk="0" hangingPunct="1">
+              <a:lnSpc>
+                <a:spcPct val="100000"/>
+              </a:lnSpc>
+              <a:spcBef>
+                <a:spcPts val="0"/>
+              </a:spcBef>
+              <a:spcAft>
+                <a:spcPts val="0"/>
+              </a:spcAft>
+              <a:buClrTx/>
+              <a:buSzTx/>
+              <a:buFontTx/>
+              <a:buNone/>
+              <a:tabLst/>
+              <a:defRPr/>
+            </a:pPr>
+            <a:r>
+              <a:rPr lang="zh-CN" altLang="zh-CN" dirty="0">
+                <a:latin typeface="Arial Unicode MS" panose="020B0604020202020204" pitchFamily="34" charset="-122"/>
+              </a:rPr>
+              <a:t>getInstance</a:t>
+            </a:r>
+            <a:endParaRPr lang="en-US" altLang="zh-CN" dirty="0">
+              <a:latin typeface="Arial Unicode MS" panose="020B0604020202020204" pitchFamily="34" charset="-122"/>
+            </a:endParaRPr>
+          </a:p>
+          <a:p>
+            <a:pPr marL="0" marR="0" lvl="0" indent="0" algn="l" defTabSz="914400" rtl="0" eaLnBrk="1" fontAlgn="auto" latinLnBrk="0" hangingPunct="1">
+              <a:lnSpc>
+                <a:spcPct val="100000"/>
+              </a:lnSpc>
+              <a:spcBef>
+                <a:spcPts val="0"/>
+              </a:spcBef>
+              <a:spcAft>
+                <a:spcPts val="0"/>
+              </a:spcAft>
+              <a:buClrTx/>
+              <a:buSzTx/>
+              <a:buFontTx/>
+              <a:buNone/>
+              <a:tabLst/>
+              <a:defRPr/>
+            </a:pPr>
+            <a:r>
+              <a:rPr kumimoji="0" lang="zh-CN" altLang="zh-CN" sz="1800" b="0" i="0" u="none" strike="noStrike" cap="none" normalizeH="0" baseline="0" dirty="0">
+                <a:ln>
+                  <a:noFill/>
+                </a:ln>
+                <a:solidFill>
                   <a:srgbClr val="A9B7C6"/>
                 </a:solidFill>
                 <a:effectLst/>
                 <a:latin typeface="Arial Unicode MS" panose="020B0604020202020204" pitchFamily="34" charset="-122"/>
                 <a:ea typeface="JetBrains Mono"/>
               </a:rPr>
-              <a:t>ServiceInstanceListSupplier</a:t>
+              <a:t>(</a:t>
+            </a:r>
+            <a:r>
+              <a:rPr lang="zh-CN" altLang="zh-CN" dirty="0">
+                <a:solidFill>
+                  <a:schemeClr val="accent2"/>
+                </a:solidFill>
+                <a:latin typeface="Arial Unicode MS" panose="020B0604020202020204" pitchFamily="34" charset="-122"/>
+              </a:rPr>
+              <a:t>serviceId, </a:t>
+            </a:r>
+            <a:endParaRPr lang="en-US" altLang="zh-CN" dirty="0">
+              <a:solidFill>
+                <a:schemeClr val="accent2"/>
+              </a:solidFill>
+              <a:latin typeface="Arial Unicode MS" panose="020B0604020202020204" pitchFamily="34" charset="-122"/>
+            </a:endParaRPr>
+          </a:p>
+          <a:p>
+            <a:pPr marL="0" marR="0" lvl="0" indent="0" algn="l" defTabSz="914400" rtl="0" eaLnBrk="1" fontAlgn="auto" latinLnBrk="0" hangingPunct="1">
+              <a:lnSpc>
+                <a:spcPct val="100000"/>
+              </a:lnSpc>
+              <a:spcBef>
+                <a:spcPts val="0"/>
+              </a:spcBef>
+              <a:spcAft>
+                <a:spcPts val="0"/>
+              </a:spcAft>
+              <a:buClrTx/>
+              <a:buSzTx/>
+              <a:buFontTx/>
+              <a:buNone/>
+              <a:tabLst/>
+              <a:defRPr/>
+            </a:pPr>
+            <a:r>
+              <a:rPr lang="zh-CN" altLang="zh-CN" dirty="0">
+                <a:solidFill>
+                  <a:schemeClr val="accent2"/>
+                </a:solidFill>
+                <a:latin typeface="Arial Unicode MS" panose="020B0604020202020204" pitchFamily="34" charset="-122"/>
+              </a:rPr>
+              <a:t>ReactorServiceInstanceLoadBalancer.class</a:t>
+            </a:r>
+            <a:r>
+              <a:rPr kumimoji="0" lang="zh-CN" altLang="zh-CN" sz="1800" b="0" i="0" u="none" strike="noStrike" cap="none" normalizeH="0" baseline="0" dirty="0">
+                <a:ln>
+                  <a:noFill/>
+                </a:ln>
+                <a:solidFill>
+                  <a:srgbClr val="A9B7C6"/>
+                </a:solidFill>
+                <a:effectLst/>
+                <a:latin typeface="Arial Unicode MS" panose="020B0604020202020204" pitchFamily="34" charset="-122"/>
+                <a:ea typeface="JetBrains Mono"/>
+              </a:rPr>
+              <a:t>)</a:t>
             </a:r>
             <a:endParaRPr kumimoji="0" lang="zh-CN" altLang="zh-CN" sz="2400" b="0" i="0" u="none" strike="noStrike" cap="none" normalizeH="0" baseline="0" dirty="0">
               <a:ln>
@@ -6383,17 +7469,14 @@
               <a:latin typeface="Arial" panose="020B0604020202020204" pitchFamily="34" charset="0"/>
             </a:endParaRPr>
           </a:p>
-          <a:p>
-            <a:endParaRPr lang="zh-CN" altLang="en-US" dirty="0"/>
-          </a:p>
-        </p:txBody>
-      </p:sp>
-      <p:sp>
-        <p:nvSpPr>
-          <p:cNvPr id="2" name="文本框 1">
-            <a:extLst>
-              <a:ext uri="{FF2B5EF4-FFF2-40B4-BE49-F238E27FC236}">
-                <a16:creationId xmlns:a16="http://schemas.microsoft.com/office/drawing/2014/main" id="{BE2016A4-2DA7-4DDB-B1E8-011CC62814B1}"/>
+        </p:txBody>
+      </p:sp>
+      <p:sp>
+        <p:nvSpPr>
+          <p:cNvPr id="41" name="文本框 40">
+            <a:extLst>
+              <a:ext uri="{FF2B5EF4-FFF2-40B4-BE49-F238E27FC236}">
+                <a16:creationId xmlns:a16="http://schemas.microsoft.com/office/drawing/2014/main" id="{9F93FD10-133A-4433-9F7D-4460BE1DDD94}"/>
               </a:ext>
             </a:extLst>
           </p:cNvPr>
@@ -6402,8 +7485,291 @@
         </p:nvSpPr>
         <p:spPr>
           <a:xfrm>
-            <a:off x="1371600" y="598714"/>
-            <a:ext cx="1338828" cy="369332"/>
+            <a:off x="4592249" y="1927671"/>
+            <a:ext cx="2614092" cy="369332"/>
+          </a:xfrm>
+          <a:prstGeom prst="rect">
+            <a:avLst/>
+          </a:prstGeom>
+          <a:noFill/>
+          <a:ln>
+            <a:solidFill>
+              <a:schemeClr val="tx1"/>
+            </a:solidFill>
+          </a:ln>
+        </p:spPr>
+        <p:txBody>
+          <a:bodyPr wrap="square">
+            <a:spAutoFit/>
+          </a:bodyPr>
+          <a:lstStyle>
+            <a:defPPr>
+              <a:defRPr lang="zh-CN"/>
+            </a:defPPr>
+            <a:lvl1pPr>
+              <a:defRPr kumimoji="0" b="0" i="0" u="none" strike="noStrike" cap="none" normalizeH="0" baseline="0">
+                <a:ln>
+                  <a:noFill/>
+                </a:ln>
+                <a:effectLst/>
+                <a:latin typeface="Arial Unicode MS" panose="020B0604020202020204" pitchFamily="34" charset="-122"/>
+                <a:ea typeface="JetBrains Mono"/>
+              </a:defRPr>
+            </a:lvl1pPr>
+          </a:lstStyle>
+          <a:p>
+            <a:r>
+              <a:rPr lang="zh-CN" altLang="zh-CN" dirty="0"/>
+              <a:t>NamedContextFactory</a:t>
+            </a:r>
+          </a:p>
+        </p:txBody>
+      </p:sp>
+      <p:cxnSp>
+        <p:nvCxnSpPr>
+          <p:cNvPr id="42" name="直接连接符 41">
+            <a:extLst>
+              <a:ext uri="{FF2B5EF4-FFF2-40B4-BE49-F238E27FC236}">
+                <a16:creationId xmlns:a16="http://schemas.microsoft.com/office/drawing/2014/main" id="{04AECACF-1F2B-4A17-91CF-7E172AAE05B7}"/>
+              </a:ext>
+            </a:extLst>
+          </p:cNvPr>
+          <p:cNvCxnSpPr>
+            <a:cxnSpLocks/>
+          </p:cNvCxnSpPr>
+          <p:nvPr/>
+        </p:nvCxnSpPr>
+        <p:spPr>
+          <a:xfrm flipH="1">
+            <a:off x="5887230" y="2296494"/>
+            <a:ext cx="12065" cy="2317576"/>
+          </a:xfrm>
+          <a:prstGeom prst="line">
+            <a:avLst/>
+          </a:prstGeom>
+          <a:ln>
+            <a:solidFill>
+              <a:schemeClr val="tx1"/>
+            </a:solidFill>
+          </a:ln>
+        </p:spPr>
+        <p:style>
+          <a:lnRef idx="1">
+            <a:schemeClr val="accent1"/>
+          </a:lnRef>
+          <a:fillRef idx="0">
+            <a:schemeClr val="accent1"/>
+          </a:fillRef>
+          <a:effectRef idx="0">
+            <a:schemeClr val="accent1"/>
+          </a:effectRef>
+          <a:fontRef idx="minor">
+            <a:schemeClr val="tx1"/>
+          </a:fontRef>
+        </p:style>
+      </p:cxnSp>
+      <p:cxnSp>
+        <p:nvCxnSpPr>
+          <p:cNvPr id="44" name="直接箭头连接符 43">
+            <a:extLst>
+              <a:ext uri="{FF2B5EF4-FFF2-40B4-BE49-F238E27FC236}">
+                <a16:creationId xmlns:a16="http://schemas.microsoft.com/office/drawing/2014/main" id="{44DC5DA0-7859-42EC-AF21-497256EF2E56}"/>
+              </a:ext>
+            </a:extLst>
+          </p:cNvPr>
+          <p:cNvCxnSpPr>
+            <a:cxnSpLocks/>
+          </p:cNvCxnSpPr>
+          <p:nvPr/>
+        </p:nvCxnSpPr>
+        <p:spPr>
+          <a:xfrm>
+            <a:off x="4027714" y="3359612"/>
+            <a:ext cx="1871581" cy="0"/>
+          </a:xfrm>
+          <a:prstGeom prst="straightConnector1">
+            <a:avLst/>
+          </a:prstGeom>
+          <a:ln>
+            <a:solidFill>
+              <a:schemeClr val="tx1"/>
+            </a:solidFill>
+            <a:tailEnd type="triangle"/>
+          </a:ln>
+        </p:spPr>
+        <p:style>
+          <a:lnRef idx="1">
+            <a:schemeClr val="accent1"/>
+          </a:lnRef>
+          <a:fillRef idx="0">
+            <a:schemeClr val="accent1"/>
+          </a:fillRef>
+          <a:effectRef idx="0">
+            <a:schemeClr val="accent1"/>
+          </a:effectRef>
+          <a:fontRef idx="minor">
+            <a:schemeClr val="tx1"/>
+          </a:fontRef>
+        </p:style>
+      </p:cxnSp>
+      <p:sp>
+        <p:nvSpPr>
+          <p:cNvPr id="46" name="文本框 45">
+            <a:extLst>
+              <a:ext uri="{FF2B5EF4-FFF2-40B4-BE49-F238E27FC236}">
+                <a16:creationId xmlns:a16="http://schemas.microsoft.com/office/drawing/2014/main" id="{4D2736B8-0918-4E69-9FD1-C4445B9F4742}"/>
+              </a:ext>
+            </a:extLst>
+          </p:cNvPr>
+          <p:cNvSpPr txBox="1"/>
+          <p:nvPr/>
+        </p:nvSpPr>
+        <p:spPr>
+          <a:xfrm>
+            <a:off x="6334108" y="2432910"/>
+            <a:ext cx="3909243" cy="369332"/>
+          </a:xfrm>
+          <a:prstGeom prst="rect">
+            <a:avLst/>
+          </a:prstGeom>
+          <a:noFill/>
+          <a:ln>
+            <a:solidFill>
+              <a:schemeClr val="tx1"/>
+            </a:solidFill>
+          </a:ln>
+        </p:spPr>
+        <p:txBody>
+          <a:bodyPr wrap="square">
+            <a:spAutoFit/>
+          </a:bodyPr>
+          <a:lstStyle>
+            <a:defPPr>
+              <a:defRPr lang="zh-CN"/>
+            </a:defPPr>
+            <a:lvl1pPr>
+              <a:defRPr kumimoji="0" b="0" i="0" u="none" strike="noStrike" cap="none" normalizeH="0" baseline="0">
+                <a:ln>
+                  <a:noFill/>
+                </a:ln>
+                <a:effectLst/>
+                <a:latin typeface="Arial Unicode MS" panose="020B0604020202020204" pitchFamily="34" charset="-122"/>
+                <a:ea typeface="JetBrains Mono"/>
+              </a:defRPr>
+            </a:lvl1pPr>
+          </a:lstStyle>
+          <a:p>
+            <a:r>
+              <a:rPr lang="en-US" altLang="zh-CN" dirty="0" err="1"/>
+              <a:t>AnnotationConfigApplicationContext</a:t>
+            </a:r>
+            <a:endParaRPr lang="en-US" altLang="zh-CN" dirty="0"/>
+          </a:p>
+        </p:txBody>
+      </p:sp>
+      <p:cxnSp>
+        <p:nvCxnSpPr>
+          <p:cNvPr id="47" name="直接连接符 46">
+            <a:extLst>
+              <a:ext uri="{FF2B5EF4-FFF2-40B4-BE49-F238E27FC236}">
+                <a16:creationId xmlns:a16="http://schemas.microsoft.com/office/drawing/2014/main" id="{B796D1F9-8893-40F8-84E6-3E15B3DBC20D}"/>
+              </a:ext>
+            </a:extLst>
+          </p:cNvPr>
+          <p:cNvCxnSpPr>
+            <a:cxnSpLocks/>
+          </p:cNvCxnSpPr>
+          <p:nvPr/>
+        </p:nvCxnSpPr>
+        <p:spPr>
+          <a:xfrm>
+            <a:off x="8277843" y="2802242"/>
+            <a:ext cx="0" cy="2587494"/>
+          </a:xfrm>
+          <a:prstGeom prst="line">
+            <a:avLst/>
+          </a:prstGeom>
+          <a:ln>
+            <a:solidFill>
+              <a:schemeClr val="tx1"/>
+            </a:solidFill>
+          </a:ln>
+        </p:spPr>
+        <p:style>
+          <a:lnRef idx="1">
+            <a:schemeClr val="accent1"/>
+          </a:lnRef>
+          <a:fillRef idx="0">
+            <a:schemeClr val="accent1"/>
+          </a:fillRef>
+          <a:effectRef idx="0">
+            <a:schemeClr val="accent1"/>
+          </a:effectRef>
+          <a:fontRef idx="minor">
+            <a:schemeClr val="tx1"/>
+          </a:fontRef>
+        </p:style>
+      </p:cxnSp>
+      <p:cxnSp>
+        <p:nvCxnSpPr>
+          <p:cNvPr id="48" name="直接箭头连接符 47">
+            <a:extLst>
+              <a:ext uri="{FF2B5EF4-FFF2-40B4-BE49-F238E27FC236}">
+                <a16:creationId xmlns:a16="http://schemas.microsoft.com/office/drawing/2014/main" id="{2C15C81B-55EC-4546-BB3A-760AAE7D2D7F}"/>
+              </a:ext>
+            </a:extLst>
+          </p:cNvPr>
+          <p:cNvCxnSpPr>
+            <a:cxnSpLocks/>
+          </p:cNvCxnSpPr>
+          <p:nvPr/>
+        </p:nvCxnSpPr>
+        <p:spPr>
+          <a:xfrm>
+            <a:off x="5899295" y="4313213"/>
+            <a:ext cx="2378548" cy="0"/>
+          </a:xfrm>
+          <a:prstGeom prst="straightConnector1">
+            <a:avLst/>
+          </a:prstGeom>
+          <a:ln>
+            <a:solidFill>
+              <a:schemeClr val="tx1"/>
+            </a:solidFill>
+            <a:tailEnd type="triangle"/>
+          </a:ln>
+        </p:spPr>
+        <p:style>
+          <a:lnRef idx="1">
+            <a:schemeClr val="accent1"/>
+          </a:lnRef>
+          <a:fillRef idx="0">
+            <a:schemeClr val="accent1"/>
+          </a:fillRef>
+          <a:effectRef idx="0">
+            <a:schemeClr val="accent1"/>
+          </a:effectRef>
+          <a:fontRef idx="minor">
+            <a:schemeClr val="tx1"/>
+          </a:fontRef>
+        </p:style>
+      </p:cxnSp>
+      <p:sp>
+        <p:nvSpPr>
+          <p:cNvPr id="49" name="文本框 48">
+            <a:extLst>
+              <a:ext uri="{FF2B5EF4-FFF2-40B4-BE49-F238E27FC236}">
+                <a16:creationId xmlns:a16="http://schemas.microsoft.com/office/drawing/2014/main" id="{DC274F74-1CC8-45C4-9050-0EEC9385309A}"/>
+              </a:ext>
+            </a:extLst>
+          </p:cNvPr>
+          <p:cNvSpPr txBox="1"/>
+          <p:nvPr/>
+        </p:nvSpPr>
+        <p:spPr>
+          <a:xfrm>
+            <a:off x="6007702" y="4492191"/>
+            <a:ext cx="4865434" cy="646331"/>
           </a:xfrm>
           <a:prstGeom prst="rect">
             <a:avLst/>
@@ -6416,69 +7782,608 @@
           </a:bodyPr>
           <a:lstStyle/>
           <a:p>
-            <a:r>
-              <a:rPr lang="zh-CN" altLang="en-US"/>
-              <a:t>重点分析啊</a:t>
-            </a:r>
-          </a:p>
-        </p:txBody>
-      </p:sp>
-      <p:sp>
-        <p:nvSpPr>
-          <p:cNvPr id="6" name="Rectangle 1">
-            <a:extLst>
-              <a:ext uri="{FF2B5EF4-FFF2-40B4-BE49-F238E27FC236}">
-                <a16:creationId xmlns:a16="http://schemas.microsoft.com/office/drawing/2014/main" id="{DE44E1ED-0175-4F82-B729-FCA206084A31}"/>
-              </a:ext>
-            </a:extLst>
-          </p:cNvPr>
-          <p:cNvSpPr>
-            <a:spLocks noChangeArrowheads="1"/>
-          </p:cNvSpPr>
-          <p:nvPr/>
-        </p:nvSpPr>
-        <p:spPr bwMode="auto">
-          <a:xfrm>
-            <a:off x="0" y="43934"/>
-            <a:ext cx="184731" cy="369332"/>
+            <a:pPr marL="0" marR="0" lvl="0" indent="0" algn="l" defTabSz="914400" rtl="0" eaLnBrk="1" fontAlgn="auto" latinLnBrk="0" hangingPunct="1">
+              <a:lnSpc>
+                <a:spcPct val="100000"/>
+              </a:lnSpc>
+              <a:spcBef>
+                <a:spcPts val="0"/>
+              </a:spcBef>
+              <a:spcAft>
+                <a:spcPts val="0"/>
+              </a:spcAft>
+              <a:buClrTx/>
+              <a:buSzTx/>
+              <a:buFontTx/>
+              <a:buNone/>
+              <a:tabLst/>
+              <a:defRPr/>
+            </a:pPr>
+            <a:r>
+              <a:rPr lang="zh-CN" altLang="zh-CN" dirty="0">
+                <a:latin typeface="Arial Unicode MS" panose="020B0604020202020204" pitchFamily="34" charset="-122"/>
+              </a:rPr>
+              <a:t>get</a:t>
+            </a:r>
+            <a:r>
+              <a:rPr lang="en-US" altLang="zh-CN" dirty="0">
+                <a:latin typeface="Arial Unicode MS" panose="020B0604020202020204" pitchFamily="34" charset="-122"/>
+              </a:rPr>
+              <a:t>Bean</a:t>
+            </a:r>
+          </a:p>
+          <a:p>
+            <a:pPr marL="0" marR="0" lvl="0" indent="0" algn="l" defTabSz="914400" rtl="0" eaLnBrk="1" fontAlgn="auto" latinLnBrk="0" hangingPunct="1">
+              <a:lnSpc>
+                <a:spcPct val="100000"/>
+              </a:lnSpc>
+              <a:spcBef>
+                <a:spcPts val="0"/>
+              </a:spcBef>
+              <a:spcAft>
+                <a:spcPts val="0"/>
+              </a:spcAft>
+              <a:buClrTx/>
+              <a:buSzTx/>
+              <a:buFontTx/>
+              <a:buNone/>
+              <a:tabLst/>
+              <a:defRPr/>
+            </a:pPr>
+            <a:r>
+              <a:rPr kumimoji="0" lang="zh-CN" altLang="zh-CN" sz="1800" b="0" i="0" u="none" strike="noStrike" cap="none" normalizeH="0" baseline="0" dirty="0">
+                <a:ln>
+                  <a:noFill/>
+                </a:ln>
+                <a:solidFill>
+                  <a:srgbClr val="A9B7C6"/>
+                </a:solidFill>
+                <a:effectLst/>
+                <a:latin typeface="Arial Unicode MS" panose="020B0604020202020204" pitchFamily="34" charset="-122"/>
+                <a:ea typeface="JetBrains Mono"/>
+              </a:rPr>
+              <a:t>(</a:t>
+            </a:r>
+            <a:r>
+              <a:rPr lang="zh-CN" altLang="zh-CN" dirty="0">
+                <a:solidFill>
+                  <a:schemeClr val="accent2"/>
+                </a:solidFill>
+                <a:latin typeface="Arial Unicode MS" panose="020B0604020202020204" pitchFamily="34" charset="-122"/>
+              </a:rPr>
+              <a:t> ReactorServiceInstanceLoadBalancer.class</a:t>
+            </a:r>
+            <a:r>
+              <a:rPr kumimoji="0" lang="zh-CN" altLang="zh-CN" sz="1800" b="0" i="0" u="none" strike="noStrike" cap="none" normalizeH="0" baseline="0" dirty="0">
+                <a:ln>
+                  <a:noFill/>
+                </a:ln>
+                <a:solidFill>
+                  <a:srgbClr val="A9B7C6"/>
+                </a:solidFill>
+                <a:effectLst/>
+                <a:latin typeface="Arial Unicode MS" panose="020B0604020202020204" pitchFamily="34" charset="-122"/>
+                <a:ea typeface="JetBrains Mono"/>
+              </a:rPr>
+              <a:t>)</a:t>
+            </a:r>
+            <a:endParaRPr kumimoji="0" lang="zh-CN" altLang="zh-CN" sz="2400" b="0" i="0" u="none" strike="noStrike" cap="none" normalizeH="0" baseline="0" dirty="0">
+              <a:ln>
+                <a:noFill/>
+              </a:ln>
+              <a:solidFill>
+                <a:schemeClr val="tx1"/>
+              </a:solidFill>
+              <a:effectLst/>
+              <a:latin typeface="Arial" panose="020B0604020202020204" pitchFamily="34" charset="0"/>
+            </a:endParaRPr>
+          </a:p>
+        </p:txBody>
+      </p:sp>
+      <p:sp>
+        <p:nvSpPr>
+          <p:cNvPr id="50" name="文本框 49">
+            <a:extLst>
+              <a:ext uri="{FF2B5EF4-FFF2-40B4-BE49-F238E27FC236}">
+                <a16:creationId xmlns:a16="http://schemas.microsoft.com/office/drawing/2014/main" id="{3DD4A24B-B6C9-4584-9D42-2512EB484F3D}"/>
+              </a:ext>
+            </a:extLst>
+          </p:cNvPr>
+          <p:cNvSpPr txBox="1"/>
+          <p:nvPr/>
+        </p:nvSpPr>
+        <p:spPr>
+          <a:xfrm>
+            <a:off x="8719457" y="3967739"/>
+            <a:ext cx="3363681" cy="646331"/>
           </a:xfrm>
           <a:prstGeom prst="rect">
             <a:avLst/>
           </a:prstGeom>
-          <a:solidFill>
-            <a:srgbClr val="2B2B2B"/>
-          </a:solidFill>
+          <a:noFill/>
           <a:ln>
-            <a:noFill/>
+            <a:solidFill>
+              <a:schemeClr val="tx1"/>
+            </a:solidFill>
           </a:ln>
-          <a:effectLst/>
-          <a:extLst>
-            <a:ext uri="{91240B29-F687-4F45-9708-019B960494DF}">
-              <a14:hiddenLine xmlns:a14="http://schemas.microsoft.com/office/drawing/2010/main" w="9525">
+        </p:spPr>
+        <p:txBody>
+          <a:bodyPr wrap="square">
+            <a:spAutoFit/>
+          </a:bodyPr>
+          <a:lstStyle>
+            <a:defPPr>
+              <a:defRPr lang="zh-CN"/>
+            </a:defPPr>
+            <a:lvl1pPr>
+              <a:defRPr kumimoji="0" b="0" i="0" u="none" strike="noStrike" cap="none" normalizeH="0" baseline="0">
+                <a:ln>
+                  <a:noFill/>
+                </a:ln>
+                <a:effectLst/>
+                <a:latin typeface="Arial Unicode MS" panose="020B0604020202020204" pitchFamily="34" charset="-122"/>
+                <a:ea typeface="JetBrains Mono"/>
+              </a:defRPr>
+            </a:lvl1pPr>
+          </a:lstStyle>
+          <a:p>
+            <a:r>
+              <a:rPr lang="zh-CN" altLang="zh-CN" dirty="0"/>
+              <a:t>ReactorServiceInstanceLoadBalancer</a:t>
+            </a:r>
+            <a:endParaRPr lang="zh-CN" altLang="en-US" dirty="0"/>
+          </a:p>
+        </p:txBody>
+      </p:sp>
+      <p:cxnSp>
+        <p:nvCxnSpPr>
+          <p:cNvPr id="60" name="直接连接符 59">
+            <a:extLst>
+              <a:ext uri="{FF2B5EF4-FFF2-40B4-BE49-F238E27FC236}">
+                <a16:creationId xmlns:a16="http://schemas.microsoft.com/office/drawing/2014/main" id="{456233AB-6D6B-4760-9D01-73DD96BD1014}"/>
+              </a:ext>
+            </a:extLst>
+          </p:cNvPr>
+          <p:cNvCxnSpPr>
+            <a:cxnSpLocks/>
+          </p:cNvCxnSpPr>
+          <p:nvPr/>
+        </p:nvCxnSpPr>
+        <p:spPr>
+          <a:xfrm>
+            <a:off x="10705357" y="4614070"/>
+            <a:ext cx="0" cy="1558131"/>
+          </a:xfrm>
+          <a:prstGeom prst="line">
+            <a:avLst/>
+          </a:prstGeom>
+          <a:ln>
+            <a:solidFill>
+              <a:schemeClr val="tx1"/>
+            </a:solidFill>
+          </a:ln>
+        </p:spPr>
+        <p:style>
+          <a:lnRef idx="1">
+            <a:schemeClr val="accent1"/>
+          </a:lnRef>
+          <a:fillRef idx="0">
+            <a:schemeClr val="accent1"/>
+          </a:fillRef>
+          <a:effectRef idx="0">
+            <a:schemeClr val="accent1"/>
+          </a:effectRef>
+          <a:fontRef idx="minor">
+            <a:schemeClr val="tx1"/>
+          </a:fontRef>
+        </p:style>
+      </p:cxnSp>
+      <p:cxnSp>
+        <p:nvCxnSpPr>
+          <p:cNvPr id="62" name="直接箭头连接符 61">
+            <a:extLst>
+              <a:ext uri="{FF2B5EF4-FFF2-40B4-BE49-F238E27FC236}">
+                <a16:creationId xmlns:a16="http://schemas.microsoft.com/office/drawing/2014/main" id="{1B501E16-0705-4D9E-A6C0-018DA6215794}"/>
+              </a:ext>
+            </a:extLst>
+          </p:cNvPr>
+          <p:cNvCxnSpPr>
+            <a:cxnSpLocks/>
+          </p:cNvCxnSpPr>
+          <p:nvPr/>
+        </p:nvCxnSpPr>
+        <p:spPr>
+          <a:xfrm>
+            <a:off x="8277843" y="5292927"/>
+            <a:ext cx="2378548" cy="0"/>
+          </a:xfrm>
+          <a:prstGeom prst="straightConnector1">
+            <a:avLst/>
+          </a:prstGeom>
+          <a:ln>
+            <a:solidFill>
+              <a:schemeClr val="tx1"/>
+            </a:solidFill>
+            <a:tailEnd type="triangle"/>
+          </a:ln>
+        </p:spPr>
+        <p:style>
+          <a:lnRef idx="1">
+            <a:schemeClr val="accent1"/>
+          </a:lnRef>
+          <a:fillRef idx="0">
+            <a:schemeClr val="accent1"/>
+          </a:fillRef>
+          <a:effectRef idx="0">
+            <a:schemeClr val="accent1"/>
+          </a:effectRef>
+          <a:fontRef idx="minor">
+            <a:schemeClr val="tx1"/>
+          </a:fontRef>
+        </p:style>
+      </p:cxnSp>
+      <p:sp>
+        <p:nvSpPr>
+          <p:cNvPr id="63" name="文本框 62">
+            <a:extLst>
+              <a:ext uri="{FF2B5EF4-FFF2-40B4-BE49-F238E27FC236}">
+                <a16:creationId xmlns:a16="http://schemas.microsoft.com/office/drawing/2014/main" id="{984D0EBF-77D8-4DDE-86D6-67897FC22487}"/>
+              </a:ext>
+            </a:extLst>
+          </p:cNvPr>
+          <p:cNvSpPr txBox="1"/>
+          <p:nvPr/>
+        </p:nvSpPr>
+        <p:spPr>
+          <a:xfrm>
+            <a:off x="8936184" y="5020404"/>
+            <a:ext cx="710451" cy="369332"/>
+          </a:xfrm>
+          <a:prstGeom prst="rect">
+            <a:avLst/>
+          </a:prstGeom>
+          <a:noFill/>
+        </p:spPr>
+        <p:txBody>
+          <a:bodyPr wrap="none" rtlCol="0">
+            <a:spAutoFit/>
+          </a:bodyPr>
+          <a:lstStyle/>
+          <a:p>
+            <a:pPr marL="0" marR="0" lvl="0" indent="0" algn="l" defTabSz="914400" rtl="0" eaLnBrk="1" fontAlgn="auto" latinLnBrk="0" hangingPunct="1">
+              <a:lnSpc>
+                <a:spcPct val="100000"/>
+              </a:lnSpc>
+              <a:spcBef>
+                <a:spcPts val="0"/>
+              </a:spcBef>
+              <a:spcAft>
+                <a:spcPts val="0"/>
+              </a:spcAft>
+              <a:buClrTx/>
+              <a:buSzTx/>
+              <a:buFontTx/>
+              <a:buNone/>
+              <a:tabLst/>
+              <a:defRPr/>
+            </a:pPr>
+            <a:r>
+              <a:rPr lang="en-US" altLang="zh-CN" dirty="0">
+                <a:latin typeface="Arial Unicode MS" panose="020B0604020202020204" pitchFamily="34" charset="-122"/>
+              </a:rPr>
+              <a:t>New </a:t>
+            </a:r>
+            <a:endParaRPr kumimoji="0" lang="zh-CN" altLang="zh-CN" sz="2400" b="0" i="0" u="none" strike="noStrike" cap="none" normalizeH="0" baseline="0" dirty="0">
+              <a:ln>
+                <a:noFill/>
+              </a:ln>
+              <a:solidFill>
+                <a:schemeClr val="tx1"/>
+              </a:solidFill>
+              <a:effectLst/>
+              <a:latin typeface="Arial" panose="020B0604020202020204" pitchFamily="34" charset="0"/>
+            </a:endParaRPr>
+          </a:p>
+        </p:txBody>
+      </p:sp>
+      <p:sp>
+        <p:nvSpPr>
+          <p:cNvPr id="65" name="文本框 64">
+            <a:extLst>
+              <a:ext uri="{FF2B5EF4-FFF2-40B4-BE49-F238E27FC236}">
+                <a16:creationId xmlns:a16="http://schemas.microsoft.com/office/drawing/2014/main" id="{EE8BA971-DC19-46B2-9FDF-271165920A6D}"/>
+              </a:ext>
+            </a:extLst>
+          </p:cNvPr>
+          <p:cNvSpPr txBox="1"/>
+          <p:nvPr/>
+        </p:nvSpPr>
+        <p:spPr>
+          <a:xfrm>
+            <a:off x="7631978" y="745863"/>
+            <a:ext cx="4321503" cy="369332"/>
+          </a:xfrm>
+          <a:prstGeom prst="rect">
+            <a:avLst/>
+          </a:prstGeom>
+          <a:noFill/>
+          <a:ln>
+            <a:solidFill>
+              <a:schemeClr val="tx1"/>
+            </a:solidFill>
+          </a:ln>
+        </p:spPr>
+        <p:txBody>
+          <a:bodyPr wrap="square">
+            <a:spAutoFit/>
+          </a:bodyPr>
+          <a:lstStyle>
+            <a:defPPr>
+              <a:defRPr lang="zh-CN"/>
+            </a:defPPr>
+            <a:lvl1pPr>
+              <a:defRPr kumimoji="0" b="0" i="0" u="none" strike="noStrike" cap="none" normalizeH="0" baseline="0">
+                <a:ln>
+                  <a:noFill/>
+                </a:ln>
+                <a:effectLst/>
+                <a:latin typeface="Arial Unicode MS" panose="020B0604020202020204" pitchFamily="34" charset="-122"/>
+                <a:ea typeface="JetBrains Mono"/>
+              </a:defRPr>
+            </a:lvl1pPr>
+          </a:lstStyle>
+          <a:p>
+            <a:r>
+              <a:rPr lang="en-US" altLang="zh-CN" dirty="0" err="1"/>
+              <a:t>EurekaLoadBalancerClientConfiguration</a:t>
+            </a:r>
+            <a:endParaRPr lang="en-US" altLang="zh-CN" dirty="0"/>
+          </a:p>
+        </p:txBody>
+      </p:sp>
+      <p:sp>
+        <p:nvSpPr>
+          <p:cNvPr id="67" name="文本框 66">
+            <a:extLst>
+              <a:ext uri="{FF2B5EF4-FFF2-40B4-BE49-F238E27FC236}">
+                <a16:creationId xmlns:a16="http://schemas.microsoft.com/office/drawing/2014/main" id="{A9233A2B-C902-4B33-A29C-432BB6A0A8BC}"/>
+              </a:ext>
+            </a:extLst>
+          </p:cNvPr>
+          <p:cNvSpPr txBox="1"/>
+          <p:nvPr/>
+        </p:nvSpPr>
+        <p:spPr>
+          <a:xfrm>
+            <a:off x="3569192" y="5919899"/>
+            <a:ext cx="6576186" cy="646331"/>
+          </a:xfrm>
+          <a:prstGeom prst="rect">
+            <a:avLst/>
+          </a:prstGeom>
+          <a:noFill/>
+        </p:spPr>
+        <p:txBody>
+          <a:bodyPr wrap="square">
+            <a:spAutoFit/>
+          </a:bodyPr>
+          <a:lstStyle>
+            <a:defPPr>
+              <a:defRPr lang="zh-CN"/>
+            </a:defPPr>
+            <a:lvl1pPr>
+              <a:defRPr sz="1200"/>
+            </a:lvl1pPr>
+          </a:lstStyle>
+          <a:p>
+            <a:r>
+              <a:rPr lang="en-US" altLang="zh-CN" dirty="0"/>
+              <a:t>org.springframework.cloud.netflix.eureka.loadbalancer.</a:t>
+            </a:r>
+            <a:r>
+              <a:rPr lang="en-US" altLang="zh-CN" dirty="0">
                 <a:solidFill>
-                  <a:schemeClr val="tx1"/>
+                  <a:srgbClr val="FF0000"/>
                 </a:solidFill>
-                <a:miter lim="800000"/>
-                <a:headEnd/>
-                <a:tailEnd/>
-              </a14:hiddenLine>
-            </a:ext>
-            <a:ext uri="{AF507438-7753-43E0-B8FC-AC1667EBCBE1}">
-              <a14:hiddenEffects xmlns:a14="http://schemas.microsoft.com/office/drawing/2010/main">
-                <a:effectLst>
-                  <a:outerShdw dist="35921" dir="2700000" algn="ctr" rotWithShape="0">
-                    <a:schemeClr val="bg2"/>
-                  </a:outerShdw>
-                </a:effectLst>
-              </a14:hiddenEffects>
-            </a:ext>
-          </a:extLst>
-        </p:spPr>
-        <p:txBody>
-          <a:bodyPr vert="horz" wrap="none" lIns="91440" tIns="45720" rIns="91440" bIns="45720" numCol="1" anchor="ctr" anchorCtr="0" compatLnSpc="1">
-            <a:prstTxWarp prst="textNoShape">
-              <a:avLst/>
-            </a:prstTxWarp>
+              </a:rPr>
+              <a:t>EurekaLoadBalancerClientConfiguration</a:t>
+            </a:r>
+          </a:p>
+          <a:p>
+            <a:r>
+              <a:rPr lang="en-US" altLang="zh-CN" sz="1200" dirty="0"/>
+              <a:t>org.springframework.cloud.loadbalancer.annotation.</a:t>
+            </a:r>
+            <a:r>
+              <a:rPr lang="en-US" altLang="zh-CN" sz="1200" dirty="0">
+                <a:solidFill>
+                  <a:srgbClr val="FF0000"/>
+                </a:solidFill>
+              </a:rPr>
+              <a:t>LoadBalancerClientSpecification</a:t>
+            </a:r>
+          </a:p>
+          <a:p>
+            <a:r>
+              <a:rPr lang="en-US" altLang="zh-CN" dirty="0"/>
+              <a:t>org.springframework.cloud.loadbalancer.core</a:t>
+            </a:r>
+            <a:r>
+              <a:rPr lang="en-US" altLang="zh-CN" dirty="0">
+                <a:solidFill>
+                  <a:srgbClr val="FF0000"/>
+                </a:solidFill>
+              </a:rPr>
+              <a:t>.RoundRobinLoadBalancer</a:t>
+            </a:r>
+          </a:p>
+        </p:txBody>
+      </p:sp>
+      <p:sp>
+        <p:nvSpPr>
+          <p:cNvPr id="69" name="文本框 68">
+            <a:extLst>
+              <a:ext uri="{FF2B5EF4-FFF2-40B4-BE49-F238E27FC236}">
+                <a16:creationId xmlns:a16="http://schemas.microsoft.com/office/drawing/2014/main" id="{72AAEA79-1E4C-40EA-8E94-68F48EFC60D2}"/>
+              </a:ext>
+            </a:extLst>
+          </p:cNvPr>
+          <p:cNvSpPr txBox="1"/>
+          <p:nvPr/>
+        </p:nvSpPr>
+        <p:spPr>
+          <a:xfrm>
+            <a:off x="7671080" y="1406934"/>
+            <a:ext cx="4321503" cy="369332"/>
+          </a:xfrm>
+          <a:prstGeom prst="rect">
+            <a:avLst/>
+          </a:prstGeom>
+          <a:noFill/>
+          <a:ln>
+            <a:solidFill>
+              <a:schemeClr val="tx1"/>
+            </a:solidFill>
+          </a:ln>
+        </p:spPr>
+        <p:txBody>
+          <a:bodyPr wrap="square">
+            <a:spAutoFit/>
+          </a:bodyPr>
+          <a:lstStyle>
+            <a:defPPr>
+              <a:defRPr lang="zh-CN"/>
+            </a:defPPr>
+            <a:lvl1pPr>
+              <a:defRPr kumimoji="0" b="0" i="0" u="none" strike="noStrike" cap="none" normalizeH="0" baseline="0">
+                <a:ln>
+                  <a:noFill/>
+                </a:ln>
+                <a:effectLst/>
+                <a:latin typeface="Arial Unicode MS" panose="020B0604020202020204" pitchFamily="34" charset="-122"/>
+                <a:ea typeface="JetBrains Mono"/>
+              </a:defRPr>
+            </a:lvl1pPr>
+          </a:lstStyle>
+          <a:p>
+            <a:r>
+              <a:rPr lang="en-US" altLang="zh-CN" dirty="0" err="1"/>
+              <a:t>LoadBalancerClientSpecification</a:t>
+            </a:r>
+            <a:endParaRPr lang="zh-CN" altLang="en-US" dirty="0"/>
+          </a:p>
+        </p:txBody>
+      </p:sp>
+      <p:cxnSp>
+        <p:nvCxnSpPr>
+          <p:cNvPr id="71" name="直接连接符 70">
+            <a:extLst>
+              <a:ext uri="{FF2B5EF4-FFF2-40B4-BE49-F238E27FC236}">
+                <a16:creationId xmlns:a16="http://schemas.microsoft.com/office/drawing/2014/main" id="{A78B7B9D-9E5D-442F-8BC2-3EEF4FC7F65F}"/>
+              </a:ext>
+            </a:extLst>
+          </p:cNvPr>
+          <p:cNvCxnSpPr>
+            <a:cxnSpLocks/>
+          </p:cNvCxnSpPr>
+          <p:nvPr/>
+        </p:nvCxnSpPr>
+        <p:spPr>
+          <a:xfrm>
+            <a:off x="10951029" y="1887242"/>
+            <a:ext cx="0" cy="1041016"/>
+          </a:xfrm>
+          <a:prstGeom prst="line">
+            <a:avLst/>
+          </a:prstGeom>
+          <a:ln>
+            <a:solidFill>
+              <a:schemeClr val="tx1"/>
+            </a:solidFill>
+          </a:ln>
+        </p:spPr>
+        <p:style>
+          <a:lnRef idx="1">
+            <a:schemeClr val="accent1"/>
+          </a:lnRef>
+          <a:fillRef idx="0">
+            <a:schemeClr val="accent1"/>
+          </a:fillRef>
+          <a:effectRef idx="0">
+            <a:schemeClr val="accent1"/>
+          </a:effectRef>
+          <a:fontRef idx="minor">
+            <a:schemeClr val="tx1"/>
+          </a:fontRef>
+        </p:style>
+      </p:cxnSp>
+      <p:cxnSp>
+        <p:nvCxnSpPr>
+          <p:cNvPr id="73" name="直接箭头连接符 72">
+            <a:extLst>
+              <a:ext uri="{FF2B5EF4-FFF2-40B4-BE49-F238E27FC236}">
+                <a16:creationId xmlns:a16="http://schemas.microsoft.com/office/drawing/2014/main" id="{BCE002B6-3B82-4F7B-B955-FC5651869EA8}"/>
+              </a:ext>
+            </a:extLst>
+          </p:cNvPr>
+          <p:cNvCxnSpPr>
+            <a:cxnSpLocks/>
+          </p:cNvCxnSpPr>
+          <p:nvPr/>
+        </p:nvCxnSpPr>
+        <p:spPr>
+          <a:xfrm>
+            <a:off x="10243351" y="2587388"/>
+            <a:ext cx="707678" cy="0"/>
+          </a:xfrm>
+          <a:prstGeom prst="straightConnector1">
+            <a:avLst/>
+          </a:prstGeom>
+          <a:ln>
+            <a:solidFill>
+              <a:schemeClr val="tx1"/>
+            </a:solidFill>
+            <a:tailEnd type="triangle"/>
+          </a:ln>
+        </p:spPr>
+        <p:style>
+          <a:lnRef idx="1">
+            <a:schemeClr val="accent1"/>
+          </a:lnRef>
+          <a:fillRef idx="0">
+            <a:schemeClr val="accent1"/>
+          </a:fillRef>
+          <a:effectRef idx="0">
+            <a:schemeClr val="accent1"/>
+          </a:effectRef>
+          <a:fontRef idx="minor">
+            <a:schemeClr val="tx1"/>
+          </a:fontRef>
+        </p:style>
+      </p:cxnSp>
+      <p:sp>
+        <p:nvSpPr>
+          <p:cNvPr id="76" name="文本框 75">
+            <a:extLst>
+              <a:ext uri="{FF2B5EF4-FFF2-40B4-BE49-F238E27FC236}">
+                <a16:creationId xmlns:a16="http://schemas.microsoft.com/office/drawing/2014/main" id="{E08D5BDD-878E-4EE4-A02A-22B5474F3CB5}"/>
+              </a:ext>
+            </a:extLst>
+          </p:cNvPr>
+          <p:cNvSpPr txBox="1"/>
+          <p:nvPr/>
+        </p:nvSpPr>
+        <p:spPr>
+          <a:xfrm>
+            <a:off x="8973807" y="1927671"/>
+            <a:ext cx="1920575" cy="369332"/>
+          </a:xfrm>
+          <a:prstGeom prst="rect">
+            <a:avLst/>
+          </a:prstGeom>
+        </p:spPr>
+        <p:txBody>
+          <a:bodyPr wrap="square">
             <a:spAutoFit/>
           </a:bodyPr>
           <a:lstStyle/>
@@ -6499,7 +8404,21 @@
               <a:buNone/>
               <a:tabLst/>
             </a:pPr>
-            <a:endParaRPr kumimoji="0" lang="zh-CN" altLang="zh-CN" sz="1800" b="0" i="0" u="none" strike="noStrike" cap="none" normalizeH="0" baseline="0" dirty="0">
+            <a:r>
+              <a:rPr kumimoji="0" lang="zh-CN" altLang="zh-CN" sz="1800" b="0" i="0" u="none" strike="noStrike" cap="none" normalizeH="0" baseline="0" dirty="0">
+                <a:ln>
+                  <a:noFill/>
+                </a:ln>
+                <a:solidFill>
+                  <a:srgbClr val="FFC66D"/>
+                </a:solidFill>
+                <a:effectLst/>
+                <a:latin typeface="Arial Unicode MS" panose="020B0604020202020204" pitchFamily="34" charset="-122"/>
+                <a:ea typeface="JetBrains Mono"/>
+              </a:rPr>
+              <a:t>getConfiguration</a:t>
+            </a:r>
+            <a:endParaRPr kumimoji="0" lang="zh-CN" altLang="zh-CN" sz="2400" b="0" i="0" u="none" strike="noStrike" cap="none" normalizeH="0" baseline="0" dirty="0">
               <a:ln>
                 <a:noFill/>
               </a:ln>
@@ -6512,12 +8431,167 @@
           </a:p>
         </p:txBody>
       </p:sp>
-      <p:sp>
-        <p:nvSpPr>
-          <p:cNvPr id="8" name="文本框 7">
-            <a:extLst>
-              <a:ext uri="{FF2B5EF4-FFF2-40B4-BE49-F238E27FC236}">
-                <a16:creationId xmlns:a16="http://schemas.microsoft.com/office/drawing/2014/main" id="{D1046476-843B-41D3-883B-6A576EFD77FC}"/>
+      <p:grpSp>
+        <p:nvGrpSpPr>
+          <p:cNvPr id="83" name="组合 82">
+            <a:extLst>
+              <a:ext uri="{FF2B5EF4-FFF2-40B4-BE49-F238E27FC236}">
+                <a16:creationId xmlns:a16="http://schemas.microsoft.com/office/drawing/2014/main" id="{085DD24E-A730-4DAF-9B77-C5B898348898}"/>
+              </a:ext>
+            </a:extLst>
+          </p:cNvPr>
+          <p:cNvGrpSpPr/>
+          <p:nvPr/>
+        </p:nvGrpSpPr>
+        <p:grpSpPr>
+          <a:xfrm rot="2150214">
+            <a:off x="5540293" y="1596407"/>
+            <a:ext cx="449160" cy="220664"/>
+            <a:chOff x="7147641" y="3582036"/>
+            <a:chExt cx="502377" cy="301329"/>
+          </a:xfrm>
+        </p:grpSpPr>
+        <p:cxnSp>
+          <p:nvCxnSpPr>
+            <p:cNvPr id="84" name="直接箭头连接符 83">
+              <a:extLst>
+                <a:ext uri="{FF2B5EF4-FFF2-40B4-BE49-F238E27FC236}">
+                  <a16:creationId xmlns:a16="http://schemas.microsoft.com/office/drawing/2014/main" id="{3B557A2C-FA6B-4A01-97A6-A9572FA7E27E}"/>
+                </a:ext>
+              </a:extLst>
+            </p:cNvPr>
+            <p:cNvCxnSpPr>
+              <a:cxnSpLocks/>
+              <a:endCxn id="85" idx="0"/>
+            </p:cNvCxnSpPr>
+            <p:nvPr/>
+          </p:nvCxnSpPr>
+          <p:spPr>
+            <a:xfrm rot="18621340">
+              <a:off x="7144414" y="3585263"/>
+              <a:ext cx="301329" cy="294876"/>
+            </a:xfrm>
+            <a:prstGeom prst="straightConnector1">
+              <a:avLst/>
+            </a:prstGeom>
+            <a:ln>
+              <a:headEnd type="none" w="med" len="med"/>
+              <a:tailEnd type="none" w="med" len="med"/>
+            </a:ln>
+          </p:spPr>
+          <p:style>
+            <a:lnRef idx="1">
+              <a:schemeClr val="accent1"/>
+            </a:lnRef>
+            <a:fillRef idx="0">
+              <a:schemeClr val="accent1"/>
+            </a:fillRef>
+            <a:effectRef idx="0">
+              <a:schemeClr val="accent1"/>
+            </a:effectRef>
+            <a:fontRef idx="minor">
+              <a:schemeClr val="tx1"/>
+            </a:fontRef>
+          </p:style>
+        </p:cxnSp>
+        <p:sp>
+          <p:nvSpPr>
+            <p:cNvPr id="85" name="流程图: 合并 84">
+              <a:extLst>
+                <a:ext uri="{FF2B5EF4-FFF2-40B4-BE49-F238E27FC236}">
+                  <a16:creationId xmlns:a16="http://schemas.microsoft.com/office/drawing/2014/main" id="{E4E8298C-3D23-4C7F-873C-4367F2941706}"/>
+                </a:ext>
+              </a:extLst>
+            </p:cNvPr>
+            <p:cNvSpPr/>
+            <p:nvPr/>
+          </p:nvSpPr>
+          <p:spPr>
+            <a:xfrm rot="16200000">
+              <a:off x="7455353" y="3653112"/>
+              <a:ext cx="226651" cy="162678"/>
+            </a:xfrm>
+            <a:prstGeom prst="flowChartMerge">
+              <a:avLst/>
+            </a:prstGeom>
+          </p:spPr>
+          <p:style>
+            <a:lnRef idx="2">
+              <a:schemeClr val="accent1">
+                <a:shade val="50000"/>
+              </a:schemeClr>
+            </a:lnRef>
+            <a:fillRef idx="1">
+              <a:schemeClr val="accent1"/>
+            </a:fillRef>
+            <a:effectRef idx="0">
+              <a:schemeClr val="accent1"/>
+            </a:effectRef>
+            <a:fontRef idx="minor">
+              <a:schemeClr val="lt1"/>
+            </a:fontRef>
+          </p:style>
+          <p:txBody>
+            <a:bodyPr rtlCol="0" anchor="ctr"/>
+            <a:lstStyle/>
+            <a:p>
+              <a:pPr algn="ctr"/>
+              <a:endParaRPr lang="zh-CN" altLang="en-US"/>
+            </a:p>
+          </p:txBody>
+        </p:sp>
+      </p:grpSp>
+      <p:cxnSp>
+        <p:nvCxnSpPr>
+          <p:cNvPr id="87" name="直接箭头连接符 86">
+            <a:extLst>
+              <a:ext uri="{FF2B5EF4-FFF2-40B4-BE49-F238E27FC236}">
+                <a16:creationId xmlns:a16="http://schemas.microsoft.com/office/drawing/2014/main" id="{6EB9E4E1-0394-4D59-AFCC-24F47982EBA7}"/>
+              </a:ext>
+            </a:extLst>
+          </p:cNvPr>
+          <p:cNvCxnSpPr>
+            <a:cxnSpLocks/>
+          </p:cNvCxnSpPr>
+          <p:nvPr/>
+        </p:nvCxnSpPr>
+        <p:spPr>
+          <a:xfrm flipV="1">
+            <a:off x="10145380" y="1114056"/>
+            <a:ext cx="0" cy="313362"/>
+          </a:xfrm>
+          <a:prstGeom prst="straightConnector1">
+            <a:avLst/>
+          </a:prstGeom>
+          <a:ln>
+            <a:solidFill>
+              <a:schemeClr val="tx1"/>
+            </a:solidFill>
+            <a:headEnd type="none" w="med" len="med"/>
+            <a:tailEnd type="none" w="med" len="med"/>
+          </a:ln>
+        </p:spPr>
+        <p:style>
+          <a:lnRef idx="1">
+            <a:schemeClr val="accent1"/>
+          </a:lnRef>
+          <a:fillRef idx="0">
+            <a:schemeClr val="accent1"/>
+          </a:fillRef>
+          <a:effectRef idx="0">
+            <a:schemeClr val="accent1"/>
+          </a:effectRef>
+          <a:fontRef idx="minor">
+            <a:schemeClr val="tx1"/>
+          </a:fontRef>
+        </p:style>
+      </p:cxnSp>
+      <p:sp>
+        <p:nvSpPr>
+          <p:cNvPr id="96" name="文本框 95">
+            <a:extLst>
+              <a:ext uri="{FF2B5EF4-FFF2-40B4-BE49-F238E27FC236}">
+                <a16:creationId xmlns:a16="http://schemas.microsoft.com/office/drawing/2014/main" id="{97770D8B-9F5F-4A1A-A84A-A39275A6F5AB}"/>
               </a:ext>
             </a:extLst>
           </p:cNvPr>
@@ -6526,8 +8600,8 @@
         </p:nvSpPr>
         <p:spPr>
           <a:xfrm>
-            <a:off x="2623457" y="4213162"/>
-            <a:ext cx="6096000" cy="369332"/>
+            <a:off x="3948338" y="114305"/>
+            <a:ext cx="5399314" cy="369332"/>
           </a:xfrm>
           <a:prstGeom prst="rect">
             <a:avLst/>
@@ -6535,35 +8609,142 @@
           <a:noFill/>
         </p:spPr>
         <p:txBody>
-          <a:bodyPr wrap="square">
+          <a:bodyPr wrap="square" rtlCol="0">
             <a:spAutoFit/>
           </a:bodyPr>
           <a:lstStyle/>
           <a:p>
             <a:r>
-              <a:rPr kumimoji="0" lang="zh-CN" altLang="zh-CN" sz="1800" b="0" i="0" u="none" strike="noStrike" cap="none" normalizeH="0" baseline="0" dirty="0">
-                <a:ln>
-                  <a:noFill/>
-                </a:ln>
-                <a:solidFill>
-                  <a:srgbClr val="A9B7C6"/>
-                </a:solidFill>
-                <a:effectLst/>
-                <a:latin typeface="Arial Unicode MS" panose="020B0604020202020204" pitchFamily="34" charset="-122"/>
-                <a:ea typeface="JetBrains Mono"/>
-              </a:rPr>
-              <a:t>EurekaReactiveDiscoveryClientConfiguration</a:t>
-            </a:r>
-            <a:endParaRPr lang="zh-CN" altLang="en-US" dirty="0"/>
-          </a:p>
-        </p:txBody>
-      </p:sp>
-      <p:sp>
-        <p:nvSpPr>
-          <p:cNvPr id="10" name="文本框 9">
-            <a:extLst>
-              <a:ext uri="{FF2B5EF4-FFF2-40B4-BE49-F238E27FC236}">
-                <a16:creationId xmlns:a16="http://schemas.microsoft.com/office/drawing/2014/main" id="{CA267FD0-F408-46C2-901C-5AF26BE270BA}"/>
+              <a:rPr lang="en-US" altLang="zh-CN" i="1" dirty="0"/>
+              <a:t> </a:t>
+            </a:r>
+            <a:r>
+              <a:rPr lang="en-US" altLang="zh-CN" dirty="0" err="1"/>
+              <a:t>ReactiveLoadBalancerClientFilter</a:t>
+            </a:r>
+            <a:r>
+              <a:rPr lang="zh-CN" altLang="en-US" i="1" dirty="0"/>
+              <a:t>流程</a:t>
+            </a:r>
+          </a:p>
+        </p:txBody>
+      </p:sp>
+      <p:grpSp>
+        <p:nvGrpSpPr>
+          <p:cNvPr id="101" name="组合 100">
+            <a:extLst>
+              <a:ext uri="{FF2B5EF4-FFF2-40B4-BE49-F238E27FC236}">
+                <a16:creationId xmlns:a16="http://schemas.microsoft.com/office/drawing/2014/main" id="{3472E6E6-AA7D-416F-B86A-88A29576E271}"/>
+              </a:ext>
+            </a:extLst>
+          </p:cNvPr>
+          <p:cNvGrpSpPr/>
+          <p:nvPr/>
+        </p:nvGrpSpPr>
+        <p:grpSpPr>
+          <a:xfrm rot="5400000">
+            <a:off x="10176150" y="3625666"/>
+            <a:ext cx="449160" cy="220664"/>
+            <a:chOff x="7147641" y="3582036"/>
+            <a:chExt cx="502377" cy="301329"/>
+          </a:xfrm>
+        </p:grpSpPr>
+        <p:cxnSp>
+          <p:nvCxnSpPr>
+            <p:cNvPr id="102" name="直接箭头连接符 101">
+              <a:extLst>
+                <a:ext uri="{FF2B5EF4-FFF2-40B4-BE49-F238E27FC236}">
+                  <a16:creationId xmlns:a16="http://schemas.microsoft.com/office/drawing/2014/main" id="{15866B55-4740-4789-8E81-617BC3432B30}"/>
+                </a:ext>
+              </a:extLst>
+            </p:cNvPr>
+            <p:cNvCxnSpPr>
+              <a:cxnSpLocks/>
+              <a:endCxn id="103" idx="0"/>
+            </p:cNvCxnSpPr>
+            <p:nvPr/>
+          </p:nvCxnSpPr>
+          <p:spPr>
+            <a:xfrm rot="18621340">
+              <a:off x="7144414" y="3585263"/>
+              <a:ext cx="301329" cy="294876"/>
+            </a:xfrm>
+            <a:prstGeom prst="straightConnector1">
+              <a:avLst/>
+            </a:prstGeom>
+            <a:ln>
+              <a:headEnd type="none" w="med" len="med"/>
+              <a:tailEnd type="none" w="med" len="med"/>
+            </a:ln>
+          </p:spPr>
+          <p:style>
+            <a:lnRef idx="1">
+              <a:schemeClr val="accent1"/>
+            </a:lnRef>
+            <a:fillRef idx="0">
+              <a:schemeClr val="accent1"/>
+            </a:fillRef>
+            <a:effectRef idx="0">
+              <a:schemeClr val="accent1"/>
+            </a:effectRef>
+            <a:fontRef idx="minor">
+              <a:schemeClr val="tx1"/>
+            </a:fontRef>
+          </p:style>
+        </p:cxnSp>
+        <p:sp>
+          <p:nvSpPr>
+            <p:cNvPr id="103" name="流程图: 合并 102">
+              <a:extLst>
+                <a:ext uri="{FF2B5EF4-FFF2-40B4-BE49-F238E27FC236}">
+                  <a16:creationId xmlns:a16="http://schemas.microsoft.com/office/drawing/2014/main" id="{6723D79B-6E38-454F-A7E0-1451EA15B1B7}"/>
+                </a:ext>
+              </a:extLst>
+            </p:cNvPr>
+            <p:cNvSpPr/>
+            <p:nvPr/>
+          </p:nvSpPr>
+          <p:spPr>
+            <a:xfrm rot="16200000">
+              <a:off x="7455353" y="3653112"/>
+              <a:ext cx="226651" cy="162678"/>
+            </a:xfrm>
+            <a:prstGeom prst="flowChartMerge">
+              <a:avLst/>
+            </a:prstGeom>
+          </p:spPr>
+          <p:style>
+            <a:lnRef idx="2">
+              <a:schemeClr val="accent1">
+                <a:shade val="50000"/>
+              </a:schemeClr>
+            </a:lnRef>
+            <a:fillRef idx="1">
+              <a:schemeClr val="accent1"/>
+            </a:fillRef>
+            <a:effectRef idx="0">
+              <a:schemeClr val="accent1"/>
+            </a:effectRef>
+            <a:fontRef idx="minor">
+              <a:schemeClr val="lt1"/>
+            </a:fontRef>
+          </p:style>
+          <p:txBody>
+            <a:bodyPr rtlCol="0" anchor="ctr"/>
+            <a:lstStyle/>
+            <a:p>
+              <a:pPr algn="ctr"/>
+              <a:endParaRPr lang="zh-CN" altLang="en-US"/>
+            </a:p>
+          </p:txBody>
+        </p:sp>
+      </p:grpSp>
+      <p:sp>
+        <p:nvSpPr>
+          <p:cNvPr id="98" name="文本框 97">
+            <a:extLst>
+              <a:ext uri="{FF2B5EF4-FFF2-40B4-BE49-F238E27FC236}">
+                <a16:creationId xmlns:a16="http://schemas.microsoft.com/office/drawing/2014/main" id="{A8070AC3-3BF5-4BE7-8640-472A8AE3C630}"/>
               </a:ext>
             </a:extLst>
           </p:cNvPr>
@@ -6572,13 +8753,18 @@
         </p:nvSpPr>
         <p:spPr>
           <a:xfrm>
-            <a:off x="3048000" y="5040477"/>
-            <a:ext cx="6096000" cy="369332"/>
+            <a:off x="8696582" y="3233812"/>
+            <a:ext cx="3359701" cy="369332"/>
           </a:xfrm>
           <a:prstGeom prst="rect">
             <a:avLst/>
           </a:prstGeom>
           <a:noFill/>
+          <a:ln>
+            <a:solidFill>
+              <a:schemeClr val="tx1"/>
+            </a:solidFill>
+          </a:ln>
         </p:spPr>
         <p:txBody>
           <a:bodyPr wrap="square">
@@ -6593,9 +8779,6 @@
                 <a:ln>
                   <a:noFill/>
                 </a:ln>
-                <a:solidFill>
-                  <a:srgbClr val="A9B7C6"/>
-                </a:solidFill>
                 <a:effectLst/>
                 <a:latin typeface="Arial Unicode MS" panose="020B0604020202020204" pitchFamily="34" charset="-122"/>
                 <a:ea typeface="JetBrains Mono"/>
@@ -6605,16 +8788,175 @@
           <a:p>
             <a:r>
               <a:rPr lang="en-US" altLang="zh-CN" dirty="0" err="1"/>
-              <a:t>ReactiveCompositeDiscoveryClientAutoConfiguration</a:t>
+              <a:t>RoundRobinLoadBalancer</a:t>
             </a:r>
             <a:endParaRPr lang="zh-CN" altLang="en-US" dirty="0"/>
+          </a:p>
+        </p:txBody>
+      </p:sp>
+      <p:sp>
+        <p:nvSpPr>
+          <p:cNvPr id="106" name="文本框 105">
+            <a:extLst>
+              <a:ext uri="{FF2B5EF4-FFF2-40B4-BE49-F238E27FC236}">
+                <a16:creationId xmlns:a16="http://schemas.microsoft.com/office/drawing/2014/main" id="{9F64D397-B992-4EDA-A2FA-754F46988C17}"/>
+              </a:ext>
+            </a:extLst>
+          </p:cNvPr>
+          <p:cNvSpPr txBox="1"/>
+          <p:nvPr/>
+        </p:nvSpPr>
+        <p:spPr>
+          <a:xfrm>
+            <a:off x="546352" y="1576810"/>
+            <a:ext cx="1194267" cy="369332"/>
+          </a:xfrm>
+          <a:prstGeom prst="rect">
+            <a:avLst/>
+          </a:prstGeom>
+          <a:noFill/>
+        </p:spPr>
+        <p:txBody>
+          <a:bodyPr wrap="square" rtlCol="0">
+            <a:spAutoFit/>
+          </a:bodyPr>
+          <a:lstStyle>
+            <a:defPPr>
+              <a:defRPr lang="zh-CN"/>
+            </a:defPPr>
+            <a:lvl1pPr>
+              <a:defRPr>
+                <a:latin typeface="Arial Unicode MS" panose="020B0604020202020204" pitchFamily="34" charset="-122"/>
+                <a:ea typeface="JetBrains Mono"/>
+              </a:defRPr>
+            </a:lvl1pPr>
+          </a:lstStyle>
+          <a:p>
+            <a:r>
+              <a:rPr lang="en-US" altLang="zh-CN" dirty="0"/>
+              <a:t> </a:t>
+            </a:r>
+            <a:r>
+              <a:rPr lang="fr-FR" altLang="zh-CN" dirty="0" err="1"/>
+              <a:t>filter</a:t>
+            </a:r>
+            <a:r>
+              <a:rPr lang="fr-FR" altLang="zh-CN" dirty="0"/>
+              <a:t>(</a:t>
+            </a:r>
+            <a:r>
+              <a:rPr lang="en-US" altLang="zh-CN" dirty="0">
+                <a:solidFill>
+                  <a:schemeClr val="accent2"/>
+                </a:solidFill>
+              </a:rPr>
+              <a:t>…</a:t>
+            </a:r>
+            <a:r>
+              <a:rPr lang="fr-FR" altLang="zh-CN" dirty="0"/>
+              <a:t>)</a:t>
+            </a:r>
+            <a:endParaRPr lang="en-US" altLang="zh-CN" dirty="0"/>
+          </a:p>
+        </p:txBody>
+      </p:sp>
+      <p:cxnSp>
+        <p:nvCxnSpPr>
+          <p:cNvPr id="107" name="直接箭头连接符 106">
+            <a:extLst>
+              <a:ext uri="{FF2B5EF4-FFF2-40B4-BE49-F238E27FC236}">
+                <a16:creationId xmlns:a16="http://schemas.microsoft.com/office/drawing/2014/main" id="{A44A81A4-5FF2-480D-A0C0-FF465443F1A8}"/>
+              </a:ext>
+            </a:extLst>
+          </p:cNvPr>
+          <p:cNvCxnSpPr>
+            <a:cxnSpLocks/>
+          </p:cNvCxnSpPr>
+          <p:nvPr/>
+        </p:nvCxnSpPr>
+        <p:spPr>
+          <a:xfrm>
+            <a:off x="2164164" y="5484537"/>
+            <a:ext cx="8492227" cy="0"/>
+          </a:xfrm>
+          <a:prstGeom prst="straightConnector1">
+            <a:avLst/>
+          </a:prstGeom>
+          <a:ln>
+            <a:solidFill>
+              <a:schemeClr val="tx1"/>
+            </a:solidFill>
+            <a:tailEnd type="triangle"/>
+          </a:ln>
+        </p:spPr>
+        <p:style>
+          <a:lnRef idx="1">
+            <a:schemeClr val="accent1"/>
+          </a:lnRef>
+          <a:fillRef idx="0">
+            <a:schemeClr val="accent1"/>
+          </a:fillRef>
+          <a:effectRef idx="0">
+            <a:schemeClr val="accent1"/>
+          </a:effectRef>
+          <a:fontRef idx="minor">
+            <a:schemeClr val="tx1"/>
+          </a:fontRef>
+        </p:style>
+      </p:cxnSp>
+      <p:sp>
+        <p:nvSpPr>
+          <p:cNvPr id="113" name="文本框 112">
+            <a:extLst>
+              <a:ext uri="{FF2B5EF4-FFF2-40B4-BE49-F238E27FC236}">
+                <a16:creationId xmlns:a16="http://schemas.microsoft.com/office/drawing/2014/main" id="{78012232-6001-4C76-9E73-41C458E1B4E1}"/>
+              </a:ext>
+            </a:extLst>
+          </p:cNvPr>
+          <p:cNvSpPr txBox="1"/>
+          <p:nvPr/>
+        </p:nvSpPr>
+        <p:spPr>
+          <a:xfrm>
+            <a:off x="853060" y="5710055"/>
+            <a:ext cx="2515328" cy="369332"/>
+          </a:xfrm>
+          <a:prstGeom prst="rect">
+            <a:avLst/>
+          </a:prstGeom>
+          <a:noFill/>
+        </p:spPr>
+        <p:txBody>
+          <a:bodyPr wrap="square" rtlCol="0">
+            <a:spAutoFit/>
+          </a:bodyPr>
+          <a:lstStyle>
+            <a:defPPr>
+              <a:defRPr lang="zh-CN"/>
+            </a:defPPr>
+            <a:lvl1pPr>
+              <a:defRPr>
+                <a:latin typeface="Arial Unicode MS" panose="020B0604020202020204" pitchFamily="34" charset="-122"/>
+                <a:ea typeface="JetBrains Mono"/>
+              </a:defRPr>
+            </a:lvl1pPr>
+          </a:lstStyle>
+          <a:p>
+            <a:r>
+              <a:rPr lang="en-US" altLang="zh-CN" dirty="0" err="1"/>
+              <a:t>chain.filter</a:t>
+            </a:r>
+            <a:r>
+              <a:rPr lang="en-US" altLang="zh-CN" dirty="0"/>
+              <a:t>(exchange)</a:t>
+            </a:r>
           </a:p>
         </p:txBody>
       </p:sp>
     </p:spTree>
     <p:extLst>
       <p:ext uri="{BB962C8B-B14F-4D97-AF65-F5344CB8AC3E}">
-        <p14:creationId xmlns:p14="http://schemas.microsoft.com/office/powerpoint/2010/main" val="823519808"/>
+        <p14:creationId xmlns:p14="http://schemas.microsoft.com/office/powerpoint/2010/main" val="2997735479"/>
       </p:ext>
     </p:extLst>
   </p:cSld>
@@ -6643,10 +8985,59 @@
       </p:grpSpPr>
       <p:sp>
         <p:nvSpPr>
-          <p:cNvPr id="4" name="文本框 3">
-            <a:extLst>
-              <a:ext uri="{FF2B5EF4-FFF2-40B4-BE49-F238E27FC236}">
-                <a16:creationId xmlns:a16="http://schemas.microsoft.com/office/drawing/2014/main" id="{B5DB4503-0D59-4438-8D02-3767015D0584}"/>
+          <p:cNvPr id="4" name="矩形 3">
+            <a:extLst>
+              <a:ext uri="{FF2B5EF4-FFF2-40B4-BE49-F238E27FC236}">
+                <a16:creationId xmlns:a16="http://schemas.microsoft.com/office/drawing/2014/main" id="{A0E88735-BC96-487B-97C1-046017D05003}"/>
+              </a:ext>
+            </a:extLst>
+          </p:cNvPr>
+          <p:cNvSpPr/>
+          <p:nvPr/>
+        </p:nvSpPr>
+        <p:spPr>
+          <a:xfrm>
+            <a:off x="3475823" y="1468264"/>
+            <a:ext cx="3571826" cy="1584371"/>
+          </a:xfrm>
+          <a:prstGeom prst="rect">
+            <a:avLst/>
+          </a:prstGeom>
+          <a:solidFill>
+            <a:schemeClr val="bg1"/>
+          </a:solidFill>
+        </p:spPr>
+        <p:style>
+          <a:lnRef idx="2">
+            <a:schemeClr val="accent1">
+              <a:shade val="50000"/>
+            </a:schemeClr>
+          </a:lnRef>
+          <a:fillRef idx="1">
+            <a:schemeClr val="accent1"/>
+          </a:fillRef>
+          <a:effectRef idx="0">
+            <a:schemeClr val="accent1"/>
+          </a:effectRef>
+          <a:fontRef idx="minor">
+            <a:schemeClr val="lt1"/>
+          </a:fontRef>
+        </p:style>
+        <p:txBody>
+          <a:bodyPr rtlCol="0" anchor="ctr"/>
+          <a:lstStyle/>
+          <a:p>
+            <a:pPr algn="ctr"/>
+            <a:endParaRPr lang="zh-CN" altLang="en-US"/>
+          </a:p>
+        </p:txBody>
+      </p:sp>
+      <p:sp>
+        <p:nvSpPr>
+          <p:cNvPr id="5" name="文本框 4">
+            <a:extLst>
+              <a:ext uri="{FF2B5EF4-FFF2-40B4-BE49-F238E27FC236}">
+                <a16:creationId xmlns:a16="http://schemas.microsoft.com/office/drawing/2014/main" id="{FB2081FA-E9C9-4364-99E8-74A7EAB5D946}"/>
               </a:ext>
             </a:extLst>
           </p:cNvPr>
@@ -6655,8 +9046,8 @@
         </p:nvSpPr>
         <p:spPr>
           <a:xfrm>
-            <a:off x="1046864" y="2455284"/>
-            <a:ext cx="3319395" cy="923330"/>
+            <a:off x="369707" y="703752"/>
+            <a:ext cx="3676778" cy="369332"/>
           </a:xfrm>
           <a:prstGeom prst="rect">
             <a:avLst/>
@@ -6667,110 +9058,6 @@
               <a:schemeClr val="tx1"/>
             </a:solidFill>
           </a:ln>
-        </p:spPr>
-        <p:txBody>
-          <a:bodyPr wrap="square">
-            <a:spAutoFit/>
-          </a:bodyPr>
-          <a:lstStyle>
-            <a:defPPr>
-              <a:defRPr lang="zh-CN"/>
-            </a:defPPr>
-            <a:lvl1pPr>
-              <a:defRPr b="0" i="0">
-                <a:effectLst/>
-              </a:defRPr>
-            </a:lvl1pPr>
-          </a:lstStyle>
-          <a:p>
-            <a:r>
-              <a:rPr lang="en-US" altLang="zh-CN" dirty="0"/>
-              <a:t>GatewayReactiveLoadBalancerClientAutoConfiguration#gatewayLoadBalancerClientFilter</a:t>
-            </a:r>
-            <a:endParaRPr lang="zh-CN" altLang="en-US" dirty="0"/>
-          </a:p>
-        </p:txBody>
-      </p:sp>
-      <p:sp>
-        <p:nvSpPr>
-          <p:cNvPr id="5" name="文本框 4">
-            <a:extLst>
-              <a:ext uri="{FF2B5EF4-FFF2-40B4-BE49-F238E27FC236}">
-                <a16:creationId xmlns:a16="http://schemas.microsoft.com/office/drawing/2014/main" id="{38C0F823-EAA3-4B5D-A7CC-58244047854C}"/>
-              </a:ext>
-            </a:extLst>
-          </p:cNvPr>
-          <p:cNvSpPr txBox="1"/>
-          <p:nvPr/>
-        </p:nvSpPr>
-        <p:spPr>
-          <a:xfrm>
-            <a:off x="5704523" y="1573768"/>
-            <a:ext cx="2662237" cy="369332"/>
-          </a:xfrm>
-          <a:prstGeom prst="rect">
-            <a:avLst/>
-          </a:prstGeom>
-          <a:noFill/>
-        </p:spPr>
-        <p:txBody>
-          <a:bodyPr wrap="square">
-            <a:spAutoFit/>
-          </a:bodyPr>
-          <a:lstStyle/>
-          <a:p>
-            <a:r>
-              <a:rPr kumimoji="0" lang="zh-CN" altLang="zh-CN" sz="1800" b="0" i="0" u="none" strike="noStrike" cap="none" normalizeH="0" baseline="0" dirty="0">
-                <a:ln>
-                  <a:noFill/>
-                </a:ln>
-                <a:solidFill>
-                  <a:srgbClr val="A9B7C6"/>
-                </a:solidFill>
-                <a:effectLst/>
-                <a:latin typeface="Arial Unicode MS" panose="020B0604020202020204" pitchFamily="34" charset="-122"/>
-                <a:ea typeface="JetBrains Mono"/>
-              </a:rPr>
-              <a:t>LoadBalancerClien</a:t>
-            </a:r>
-            <a:r>
-              <a:rPr kumimoji="0" lang="en-US" altLang="zh-CN" sz="1800" b="0" i="0" u="none" strike="noStrike" cap="none" normalizeH="0" baseline="0" dirty="0">
-                <a:ln>
-                  <a:noFill/>
-                </a:ln>
-                <a:solidFill>
-                  <a:srgbClr val="A9B7C6"/>
-                </a:solidFill>
-                <a:effectLst/>
-                <a:latin typeface="Arial Unicode MS" panose="020B0604020202020204" pitchFamily="34" charset="-122"/>
-                <a:ea typeface="JetBrains Mono"/>
-              </a:rPr>
-              <a:t>t</a:t>
-            </a:r>
-          </a:p>
-        </p:txBody>
-      </p:sp>
-      <p:sp>
-        <p:nvSpPr>
-          <p:cNvPr id="7" name="文本框 6">
-            <a:extLst>
-              <a:ext uri="{FF2B5EF4-FFF2-40B4-BE49-F238E27FC236}">
-                <a16:creationId xmlns:a16="http://schemas.microsoft.com/office/drawing/2014/main" id="{72F6EE9F-59DC-4FB3-9998-5CA9C0B64C8D}"/>
-              </a:ext>
-            </a:extLst>
-          </p:cNvPr>
-          <p:cNvSpPr txBox="1"/>
-          <p:nvPr/>
-        </p:nvSpPr>
-        <p:spPr>
-          <a:xfrm>
-            <a:off x="5560695" y="2732283"/>
-            <a:ext cx="6160770" cy="369332"/>
-          </a:xfrm>
-          <a:prstGeom prst="rect">
-            <a:avLst/>
-          </a:prstGeom>
-          <a:noFill/>
         </p:spPr>
         <p:txBody>
           <a:bodyPr wrap="square">
@@ -6785,9 +9072,6 @@
                 <a:ln>
                   <a:noFill/>
                 </a:ln>
-                <a:solidFill>
-                  <a:srgbClr val="A9B7C6"/>
-                </a:solidFill>
                 <a:effectLst/>
                 <a:latin typeface="Arial Unicode MS" panose="020B0604020202020204" pitchFamily="34" charset="-122"/>
                 <a:ea typeface="JetBrains Mono"/>
@@ -6797,7 +9081,7 @@
           <a:p>
             <a:r>
               <a:rPr lang="en-US" altLang="zh-CN" dirty="0" err="1"/>
-              <a:t>LoadBalancerClientFilter</a:t>
+              <a:t>ReactiveLoadBalancerClientFilter</a:t>
             </a:r>
             <a:endParaRPr lang="zh-CN" altLang="en-US" dirty="0"/>
           </a:p>
@@ -6805,10 +9089,10 @@
       </p:sp>
       <p:cxnSp>
         <p:nvCxnSpPr>
-          <p:cNvPr id="8" name="直接箭头连接符 7">
-            <a:extLst>
-              <a:ext uri="{FF2B5EF4-FFF2-40B4-BE49-F238E27FC236}">
-                <a16:creationId xmlns:a16="http://schemas.microsoft.com/office/drawing/2014/main" id="{D48B7FAA-2DED-4D48-B7CC-D24F1A22AA13}"/>
+          <p:cNvPr id="6" name="直接连接符 5">
+            <a:extLst>
+              <a:ext uri="{FF2B5EF4-FFF2-40B4-BE49-F238E27FC236}">
+                <a16:creationId xmlns:a16="http://schemas.microsoft.com/office/drawing/2014/main" id="{1D61DA76-DA35-4E44-A3C5-87E79D37C623}"/>
               </a:ext>
             </a:extLst>
           </p:cNvPr>
@@ -6819,15 +9103,498 @@
         </p:nvCxnSpPr>
         <p:spPr>
           <a:xfrm>
-            <a:off x="4474561" y="2932094"/>
-            <a:ext cx="908969" cy="0"/>
+            <a:off x="2110724" y="1070789"/>
+            <a:ext cx="0" cy="4639266"/>
+          </a:xfrm>
+          <a:prstGeom prst="line">
+            <a:avLst/>
+          </a:prstGeom>
+          <a:ln>
+            <a:solidFill>
+              <a:schemeClr val="tx1"/>
+            </a:solidFill>
+          </a:ln>
+        </p:spPr>
+        <p:style>
+          <a:lnRef idx="1">
+            <a:schemeClr val="accent1"/>
+          </a:lnRef>
+          <a:fillRef idx="0">
+            <a:schemeClr val="accent1"/>
+          </a:fillRef>
+          <a:effectRef idx="0">
+            <a:schemeClr val="accent1"/>
+          </a:effectRef>
+          <a:fontRef idx="minor">
+            <a:schemeClr val="tx1"/>
+          </a:fontRef>
+        </p:style>
+      </p:cxnSp>
+      <p:sp>
+        <p:nvSpPr>
+          <p:cNvPr id="7" name="文本框 6">
+            <a:extLst>
+              <a:ext uri="{FF2B5EF4-FFF2-40B4-BE49-F238E27FC236}">
+                <a16:creationId xmlns:a16="http://schemas.microsoft.com/office/drawing/2014/main" id="{EFD5BCF4-897C-4328-ADA2-49371373F739}"/>
+              </a:ext>
+            </a:extLst>
+          </p:cNvPr>
+          <p:cNvSpPr txBox="1"/>
+          <p:nvPr/>
+        </p:nvSpPr>
+        <p:spPr>
+          <a:xfrm>
+            <a:off x="2963221" y="3280799"/>
+            <a:ext cx="1851789" cy="369332"/>
+          </a:xfrm>
+          <a:prstGeom prst="rect">
+            <a:avLst/>
+          </a:prstGeom>
+          <a:noFill/>
+        </p:spPr>
+        <p:txBody>
+          <a:bodyPr wrap="none" rtlCol="0">
+            <a:spAutoFit/>
+          </a:bodyPr>
+          <a:lstStyle/>
+          <a:p>
+            <a:r>
+              <a:rPr lang="en-US" altLang="zh-CN" dirty="0">
+                <a:latin typeface="Arial Unicode MS" panose="020B0604020202020204" pitchFamily="34" charset="-122"/>
+                <a:ea typeface="JetBrains Mono"/>
+              </a:rPr>
+              <a:t>c</a:t>
+            </a:r>
+            <a:r>
+              <a:rPr kumimoji="0" lang="en-US" altLang="zh-CN" sz="1800" b="0" i="0" u="none" strike="noStrike" cap="none" normalizeH="0" baseline="0" dirty="0">
+                <a:ln>
+                  <a:noFill/>
+                </a:ln>
+                <a:effectLst/>
+                <a:latin typeface="Arial Unicode MS" panose="020B0604020202020204" pitchFamily="34" charset="-122"/>
+                <a:ea typeface="JetBrains Mono"/>
+              </a:rPr>
+              <a:t>hoose(</a:t>
+            </a:r>
+            <a:r>
+              <a:rPr lang="en-US" altLang="zh-CN" dirty="0">
+                <a:solidFill>
+                  <a:schemeClr val="accent2"/>
+                </a:solidFill>
+                <a:latin typeface="Arial Unicode MS" panose="020B0604020202020204" pitchFamily="34" charset="-122"/>
+                <a:ea typeface="JetBrains Mono"/>
+              </a:rPr>
+              <a:t>request</a:t>
+            </a:r>
+            <a:r>
+              <a:rPr kumimoji="0" lang="en-US" altLang="zh-CN" sz="1800" b="0" i="0" u="none" strike="noStrike" cap="none" normalizeH="0" baseline="0" dirty="0">
+                <a:ln>
+                  <a:noFill/>
+                </a:ln>
+                <a:effectLst/>
+                <a:latin typeface="Arial Unicode MS" panose="020B0604020202020204" pitchFamily="34" charset="-122"/>
+                <a:ea typeface="JetBrains Mono"/>
+              </a:rPr>
+              <a:t>)</a:t>
+            </a:r>
+            <a:endParaRPr kumimoji="0" lang="zh-CN" altLang="zh-CN" sz="2400" b="0" i="0" u="none" strike="noStrike" cap="none" normalizeH="0" baseline="0" dirty="0">
+              <a:ln>
+                <a:noFill/>
+              </a:ln>
+              <a:effectLst/>
+              <a:latin typeface="Arial" panose="020B0604020202020204" pitchFamily="34" charset="0"/>
+            </a:endParaRPr>
+          </a:p>
+        </p:txBody>
+      </p:sp>
+      <p:sp>
+        <p:nvSpPr>
+          <p:cNvPr id="8" name="文本框 7">
+            <a:extLst>
+              <a:ext uri="{FF2B5EF4-FFF2-40B4-BE49-F238E27FC236}">
+                <a16:creationId xmlns:a16="http://schemas.microsoft.com/office/drawing/2014/main" id="{37578493-EFDD-4277-B3FC-9E98D4704F4A}"/>
+              </a:ext>
+            </a:extLst>
+          </p:cNvPr>
+          <p:cNvSpPr txBox="1"/>
+          <p:nvPr/>
+        </p:nvSpPr>
+        <p:spPr>
+          <a:xfrm>
+            <a:off x="3592286" y="2342785"/>
+            <a:ext cx="3363681" cy="646331"/>
+          </a:xfrm>
+          <a:prstGeom prst="rect">
+            <a:avLst/>
+          </a:prstGeom>
+          <a:noFill/>
+          <a:ln>
+            <a:solidFill>
+              <a:schemeClr val="tx1"/>
+            </a:solidFill>
+          </a:ln>
+        </p:spPr>
+        <p:txBody>
+          <a:bodyPr wrap="square">
+            <a:spAutoFit/>
+          </a:bodyPr>
+          <a:lstStyle>
+            <a:defPPr>
+              <a:defRPr lang="zh-CN"/>
+            </a:defPPr>
+            <a:lvl1pPr>
+              <a:defRPr kumimoji="0" b="0" i="0" u="none" strike="noStrike" cap="none" normalizeH="0" baseline="0">
+                <a:ln>
+                  <a:noFill/>
+                </a:ln>
+                <a:effectLst/>
+                <a:latin typeface="Arial Unicode MS" panose="020B0604020202020204" pitchFamily="34" charset="-122"/>
+                <a:ea typeface="JetBrains Mono"/>
+              </a:defRPr>
+            </a:lvl1pPr>
+          </a:lstStyle>
+          <a:p>
+            <a:r>
+              <a:rPr lang="zh-CN" altLang="zh-CN" dirty="0"/>
+              <a:t>ReactorServiceInstanceLoadBalancer</a:t>
+            </a:r>
+            <a:endParaRPr lang="zh-CN" altLang="en-US" dirty="0"/>
+          </a:p>
+        </p:txBody>
+      </p:sp>
+      <p:cxnSp>
+        <p:nvCxnSpPr>
+          <p:cNvPr id="9" name="直接连接符 8">
+            <a:extLst>
+              <a:ext uri="{FF2B5EF4-FFF2-40B4-BE49-F238E27FC236}">
+                <a16:creationId xmlns:a16="http://schemas.microsoft.com/office/drawing/2014/main" id="{B9E29B2A-15DE-415A-A14D-B68DC14FA7C6}"/>
+              </a:ext>
+            </a:extLst>
+          </p:cNvPr>
+          <p:cNvCxnSpPr>
+            <a:cxnSpLocks/>
+          </p:cNvCxnSpPr>
+          <p:nvPr/>
+        </p:nvCxnSpPr>
+        <p:spPr>
+          <a:xfrm>
+            <a:off x="5578186" y="2989116"/>
+            <a:ext cx="0" cy="2355770"/>
+          </a:xfrm>
+          <a:prstGeom prst="line">
+            <a:avLst/>
+          </a:prstGeom>
+          <a:ln>
+            <a:solidFill>
+              <a:schemeClr val="tx1"/>
+            </a:solidFill>
+          </a:ln>
+        </p:spPr>
+        <p:style>
+          <a:lnRef idx="1">
+            <a:schemeClr val="accent1"/>
+          </a:lnRef>
+          <a:fillRef idx="0">
+            <a:schemeClr val="accent1"/>
+          </a:fillRef>
+          <a:effectRef idx="0">
+            <a:schemeClr val="accent1"/>
+          </a:effectRef>
+          <a:fontRef idx="minor">
+            <a:schemeClr val="tx1"/>
+          </a:fontRef>
+        </p:style>
+      </p:cxnSp>
+      <p:grpSp>
+        <p:nvGrpSpPr>
+          <p:cNvPr id="10" name="组合 9">
+            <a:extLst>
+              <a:ext uri="{FF2B5EF4-FFF2-40B4-BE49-F238E27FC236}">
+                <a16:creationId xmlns:a16="http://schemas.microsoft.com/office/drawing/2014/main" id="{BD7808B8-CAB2-498A-9AD3-EFE7A3AF03E3}"/>
+              </a:ext>
+            </a:extLst>
+          </p:cNvPr>
+          <p:cNvGrpSpPr/>
+          <p:nvPr/>
+        </p:nvGrpSpPr>
+        <p:grpSpPr>
+          <a:xfrm rot="5400000">
+            <a:off x="5048979" y="2000712"/>
+            <a:ext cx="449160" cy="220664"/>
+            <a:chOff x="7147641" y="3582036"/>
+            <a:chExt cx="502377" cy="301329"/>
+          </a:xfrm>
+        </p:grpSpPr>
+        <p:cxnSp>
+          <p:nvCxnSpPr>
+            <p:cNvPr id="11" name="直接箭头连接符 10">
+              <a:extLst>
+                <a:ext uri="{FF2B5EF4-FFF2-40B4-BE49-F238E27FC236}">
+                  <a16:creationId xmlns:a16="http://schemas.microsoft.com/office/drawing/2014/main" id="{4BD14585-99C5-44E3-9DAA-118D41EBB65F}"/>
+                </a:ext>
+              </a:extLst>
+            </p:cNvPr>
+            <p:cNvCxnSpPr>
+              <a:cxnSpLocks/>
+              <a:endCxn id="12" idx="0"/>
+            </p:cNvCxnSpPr>
+            <p:nvPr/>
+          </p:nvCxnSpPr>
+          <p:spPr>
+            <a:xfrm rot="18621340">
+              <a:off x="7144414" y="3585263"/>
+              <a:ext cx="301329" cy="294876"/>
+            </a:xfrm>
+            <a:prstGeom prst="straightConnector1">
+              <a:avLst/>
+            </a:prstGeom>
+            <a:ln>
+              <a:headEnd type="none" w="med" len="med"/>
+              <a:tailEnd type="none" w="med" len="med"/>
+            </a:ln>
+          </p:spPr>
+          <p:style>
+            <a:lnRef idx="1">
+              <a:schemeClr val="accent1"/>
+            </a:lnRef>
+            <a:fillRef idx="0">
+              <a:schemeClr val="accent1"/>
+            </a:fillRef>
+            <a:effectRef idx="0">
+              <a:schemeClr val="accent1"/>
+            </a:effectRef>
+            <a:fontRef idx="minor">
+              <a:schemeClr val="tx1"/>
+            </a:fontRef>
+          </p:style>
+        </p:cxnSp>
+        <p:sp>
+          <p:nvSpPr>
+            <p:cNvPr id="12" name="流程图: 合并 11">
+              <a:extLst>
+                <a:ext uri="{FF2B5EF4-FFF2-40B4-BE49-F238E27FC236}">
+                  <a16:creationId xmlns:a16="http://schemas.microsoft.com/office/drawing/2014/main" id="{5C372643-F26C-42B5-8424-550518C0AA79}"/>
+                </a:ext>
+              </a:extLst>
+            </p:cNvPr>
+            <p:cNvSpPr/>
+            <p:nvPr/>
+          </p:nvSpPr>
+          <p:spPr>
+            <a:xfrm rot="16200000">
+              <a:off x="7455353" y="3653112"/>
+              <a:ext cx="226651" cy="162678"/>
+            </a:xfrm>
+            <a:prstGeom prst="flowChartMerge">
+              <a:avLst/>
+            </a:prstGeom>
+          </p:spPr>
+          <p:style>
+            <a:lnRef idx="2">
+              <a:schemeClr val="accent1">
+                <a:shade val="50000"/>
+              </a:schemeClr>
+            </a:lnRef>
+            <a:fillRef idx="1">
+              <a:schemeClr val="accent1"/>
+            </a:fillRef>
+            <a:effectRef idx="0">
+              <a:schemeClr val="accent1"/>
+            </a:effectRef>
+            <a:fontRef idx="minor">
+              <a:schemeClr val="lt1"/>
+            </a:fontRef>
+          </p:style>
+          <p:txBody>
+            <a:bodyPr rtlCol="0" anchor="ctr"/>
+            <a:lstStyle/>
+            <a:p>
+              <a:pPr algn="ctr"/>
+              <a:endParaRPr lang="zh-CN" altLang="en-US"/>
+            </a:p>
+          </p:txBody>
+        </p:sp>
+      </p:grpSp>
+      <p:sp>
+        <p:nvSpPr>
+          <p:cNvPr id="13" name="文本框 12">
+            <a:extLst>
+              <a:ext uri="{FF2B5EF4-FFF2-40B4-BE49-F238E27FC236}">
+                <a16:creationId xmlns:a16="http://schemas.microsoft.com/office/drawing/2014/main" id="{F9EA67C1-F520-4769-945E-E7CBA5A48BDE}"/>
+              </a:ext>
+            </a:extLst>
+          </p:cNvPr>
+          <p:cNvSpPr txBox="1"/>
+          <p:nvPr/>
+        </p:nvSpPr>
+        <p:spPr>
+          <a:xfrm>
+            <a:off x="3569411" y="1608858"/>
+            <a:ext cx="3359701" cy="369332"/>
+          </a:xfrm>
+          <a:prstGeom prst="rect">
+            <a:avLst/>
+          </a:prstGeom>
+          <a:noFill/>
+          <a:ln>
+            <a:solidFill>
+              <a:schemeClr val="tx1"/>
+            </a:solidFill>
+          </a:ln>
+        </p:spPr>
+        <p:txBody>
+          <a:bodyPr wrap="square">
+            <a:spAutoFit/>
+          </a:bodyPr>
+          <a:lstStyle>
+            <a:defPPr>
+              <a:defRPr lang="zh-CN"/>
+            </a:defPPr>
+            <a:lvl1pPr>
+              <a:defRPr kumimoji="0" b="0" i="0" u="none" strike="noStrike" cap="none" normalizeH="0" baseline="0">
+                <a:ln>
+                  <a:noFill/>
+                </a:ln>
+                <a:effectLst/>
+                <a:latin typeface="Arial Unicode MS" panose="020B0604020202020204" pitchFamily="34" charset="-122"/>
+                <a:ea typeface="JetBrains Mono"/>
+              </a:defRPr>
+            </a:lvl1pPr>
+          </a:lstStyle>
+          <a:p>
+            <a:r>
+              <a:rPr lang="en-US" altLang="zh-CN" dirty="0" err="1"/>
+              <a:t>RoundRobinLoadBalancer</a:t>
+            </a:r>
+            <a:endParaRPr lang="zh-CN" altLang="en-US" dirty="0"/>
+          </a:p>
+        </p:txBody>
+      </p:sp>
+      <p:cxnSp>
+        <p:nvCxnSpPr>
+          <p:cNvPr id="14" name="直接箭头连接符 13">
+            <a:extLst>
+              <a:ext uri="{FF2B5EF4-FFF2-40B4-BE49-F238E27FC236}">
+                <a16:creationId xmlns:a16="http://schemas.microsoft.com/office/drawing/2014/main" id="{B82EE2D8-BB60-49D6-9E29-8422857E1503}"/>
+              </a:ext>
+            </a:extLst>
+          </p:cNvPr>
+          <p:cNvCxnSpPr>
+            <a:cxnSpLocks/>
+          </p:cNvCxnSpPr>
+          <p:nvPr/>
+        </p:nvCxnSpPr>
+        <p:spPr>
+          <a:xfrm>
+            <a:off x="2110724" y="3623080"/>
+            <a:ext cx="3467462" cy="0"/>
           </a:xfrm>
           <a:prstGeom prst="straightConnector1">
             <a:avLst/>
           </a:prstGeom>
           <a:ln>
-            <a:prstDash val="dash"/>
+            <a:solidFill>
+              <a:schemeClr val="tx1"/>
+            </a:solidFill>
             <a:tailEnd type="triangle"/>
+          </a:ln>
+        </p:spPr>
+        <p:style>
+          <a:lnRef idx="1">
+            <a:schemeClr val="accent1"/>
+          </a:lnRef>
+          <a:fillRef idx="0">
+            <a:schemeClr val="accent1"/>
+          </a:fillRef>
+          <a:effectRef idx="0">
+            <a:schemeClr val="accent1"/>
+          </a:effectRef>
+          <a:fontRef idx="minor">
+            <a:schemeClr val="tx1"/>
+          </a:fontRef>
+        </p:style>
+      </p:cxnSp>
+      <p:sp>
+        <p:nvSpPr>
+          <p:cNvPr id="15" name="文本框 14">
+            <a:extLst>
+              <a:ext uri="{FF2B5EF4-FFF2-40B4-BE49-F238E27FC236}">
+                <a16:creationId xmlns:a16="http://schemas.microsoft.com/office/drawing/2014/main" id="{E81040EC-AA1C-4EF1-A2C9-3DDD24FDAB35}"/>
+              </a:ext>
+            </a:extLst>
+          </p:cNvPr>
+          <p:cNvSpPr txBox="1"/>
+          <p:nvPr/>
+        </p:nvSpPr>
+        <p:spPr>
+          <a:xfrm>
+            <a:off x="7499766" y="1966291"/>
+            <a:ext cx="3897571" cy="369332"/>
+          </a:xfrm>
+          <a:prstGeom prst="rect">
+            <a:avLst/>
+          </a:prstGeom>
+          <a:noFill/>
+          <a:ln>
+            <a:solidFill>
+              <a:schemeClr val="tx1"/>
+            </a:solidFill>
+          </a:ln>
+        </p:spPr>
+        <p:txBody>
+          <a:bodyPr wrap="square">
+            <a:spAutoFit/>
+          </a:bodyPr>
+          <a:lstStyle>
+            <a:defPPr>
+              <a:defRPr lang="zh-CN"/>
+            </a:defPPr>
+            <a:lvl1pPr>
+              <a:defRPr kumimoji="0" b="0" i="0" u="none" strike="noStrike" cap="none" normalizeH="0" baseline="0">
+                <a:ln>
+                  <a:noFill/>
+                </a:ln>
+                <a:effectLst/>
+                <a:latin typeface="Arial Unicode MS" panose="020B0604020202020204" pitchFamily="34" charset="-122"/>
+                <a:ea typeface="JetBrains Mono"/>
+              </a:defRPr>
+            </a:lvl1pPr>
+          </a:lstStyle>
+          <a:p>
+            <a:r>
+              <a:rPr lang="en-US" altLang="zh-CN" dirty="0" err="1"/>
+              <a:t>ServiceInstanceListSupplierProvider</a:t>
+            </a:r>
+            <a:endParaRPr lang="zh-CN" altLang="en-US" dirty="0"/>
+          </a:p>
+        </p:txBody>
+      </p:sp>
+      <p:cxnSp>
+        <p:nvCxnSpPr>
+          <p:cNvPr id="16" name="直接连接符 15">
+            <a:extLst>
+              <a:ext uri="{FF2B5EF4-FFF2-40B4-BE49-F238E27FC236}">
+                <a16:creationId xmlns:a16="http://schemas.microsoft.com/office/drawing/2014/main" id="{A2201F5B-141E-4587-AC1E-8C24C04BB6FC}"/>
+              </a:ext>
+            </a:extLst>
+          </p:cNvPr>
+          <p:cNvCxnSpPr>
+            <a:cxnSpLocks/>
+          </p:cNvCxnSpPr>
+          <p:nvPr/>
+        </p:nvCxnSpPr>
+        <p:spPr>
+          <a:xfrm>
+            <a:off x="9448551" y="2335623"/>
+            <a:ext cx="0" cy="2519406"/>
+          </a:xfrm>
+          <a:prstGeom prst="line">
+            <a:avLst/>
+          </a:prstGeom>
+          <a:ln>
+            <a:solidFill>
+              <a:schemeClr val="tx1"/>
+            </a:solidFill>
           </a:ln>
         </p:spPr>
         <p:style>
@@ -6847,10 +9614,10 @@
       </p:cxnSp>
       <p:cxnSp>
         <p:nvCxnSpPr>
-          <p:cNvPr id="9" name="直接箭头连接符 8">
-            <a:extLst>
-              <a:ext uri="{FF2B5EF4-FFF2-40B4-BE49-F238E27FC236}">
-                <a16:creationId xmlns:a16="http://schemas.microsoft.com/office/drawing/2014/main" id="{08A4426F-FDAF-419A-BBAC-9BBF0BF39A87}"/>
+          <p:cNvPr id="17" name="直接箭头连接符 16">
+            <a:extLst>
+              <a:ext uri="{FF2B5EF4-FFF2-40B4-BE49-F238E27FC236}">
+                <a16:creationId xmlns:a16="http://schemas.microsoft.com/office/drawing/2014/main" id="{1E6B60AD-6ECC-4AD6-9790-D3466ECAD2C1}"/>
               </a:ext>
             </a:extLst>
           </p:cNvPr>
@@ -6861,14 +9628,16 @@
         </p:nvCxnSpPr>
         <p:spPr>
           <a:xfrm>
-            <a:off x="6755130" y="1943100"/>
-            <a:ext cx="0" cy="789183"/>
+            <a:off x="5578186" y="3941683"/>
+            <a:ext cx="3870365" cy="0"/>
           </a:xfrm>
           <a:prstGeom prst="straightConnector1">
             <a:avLst/>
           </a:prstGeom>
           <a:ln>
-            <a:prstDash val="dash"/>
+            <a:solidFill>
+              <a:schemeClr val="tx1"/>
+            </a:solidFill>
             <a:tailEnd type="triangle"/>
           </a:ln>
         </p:spPr>
@@ -6887,10 +9656,325 @@
           </a:fontRef>
         </p:style>
       </p:cxnSp>
+      <p:sp>
+        <p:nvSpPr>
+          <p:cNvPr id="19" name="文本框 18">
+            <a:extLst>
+              <a:ext uri="{FF2B5EF4-FFF2-40B4-BE49-F238E27FC236}">
+                <a16:creationId xmlns:a16="http://schemas.microsoft.com/office/drawing/2014/main" id="{CDF529ED-4F25-4005-ABA6-C96E5A478DE9}"/>
+              </a:ext>
+            </a:extLst>
+          </p:cNvPr>
+          <p:cNvSpPr txBox="1"/>
+          <p:nvPr/>
+        </p:nvSpPr>
+        <p:spPr>
+          <a:xfrm>
+            <a:off x="6541707" y="3557824"/>
+            <a:ext cx="505267" cy="369332"/>
+          </a:xfrm>
+          <a:prstGeom prst="rect">
+            <a:avLst/>
+          </a:prstGeom>
+          <a:noFill/>
+        </p:spPr>
+        <p:txBody>
+          <a:bodyPr wrap="none" rtlCol="0">
+            <a:spAutoFit/>
+          </a:bodyPr>
+          <a:lstStyle/>
+          <a:p>
+            <a:r>
+              <a:rPr lang="en-US" altLang="zh-CN" dirty="0">
+                <a:latin typeface="Arial Unicode MS" panose="020B0604020202020204" pitchFamily="34" charset="-122"/>
+              </a:rPr>
+              <a:t>get</a:t>
+            </a:r>
+            <a:endParaRPr kumimoji="0" lang="zh-CN" altLang="zh-CN" sz="2400" b="0" i="0" u="none" strike="noStrike" cap="none" normalizeH="0" baseline="0" dirty="0">
+              <a:ln>
+                <a:noFill/>
+              </a:ln>
+              <a:effectLst/>
+              <a:latin typeface="Arial" panose="020B0604020202020204" pitchFamily="34" charset="0"/>
+            </a:endParaRPr>
+          </a:p>
+        </p:txBody>
+      </p:sp>
+      <p:sp>
+        <p:nvSpPr>
+          <p:cNvPr id="22" name="文本框 21">
+            <a:extLst>
+              <a:ext uri="{FF2B5EF4-FFF2-40B4-BE49-F238E27FC236}">
+                <a16:creationId xmlns:a16="http://schemas.microsoft.com/office/drawing/2014/main" id="{47C321EC-9A4F-4BEE-AF65-5D8871B80B79}"/>
+              </a:ext>
+            </a:extLst>
+          </p:cNvPr>
+          <p:cNvSpPr txBox="1"/>
+          <p:nvPr/>
+        </p:nvSpPr>
+        <p:spPr>
+          <a:xfrm>
+            <a:off x="6206389" y="4706268"/>
+            <a:ext cx="2416046" cy="369332"/>
+          </a:xfrm>
+          <a:prstGeom prst="rect">
+            <a:avLst/>
+          </a:prstGeom>
+          <a:noFill/>
+        </p:spPr>
+        <p:txBody>
+          <a:bodyPr wrap="none" rtlCol="0">
+            <a:spAutoFit/>
+          </a:bodyPr>
+          <a:lstStyle>
+            <a:defPPr>
+              <a:defRPr lang="zh-CN"/>
+            </a:defPPr>
+            <a:lvl1pPr>
+              <a:defRPr>
+                <a:latin typeface="Arial Unicode MS" panose="020B0604020202020204" pitchFamily="34" charset="-122"/>
+              </a:defRPr>
+            </a:lvl1pPr>
+          </a:lstStyle>
+          <a:p>
+            <a:r>
+              <a:rPr lang="zh-CN" altLang="zh-CN" dirty="0"/>
+              <a:t>getInstanceResponse</a:t>
+            </a:r>
+          </a:p>
+        </p:txBody>
+      </p:sp>
+      <p:cxnSp>
+        <p:nvCxnSpPr>
+          <p:cNvPr id="25" name="连接符: 肘形 24">
+            <a:extLst>
+              <a:ext uri="{FF2B5EF4-FFF2-40B4-BE49-F238E27FC236}">
+                <a16:creationId xmlns:a16="http://schemas.microsoft.com/office/drawing/2014/main" id="{A6D0268A-40E6-4D3A-A4CA-C04D5E0731D1}"/>
+              </a:ext>
+            </a:extLst>
+          </p:cNvPr>
+          <p:cNvCxnSpPr>
+            <a:cxnSpLocks/>
+            <a:stCxn id="31" idx="6"/>
+            <a:endCxn id="28" idx="6"/>
+          </p:cNvCxnSpPr>
+          <p:nvPr/>
+        </p:nvCxnSpPr>
+        <p:spPr>
+          <a:xfrm>
+            <a:off x="5776100" y="4706269"/>
+            <a:ext cx="12700" cy="393877"/>
+          </a:xfrm>
+          <a:prstGeom prst="bentConnector3">
+            <a:avLst>
+              <a:gd name="adj1" fmla="val 3342858"/>
+            </a:avLst>
+          </a:prstGeom>
+          <a:ln>
+            <a:tailEnd type="triangle"/>
+          </a:ln>
+        </p:spPr>
+        <p:style>
+          <a:lnRef idx="1">
+            <a:schemeClr val="accent1"/>
+          </a:lnRef>
+          <a:fillRef idx="0">
+            <a:schemeClr val="accent1"/>
+          </a:fillRef>
+          <a:effectRef idx="0">
+            <a:schemeClr val="accent1"/>
+          </a:effectRef>
+          <a:fontRef idx="minor">
+            <a:schemeClr val="tx1"/>
+          </a:fontRef>
+        </p:style>
+      </p:cxnSp>
+      <p:sp>
+        <p:nvSpPr>
+          <p:cNvPr id="28" name="椭圆 27">
+            <a:extLst>
+              <a:ext uri="{FF2B5EF4-FFF2-40B4-BE49-F238E27FC236}">
+                <a16:creationId xmlns:a16="http://schemas.microsoft.com/office/drawing/2014/main" id="{D4BA2190-152C-4C82-B08E-2071BCACF3D5}"/>
+              </a:ext>
+            </a:extLst>
+          </p:cNvPr>
+          <p:cNvSpPr/>
+          <p:nvPr/>
+        </p:nvSpPr>
+        <p:spPr>
+          <a:xfrm>
+            <a:off x="5605393" y="5038819"/>
+            <a:ext cx="170707" cy="122653"/>
+          </a:xfrm>
+          <a:prstGeom prst="ellipse">
+            <a:avLst/>
+          </a:prstGeom>
+        </p:spPr>
+        <p:style>
+          <a:lnRef idx="2">
+            <a:schemeClr val="accent1">
+              <a:shade val="50000"/>
+            </a:schemeClr>
+          </a:lnRef>
+          <a:fillRef idx="1">
+            <a:schemeClr val="accent1"/>
+          </a:fillRef>
+          <a:effectRef idx="0">
+            <a:schemeClr val="accent1"/>
+          </a:effectRef>
+          <a:fontRef idx="minor">
+            <a:schemeClr val="lt1"/>
+          </a:fontRef>
+        </p:style>
+        <p:txBody>
+          <a:bodyPr rtlCol="0" anchor="ctr"/>
+          <a:lstStyle/>
+          <a:p>
+            <a:pPr algn="ctr"/>
+            <a:endParaRPr lang="zh-CN" altLang="en-US"/>
+          </a:p>
+        </p:txBody>
+      </p:sp>
+      <p:sp>
+        <p:nvSpPr>
+          <p:cNvPr id="31" name="椭圆 30">
+            <a:extLst>
+              <a:ext uri="{FF2B5EF4-FFF2-40B4-BE49-F238E27FC236}">
+                <a16:creationId xmlns:a16="http://schemas.microsoft.com/office/drawing/2014/main" id="{1DC3EB0E-D7BF-4E85-8A34-63E83C86CEE3}"/>
+              </a:ext>
+            </a:extLst>
+          </p:cNvPr>
+          <p:cNvSpPr/>
+          <p:nvPr/>
+        </p:nvSpPr>
+        <p:spPr>
+          <a:xfrm>
+            <a:off x="5605393" y="4644942"/>
+            <a:ext cx="170707" cy="122653"/>
+          </a:xfrm>
+          <a:prstGeom prst="ellipse">
+            <a:avLst/>
+          </a:prstGeom>
+        </p:spPr>
+        <p:style>
+          <a:lnRef idx="2">
+            <a:schemeClr val="accent1">
+              <a:shade val="50000"/>
+            </a:schemeClr>
+          </a:lnRef>
+          <a:fillRef idx="1">
+            <a:schemeClr val="accent1"/>
+          </a:fillRef>
+          <a:effectRef idx="0">
+            <a:schemeClr val="accent1"/>
+          </a:effectRef>
+          <a:fontRef idx="minor">
+            <a:schemeClr val="lt1"/>
+          </a:fontRef>
+        </p:style>
+        <p:txBody>
+          <a:bodyPr rtlCol="0" anchor="ctr"/>
+          <a:lstStyle/>
+          <a:p>
+            <a:pPr algn="ctr"/>
+            <a:endParaRPr lang="zh-CN" altLang="en-US"/>
+          </a:p>
+        </p:txBody>
+      </p:sp>
+      <p:sp>
+        <p:nvSpPr>
+          <p:cNvPr id="35" name="文本框 34">
+            <a:extLst>
+              <a:ext uri="{FF2B5EF4-FFF2-40B4-BE49-F238E27FC236}">
+                <a16:creationId xmlns:a16="http://schemas.microsoft.com/office/drawing/2014/main" id="{F125383C-D1CD-42AB-A9A7-05F903A507EF}"/>
+              </a:ext>
+            </a:extLst>
+          </p:cNvPr>
+          <p:cNvSpPr txBox="1"/>
+          <p:nvPr/>
+        </p:nvSpPr>
+        <p:spPr>
+          <a:xfrm>
+            <a:off x="7271674" y="5100145"/>
+            <a:ext cx="817751" cy="276999"/>
+          </a:xfrm>
+          <a:prstGeom prst="rect">
+            <a:avLst/>
+          </a:prstGeom>
+          <a:noFill/>
+        </p:spPr>
+        <p:txBody>
+          <a:bodyPr wrap="square">
+            <a:spAutoFit/>
+          </a:bodyPr>
+          <a:lstStyle>
+            <a:defPPr>
+              <a:defRPr lang="zh-CN"/>
+            </a:defPPr>
+            <a:lvl1pPr>
+              <a:defRPr sz="1200"/>
+            </a:lvl1pPr>
+          </a:lstStyle>
+          <a:p>
+            <a:r>
+              <a:rPr lang="zh-CN" altLang="en-US" dirty="0"/>
+              <a:t>轮询</a:t>
+            </a:r>
+            <a:endParaRPr lang="en-US" altLang="zh-CN" dirty="0">
+              <a:solidFill>
+                <a:srgbClr val="FF0000"/>
+              </a:solidFill>
+            </a:endParaRPr>
+          </a:p>
+        </p:txBody>
+      </p:sp>
+      <p:sp>
+        <p:nvSpPr>
+          <p:cNvPr id="36" name="文本框 35">
+            <a:extLst>
+              <a:ext uri="{FF2B5EF4-FFF2-40B4-BE49-F238E27FC236}">
+                <a16:creationId xmlns:a16="http://schemas.microsoft.com/office/drawing/2014/main" id="{44F2B4C9-6298-4C80-8FD6-D3406864EBAF}"/>
+              </a:ext>
+            </a:extLst>
+          </p:cNvPr>
+          <p:cNvSpPr txBox="1"/>
+          <p:nvPr/>
+        </p:nvSpPr>
+        <p:spPr>
+          <a:xfrm>
+            <a:off x="3685169" y="3700481"/>
+            <a:ext cx="817751" cy="276999"/>
+          </a:xfrm>
+          <a:prstGeom prst="rect">
+            <a:avLst/>
+          </a:prstGeom>
+          <a:noFill/>
+        </p:spPr>
+        <p:txBody>
+          <a:bodyPr wrap="square">
+            <a:spAutoFit/>
+          </a:bodyPr>
+          <a:lstStyle>
+            <a:defPPr>
+              <a:defRPr lang="zh-CN"/>
+            </a:defPPr>
+            <a:lvl1pPr>
+              <a:defRPr sz="1200"/>
+            </a:lvl1pPr>
+          </a:lstStyle>
+          <a:p>
+            <a:r>
+              <a:rPr lang="zh-CN" altLang="en-US"/>
+              <a:t>接上页</a:t>
+            </a:r>
+            <a:endParaRPr lang="en-US" altLang="zh-CN" dirty="0"/>
+          </a:p>
+        </p:txBody>
+      </p:sp>
     </p:spTree>
     <p:extLst>
       <p:ext uri="{BB962C8B-B14F-4D97-AF65-F5344CB8AC3E}">
-        <p14:creationId xmlns:p14="http://schemas.microsoft.com/office/powerpoint/2010/main" val="3618758023"/>
+        <p14:creationId xmlns:p14="http://schemas.microsoft.com/office/powerpoint/2010/main" val="512487423"/>
       </p:ext>
     </p:extLst>
   </p:cSld>
@@ -7595,737 +10679,6 @@
     <p:extLst>
       <p:ext uri="{BB962C8B-B14F-4D97-AF65-F5344CB8AC3E}">
         <p14:creationId xmlns:p14="http://schemas.microsoft.com/office/powerpoint/2010/main" val="139248706"/>
-      </p:ext>
-    </p:extLst>
-  </p:cSld>
-  <p:clrMapOvr>
-    <a:masterClrMapping/>
-  </p:clrMapOvr>
-</p:sld>
-</file>
-
-<file path=ppt/slides/slide6.xml><?xml version="1.0" encoding="utf-8"?>
-<p:sld xmlns:a="http://schemas.openxmlformats.org/drawingml/2006/main" xmlns:r="http://schemas.openxmlformats.org/officeDocument/2006/relationships" xmlns:p="http://schemas.openxmlformats.org/presentationml/2006/main">
-  <p:cSld>
-    <p:spTree>
-      <p:nvGrpSpPr>
-        <p:cNvPr id="1" name=""/>
-        <p:cNvGrpSpPr/>
-        <p:nvPr/>
-      </p:nvGrpSpPr>
-      <p:grpSpPr>
-        <a:xfrm>
-          <a:off x="0" y="0"/>
-          <a:ext cx="0" cy="0"/>
-          <a:chOff x="0" y="0"/>
-          <a:chExt cx="0" cy="0"/>
-        </a:xfrm>
-      </p:grpSpPr>
-      <p:sp>
-        <p:nvSpPr>
-          <p:cNvPr id="5" name="文本框 4">
-            <a:extLst>
-              <a:ext uri="{FF2B5EF4-FFF2-40B4-BE49-F238E27FC236}">
-                <a16:creationId xmlns:a16="http://schemas.microsoft.com/office/drawing/2014/main" id="{7BCD1063-115A-4E35-B591-480A56E8228B}"/>
-              </a:ext>
-            </a:extLst>
-          </p:cNvPr>
-          <p:cNvSpPr txBox="1"/>
-          <p:nvPr/>
-        </p:nvSpPr>
-        <p:spPr>
-          <a:xfrm>
-            <a:off x="5486401" y="2750902"/>
-            <a:ext cx="6160770" cy="1477328"/>
-          </a:xfrm>
-          <a:prstGeom prst="rect">
-            <a:avLst/>
-          </a:prstGeom>
-          <a:noFill/>
-        </p:spPr>
-        <p:txBody>
-          <a:bodyPr wrap="square">
-            <a:spAutoFit/>
-          </a:bodyPr>
-          <a:lstStyle>
-            <a:defPPr>
-              <a:defRPr lang="zh-CN"/>
-            </a:defPPr>
-            <a:lvl1pPr>
-              <a:defRPr kumimoji="0" b="0" i="0" u="none" strike="noStrike" cap="none" normalizeH="0" baseline="0">
-                <a:ln>
-                  <a:noFill/>
-                </a:ln>
-                <a:solidFill>
-                  <a:srgbClr val="A9B7C6"/>
-                </a:solidFill>
-                <a:effectLst/>
-                <a:latin typeface="Arial Unicode MS" panose="020B0604020202020204" pitchFamily="34" charset="-122"/>
-                <a:ea typeface="JetBrains Mono"/>
-              </a:defRPr>
-            </a:lvl1pPr>
-          </a:lstStyle>
-          <a:p>
-            <a:r>
-              <a:rPr lang="en-US" altLang="zh-CN" dirty="0" err="1"/>
-              <a:t>RoundRobinLoadBalancer.chose</a:t>
-            </a:r>
-            <a:r>
-              <a:rPr lang="en-US" altLang="zh-CN" dirty="0"/>
-              <a:t>(request)</a:t>
-            </a:r>
-          </a:p>
-          <a:p>
-            <a:endParaRPr lang="en-US" altLang="zh-CN" dirty="0"/>
-          </a:p>
-          <a:p>
-            <a:r>
-              <a:rPr lang="en-US" altLang="zh-CN" dirty="0"/>
-              <a:t>Super: </a:t>
-            </a:r>
-            <a:r>
-              <a:rPr lang="en-US" altLang="zh-CN" dirty="0" err="1"/>
-              <a:t>ReactorServiceInstanceLoadBalancer</a:t>
-            </a:r>
-            <a:endParaRPr lang="zh-CN" altLang="en-US" dirty="0"/>
-          </a:p>
-          <a:p>
-            <a:r>
-              <a:rPr lang="en-US" altLang="zh-CN" dirty="0"/>
-              <a:t> </a:t>
-            </a:r>
-          </a:p>
-          <a:p>
-            <a:endParaRPr lang="zh-CN" altLang="en-US" dirty="0"/>
-          </a:p>
-        </p:txBody>
-      </p:sp>
-      <p:sp>
-        <p:nvSpPr>
-          <p:cNvPr id="8" name="文本框 7">
-            <a:extLst>
-              <a:ext uri="{FF2B5EF4-FFF2-40B4-BE49-F238E27FC236}">
-                <a16:creationId xmlns:a16="http://schemas.microsoft.com/office/drawing/2014/main" id="{91B6BEED-E64F-4C73-AC39-BB7CD292452B}"/>
-              </a:ext>
-            </a:extLst>
-          </p:cNvPr>
-          <p:cNvSpPr txBox="1"/>
-          <p:nvPr/>
-        </p:nvSpPr>
-        <p:spPr>
-          <a:xfrm>
-            <a:off x="639537" y="1247768"/>
-            <a:ext cx="6101442" cy="369332"/>
-          </a:xfrm>
-          <a:prstGeom prst="rect">
-            <a:avLst/>
-          </a:prstGeom>
-        </p:spPr>
-        <p:txBody>
-          <a:bodyPr wrap="square">
-            <a:spAutoFit/>
-          </a:bodyPr>
-          <a:lstStyle/>
-          <a:p>
-            <a:r>
-              <a:rPr lang="en-US" altLang="zh-CN" dirty="0" err="1">
-                <a:solidFill>
-                  <a:srgbClr val="A9B7C6"/>
-                </a:solidFill>
-                <a:latin typeface="Arial Unicode MS" panose="020B0604020202020204" pitchFamily="34" charset="-122"/>
-              </a:rPr>
-              <a:t>ReactiveLoadBalancerClientFilter</a:t>
-            </a:r>
-            <a:endParaRPr lang="zh-CN" altLang="en-US" dirty="0">
-              <a:solidFill>
-                <a:srgbClr val="A9B7C6"/>
-              </a:solidFill>
-              <a:latin typeface="Arial Unicode MS" panose="020B0604020202020204" pitchFamily="34" charset="-122"/>
-            </a:endParaRPr>
-          </a:p>
-        </p:txBody>
-      </p:sp>
-      <p:sp>
-        <p:nvSpPr>
-          <p:cNvPr id="10" name="文本框 9">
-            <a:extLst>
-              <a:ext uri="{FF2B5EF4-FFF2-40B4-BE49-F238E27FC236}">
-                <a16:creationId xmlns:a16="http://schemas.microsoft.com/office/drawing/2014/main" id="{DFBDE10F-03F2-4712-B60A-E3A9BEDA98F2}"/>
-              </a:ext>
-            </a:extLst>
-          </p:cNvPr>
-          <p:cNvSpPr txBox="1"/>
-          <p:nvPr/>
-        </p:nvSpPr>
-        <p:spPr>
-          <a:xfrm>
-            <a:off x="3377292" y="1975638"/>
-            <a:ext cx="6101442" cy="369332"/>
-          </a:xfrm>
-          <a:prstGeom prst="rect">
-            <a:avLst/>
-          </a:prstGeom>
-        </p:spPr>
-        <p:txBody>
-          <a:bodyPr wrap="square">
-            <a:spAutoFit/>
-          </a:bodyPr>
-          <a:lstStyle>
-            <a:defPPr>
-              <a:defRPr lang="zh-CN"/>
-            </a:defPPr>
-            <a:lvl1pPr>
-              <a:defRPr>
-                <a:solidFill>
-                  <a:srgbClr val="A9B7C6"/>
-                </a:solidFill>
-                <a:latin typeface="Arial Unicode MS" panose="020B0604020202020204" pitchFamily="34" charset="-122"/>
-              </a:defRPr>
-            </a:lvl1pPr>
-          </a:lstStyle>
-          <a:p>
-            <a:r>
-              <a:rPr lang="en-US" altLang="zh-CN" dirty="0" err="1"/>
-              <a:t>LoadBalancerClientFactory.getInstance</a:t>
-            </a:r>
-            <a:endParaRPr lang="zh-CN" altLang="en-US" dirty="0"/>
-          </a:p>
-        </p:txBody>
-      </p:sp>
-      <p:cxnSp>
-        <p:nvCxnSpPr>
-          <p:cNvPr id="12" name="直接连接符 11">
-            <a:extLst>
-              <a:ext uri="{FF2B5EF4-FFF2-40B4-BE49-F238E27FC236}">
-                <a16:creationId xmlns:a16="http://schemas.microsoft.com/office/drawing/2014/main" id="{B9276BD3-D8F8-475D-82F5-93F8655BC4E7}"/>
-              </a:ext>
-            </a:extLst>
-          </p:cNvPr>
-          <p:cNvCxnSpPr/>
-          <p:nvPr/>
-        </p:nvCxnSpPr>
-        <p:spPr>
-          <a:xfrm>
-            <a:off x="1992086" y="1698171"/>
-            <a:ext cx="0" cy="4245429"/>
-          </a:xfrm>
-          <a:prstGeom prst="line">
-            <a:avLst/>
-          </a:prstGeom>
-        </p:spPr>
-        <p:style>
-          <a:lnRef idx="1">
-            <a:schemeClr val="accent1"/>
-          </a:lnRef>
-          <a:fillRef idx="0">
-            <a:schemeClr val="accent1"/>
-          </a:fillRef>
-          <a:effectRef idx="0">
-            <a:schemeClr val="accent1"/>
-          </a:effectRef>
-          <a:fontRef idx="minor">
-            <a:schemeClr val="tx1"/>
-          </a:fontRef>
-        </p:style>
-      </p:cxnSp>
-      <p:cxnSp>
-        <p:nvCxnSpPr>
-          <p:cNvPr id="14" name="直接箭头连接符 13">
-            <a:extLst>
-              <a:ext uri="{FF2B5EF4-FFF2-40B4-BE49-F238E27FC236}">
-                <a16:creationId xmlns:a16="http://schemas.microsoft.com/office/drawing/2014/main" id="{F9D799DF-D29D-4A11-B48B-83EB7A2E1AC0}"/>
-              </a:ext>
-            </a:extLst>
-          </p:cNvPr>
-          <p:cNvCxnSpPr>
-            <a:cxnSpLocks/>
-          </p:cNvCxnSpPr>
-          <p:nvPr/>
-        </p:nvCxnSpPr>
-        <p:spPr>
-          <a:xfrm>
-            <a:off x="2060122" y="2728111"/>
-            <a:ext cx="2623457" cy="0"/>
-          </a:xfrm>
-          <a:prstGeom prst="straightConnector1">
-            <a:avLst/>
-          </a:prstGeom>
-          <a:ln>
-            <a:tailEnd type="triangle"/>
-          </a:ln>
-        </p:spPr>
-        <p:style>
-          <a:lnRef idx="1">
-            <a:schemeClr val="accent1"/>
-          </a:lnRef>
-          <a:fillRef idx="0">
-            <a:schemeClr val="accent1"/>
-          </a:fillRef>
-          <a:effectRef idx="0">
-            <a:schemeClr val="accent1"/>
-          </a:effectRef>
-          <a:fontRef idx="minor">
-            <a:schemeClr val="tx1"/>
-          </a:fontRef>
-        </p:style>
-      </p:cxnSp>
-      <p:cxnSp>
-        <p:nvCxnSpPr>
-          <p:cNvPr id="16" name="直接箭头连接符 15">
-            <a:extLst>
-              <a:ext uri="{FF2B5EF4-FFF2-40B4-BE49-F238E27FC236}">
-                <a16:creationId xmlns:a16="http://schemas.microsoft.com/office/drawing/2014/main" id="{19A26D8A-E8BF-4996-BF30-9B643CBCF726}"/>
-              </a:ext>
-            </a:extLst>
-          </p:cNvPr>
-          <p:cNvCxnSpPr>
-            <a:cxnSpLocks/>
-          </p:cNvCxnSpPr>
-          <p:nvPr/>
-        </p:nvCxnSpPr>
-        <p:spPr>
-          <a:xfrm>
-            <a:off x="2073729" y="4452258"/>
-            <a:ext cx="5666013" cy="0"/>
-          </a:xfrm>
-          <a:prstGeom prst="straightConnector1">
-            <a:avLst/>
-          </a:prstGeom>
-          <a:ln>
-            <a:tailEnd type="triangle"/>
-          </a:ln>
-        </p:spPr>
-        <p:style>
-          <a:lnRef idx="1">
-            <a:schemeClr val="accent1"/>
-          </a:lnRef>
-          <a:fillRef idx="0">
-            <a:schemeClr val="accent1"/>
-          </a:fillRef>
-          <a:effectRef idx="0">
-            <a:schemeClr val="accent1"/>
-          </a:effectRef>
-          <a:fontRef idx="minor">
-            <a:schemeClr val="tx1"/>
-          </a:fontRef>
-        </p:style>
-      </p:cxnSp>
-      <p:cxnSp>
-        <p:nvCxnSpPr>
-          <p:cNvPr id="17" name="直接连接符 16">
-            <a:extLst>
-              <a:ext uri="{FF2B5EF4-FFF2-40B4-BE49-F238E27FC236}">
-                <a16:creationId xmlns:a16="http://schemas.microsoft.com/office/drawing/2014/main" id="{53E80329-9D79-4C88-9CB9-170B4E74AE62}"/>
-              </a:ext>
-            </a:extLst>
-          </p:cNvPr>
-          <p:cNvCxnSpPr>
-            <a:cxnSpLocks/>
-          </p:cNvCxnSpPr>
-          <p:nvPr/>
-        </p:nvCxnSpPr>
-        <p:spPr>
-          <a:xfrm>
-            <a:off x="7739742" y="3668487"/>
-            <a:ext cx="0" cy="2960914"/>
-          </a:xfrm>
-          <a:prstGeom prst="line">
-            <a:avLst/>
-          </a:prstGeom>
-        </p:spPr>
-        <p:style>
-          <a:lnRef idx="1">
-            <a:schemeClr val="accent1"/>
-          </a:lnRef>
-          <a:fillRef idx="0">
-            <a:schemeClr val="accent1"/>
-          </a:fillRef>
-          <a:effectRef idx="0">
-            <a:schemeClr val="accent1"/>
-          </a:effectRef>
-          <a:fontRef idx="minor">
-            <a:schemeClr val="tx1"/>
-          </a:fontRef>
-        </p:style>
-      </p:cxnSp>
-      <p:cxnSp>
-        <p:nvCxnSpPr>
-          <p:cNvPr id="20" name="直接连接符 19">
-            <a:extLst>
-              <a:ext uri="{FF2B5EF4-FFF2-40B4-BE49-F238E27FC236}">
-                <a16:creationId xmlns:a16="http://schemas.microsoft.com/office/drawing/2014/main" id="{20A1D71D-0994-4E8A-96B2-357D2B7DFC5E}"/>
-              </a:ext>
-            </a:extLst>
-          </p:cNvPr>
-          <p:cNvCxnSpPr/>
-          <p:nvPr/>
-        </p:nvCxnSpPr>
-        <p:spPr>
-          <a:xfrm>
-            <a:off x="4615543" y="2329543"/>
-            <a:ext cx="0" cy="4245429"/>
-          </a:xfrm>
-          <a:prstGeom prst="line">
-            <a:avLst/>
-          </a:prstGeom>
-        </p:spPr>
-        <p:style>
-          <a:lnRef idx="1">
-            <a:schemeClr val="accent1"/>
-          </a:lnRef>
-          <a:fillRef idx="0">
-            <a:schemeClr val="accent1"/>
-          </a:fillRef>
-          <a:effectRef idx="0">
-            <a:schemeClr val="accent1"/>
-          </a:effectRef>
-          <a:fontRef idx="minor">
-            <a:schemeClr val="tx1"/>
-          </a:fontRef>
-        </p:style>
-      </p:cxnSp>
-      <p:cxnSp>
-        <p:nvCxnSpPr>
-          <p:cNvPr id="22" name="直接箭头连接符 21">
-            <a:extLst>
-              <a:ext uri="{FF2B5EF4-FFF2-40B4-BE49-F238E27FC236}">
-                <a16:creationId xmlns:a16="http://schemas.microsoft.com/office/drawing/2014/main" id="{13852366-0089-467C-AD6B-486DEC775A89}"/>
-              </a:ext>
-            </a:extLst>
-          </p:cNvPr>
-          <p:cNvCxnSpPr>
-            <a:cxnSpLocks/>
-          </p:cNvCxnSpPr>
-          <p:nvPr/>
-        </p:nvCxnSpPr>
-        <p:spPr>
-          <a:xfrm flipH="1">
-            <a:off x="2209799" y="2982686"/>
-            <a:ext cx="2324102" cy="0"/>
-          </a:xfrm>
-          <a:prstGeom prst="straightConnector1">
-            <a:avLst/>
-          </a:prstGeom>
-          <a:ln>
-            <a:tailEnd type="triangle"/>
-          </a:ln>
-        </p:spPr>
-        <p:style>
-          <a:lnRef idx="1">
-            <a:schemeClr val="accent1"/>
-          </a:lnRef>
-          <a:fillRef idx="0">
-            <a:schemeClr val="accent1"/>
-          </a:fillRef>
-          <a:effectRef idx="0">
-            <a:schemeClr val="accent1"/>
-          </a:effectRef>
-          <a:fontRef idx="minor">
-            <a:schemeClr val="tx1"/>
-          </a:fontRef>
-        </p:style>
-      </p:cxnSp>
-      <p:sp>
-        <p:nvSpPr>
-          <p:cNvPr id="27" name="文本框 26">
-            <a:extLst>
-              <a:ext uri="{FF2B5EF4-FFF2-40B4-BE49-F238E27FC236}">
-                <a16:creationId xmlns:a16="http://schemas.microsoft.com/office/drawing/2014/main" id="{806CFE93-C1A4-4E03-99C8-05C483C73773}"/>
-              </a:ext>
-            </a:extLst>
-          </p:cNvPr>
-          <p:cNvSpPr txBox="1"/>
-          <p:nvPr/>
-        </p:nvSpPr>
-        <p:spPr>
-          <a:xfrm>
-            <a:off x="2209799" y="3033390"/>
-            <a:ext cx="6096000" cy="369332"/>
-          </a:xfrm>
-          <a:prstGeom prst="rect">
-            <a:avLst/>
-          </a:prstGeom>
-          <a:noFill/>
-        </p:spPr>
-        <p:txBody>
-          <a:bodyPr wrap="square">
-            <a:spAutoFit/>
-          </a:bodyPr>
-          <a:lstStyle/>
-          <a:p>
-            <a:r>
-              <a:rPr lang="en-US" altLang="zh-CN" dirty="0" err="1"/>
-              <a:t>RoundRobinLoadBalancer</a:t>
-            </a:r>
-            <a:endParaRPr lang="zh-CN" altLang="en-US" dirty="0"/>
-          </a:p>
-        </p:txBody>
-      </p:sp>
-      <p:sp>
-        <p:nvSpPr>
-          <p:cNvPr id="28" name="文本框 27">
-            <a:extLst>
-              <a:ext uri="{FF2B5EF4-FFF2-40B4-BE49-F238E27FC236}">
-                <a16:creationId xmlns:a16="http://schemas.microsoft.com/office/drawing/2014/main" id="{7F034A94-57AC-462A-AE51-580121F990D0}"/>
-              </a:ext>
-            </a:extLst>
-          </p:cNvPr>
-          <p:cNvSpPr txBox="1"/>
-          <p:nvPr/>
-        </p:nvSpPr>
-        <p:spPr>
-          <a:xfrm>
-            <a:off x="3461656" y="4032222"/>
-            <a:ext cx="6096000" cy="369332"/>
-          </a:xfrm>
-          <a:prstGeom prst="rect">
-            <a:avLst/>
-          </a:prstGeom>
-          <a:noFill/>
-        </p:spPr>
-        <p:txBody>
-          <a:bodyPr wrap="square">
-            <a:spAutoFit/>
-          </a:bodyPr>
-          <a:lstStyle/>
-          <a:p>
-            <a:r>
-              <a:rPr lang="en-US" altLang="zh-CN" dirty="0"/>
-              <a:t>chose</a:t>
-            </a:r>
-            <a:endParaRPr lang="zh-CN" altLang="en-US" dirty="0"/>
-          </a:p>
-        </p:txBody>
-      </p:sp>
-    </p:spTree>
-    <p:extLst>
-      <p:ext uri="{BB962C8B-B14F-4D97-AF65-F5344CB8AC3E}">
-        <p14:creationId xmlns:p14="http://schemas.microsoft.com/office/powerpoint/2010/main" val="1811305277"/>
-      </p:ext>
-    </p:extLst>
-  </p:cSld>
-  <p:clrMapOvr>
-    <a:masterClrMapping/>
-  </p:clrMapOvr>
-</p:sld>
-</file>
-
-<file path=ppt/slides/slide7.xml><?xml version="1.0" encoding="utf-8"?>
-<p:sld xmlns:a="http://schemas.openxmlformats.org/drawingml/2006/main" xmlns:r="http://schemas.openxmlformats.org/officeDocument/2006/relationships" xmlns:p="http://schemas.openxmlformats.org/presentationml/2006/main">
-  <p:cSld>
-    <p:spTree>
-      <p:nvGrpSpPr>
-        <p:cNvPr id="1" name=""/>
-        <p:cNvGrpSpPr/>
-        <p:nvPr/>
-      </p:nvGrpSpPr>
-      <p:grpSpPr>
-        <a:xfrm>
-          <a:off x="0" y="0"/>
-          <a:ext cx="0" cy="0"/>
-          <a:chOff x="0" y="0"/>
-          <a:chExt cx="0" cy="0"/>
-        </a:xfrm>
-      </p:grpSpPr>
-      <p:sp>
-        <p:nvSpPr>
-          <p:cNvPr id="5" name="矩形 4">
-            <a:extLst>
-              <a:ext uri="{FF2B5EF4-FFF2-40B4-BE49-F238E27FC236}">
-                <a16:creationId xmlns:a16="http://schemas.microsoft.com/office/drawing/2014/main" id="{17DF3457-DFA3-4EC8-BE47-592C915CB686}"/>
-              </a:ext>
-            </a:extLst>
-          </p:cNvPr>
-          <p:cNvSpPr/>
-          <p:nvPr/>
-        </p:nvSpPr>
-        <p:spPr>
-          <a:xfrm>
-            <a:off x="1306286" y="370114"/>
-            <a:ext cx="2811600" cy="5788800"/>
-          </a:xfrm>
-          <a:prstGeom prst="rect">
-            <a:avLst/>
-          </a:prstGeom>
-          <a:solidFill>
-            <a:srgbClr val="92D050"/>
-          </a:solidFill>
-        </p:spPr>
-        <p:style>
-          <a:lnRef idx="2">
-            <a:schemeClr val="accent1">
-              <a:shade val="50000"/>
-            </a:schemeClr>
-          </a:lnRef>
-          <a:fillRef idx="1">
-            <a:schemeClr val="accent1"/>
-          </a:fillRef>
-          <a:effectRef idx="0">
-            <a:schemeClr val="accent1"/>
-          </a:effectRef>
-          <a:fontRef idx="minor">
-            <a:schemeClr val="lt1"/>
-          </a:fontRef>
-        </p:style>
-        <p:txBody>
-          <a:bodyPr rtlCol="0" anchor="ctr"/>
-          <a:lstStyle/>
-          <a:p>
-            <a:pPr algn="ctr"/>
-            <a:endParaRPr lang="zh-CN" altLang="en-US"/>
-          </a:p>
-        </p:txBody>
-      </p:sp>
-      <p:sp>
-        <p:nvSpPr>
-          <p:cNvPr id="6" name="矩形 5">
-            <a:extLst>
-              <a:ext uri="{FF2B5EF4-FFF2-40B4-BE49-F238E27FC236}">
-                <a16:creationId xmlns:a16="http://schemas.microsoft.com/office/drawing/2014/main" id="{9E8BD5BF-69FE-4F3B-86F6-52CA81426A7F}"/>
-              </a:ext>
-            </a:extLst>
-          </p:cNvPr>
-          <p:cNvSpPr/>
-          <p:nvPr/>
-        </p:nvSpPr>
-        <p:spPr>
-          <a:xfrm>
-            <a:off x="1318886" y="379114"/>
-            <a:ext cx="2786400" cy="5670000"/>
-          </a:xfrm>
-          <a:prstGeom prst="rect">
-            <a:avLst/>
-          </a:prstGeom>
-          <a:solidFill>
-            <a:schemeClr val="accent2"/>
-          </a:solidFill>
-        </p:spPr>
-        <p:style>
-          <a:lnRef idx="2">
-            <a:schemeClr val="accent1">
-              <a:shade val="50000"/>
-            </a:schemeClr>
-          </a:lnRef>
-          <a:fillRef idx="1">
-            <a:schemeClr val="accent1"/>
-          </a:fillRef>
-          <a:effectRef idx="0">
-            <a:schemeClr val="accent1"/>
-          </a:effectRef>
-          <a:fontRef idx="minor">
-            <a:schemeClr val="lt1"/>
-          </a:fontRef>
-        </p:style>
-        <p:txBody>
-          <a:bodyPr rtlCol="0" anchor="ctr"/>
-          <a:lstStyle/>
-          <a:p>
-            <a:pPr algn="ctr"/>
-            <a:endParaRPr lang="zh-CN" altLang="en-US"/>
-          </a:p>
-        </p:txBody>
-      </p:sp>
-      <p:sp>
-        <p:nvSpPr>
-          <p:cNvPr id="4" name="矩形 3">
-            <a:extLst>
-              <a:ext uri="{FF2B5EF4-FFF2-40B4-BE49-F238E27FC236}">
-                <a16:creationId xmlns:a16="http://schemas.microsoft.com/office/drawing/2014/main" id="{9D8E3A7D-8435-43C6-BEFE-86374274FF70}"/>
-              </a:ext>
-            </a:extLst>
-          </p:cNvPr>
-          <p:cNvSpPr/>
-          <p:nvPr/>
-        </p:nvSpPr>
-        <p:spPr>
-          <a:xfrm>
-            <a:off x="1306286" y="370114"/>
-            <a:ext cx="2642400" cy="5688000"/>
-          </a:xfrm>
-          <a:prstGeom prst="rect">
-            <a:avLst/>
-          </a:prstGeom>
-        </p:spPr>
-        <p:style>
-          <a:lnRef idx="2">
-            <a:schemeClr val="accent1">
-              <a:shade val="50000"/>
-            </a:schemeClr>
-          </a:lnRef>
-          <a:fillRef idx="1">
-            <a:schemeClr val="accent1"/>
-          </a:fillRef>
-          <a:effectRef idx="0">
-            <a:schemeClr val="accent1"/>
-          </a:effectRef>
-          <a:fontRef idx="minor">
-            <a:schemeClr val="lt1"/>
-          </a:fontRef>
-        </p:style>
-        <p:txBody>
-          <a:bodyPr rtlCol="0" anchor="ctr"/>
-          <a:lstStyle/>
-          <a:p>
-            <a:pPr algn="ctr"/>
-            <a:endParaRPr lang="zh-CN" altLang="en-US"/>
-          </a:p>
-        </p:txBody>
-      </p:sp>
-      <p:sp>
-        <p:nvSpPr>
-          <p:cNvPr id="7" name="矩形 6">
-            <a:extLst>
-              <a:ext uri="{FF2B5EF4-FFF2-40B4-BE49-F238E27FC236}">
-                <a16:creationId xmlns:a16="http://schemas.microsoft.com/office/drawing/2014/main" id="{F3E593B1-7D45-466D-AD30-D7D4DE440542}"/>
-              </a:ext>
-            </a:extLst>
-          </p:cNvPr>
-          <p:cNvSpPr/>
-          <p:nvPr/>
-        </p:nvSpPr>
-        <p:spPr>
-          <a:xfrm>
-            <a:off x="1306286" y="370114"/>
-            <a:ext cx="2574000" cy="5281200"/>
-          </a:xfrm>
-          <a:prstGeom prst="rect">
-            <a:avLst/>
-          </a:prstGeom>
-          <a:solidFill>
-            <a:schemeClr val="bg2">
-              <a:lumMod val="75000"/>
-            </a:schemeClr>
-          </a:solidFill>
-        </p:spPr>
-        <p:style>
-          <a:lnRef idx="2">
-            <a:schemeClr val="accent1">
-              <a:shade val="50000"/>
-            </a:schemeClr>
-          </a:lnRef>
-          <a:fillRef idx="1">
-            <a:schemeClr val="accent1"/>
-          </a:fillRef>
-          <a:effectRef idx="0">
-            <a:schemeClr val="accent1"/>
-          </a:effectRef>
-          <a:fontRef idx="minor">
-            <a:schemeClr val="lt1"/>
-          </a:fontRef>
-        </p:style>
-        <p:txBody>
-          <a:bodyPr rtlCol="0" anchor="ctr"/>
-          <a:lstStyle/>
-          <a:p>
-            <a:pPr algn="ctr"/>
-            <a:endParaRPr lang="zh-CN" altLang="en-US"/>
-          </a:p>
-        </p:txBody>
-      </p:sp>
-    </p:spTree>
-    <p:extLst>
-      <p:ext uri="{BB962C8B-B14F-4D97-AF65-F5344CB8AC3E}">
-        <p14:creationId xmlns:p14="http://schemas.microsoft.com/office/powerpoint/2010/main" val="1871209221"/>
       </p:ext>
     </p:extLst>
   </p:cSld>
